--- a/motion_ctrl/10key_command.pptx
+++ b/motion_ctrl/10key_command.pptx
@@ -5,8 +5,8 @@
     <p:sldMasterId id="2147483648" r:id="rId1"/>
   </p:sldMasterIdLst>
   <p:sldIdLst>
-    <p:sldId id="256" r:id="rId2"/>
-    <p:sldId id="257" r:id="rId3"/>
+    <p:sldId id="257" r:id="rId2"/>
+    <p:sldId id="256" r:id="rId3"/>
   </p:sldIdLst>
   <p:sldSz cx="9144000" cy="5143500" type="screen16x9"/>
   <p:notesSz cx="6858000" cy="9144000"/>
@@ -289,7 +289,7 @@
           <a:p>
             <a:fld id="{64361650-CFE1-4D11-96E8-4B9F93353474}" type="datetimeFigureOut">
               <a:rPr kumimoji="1" lang="ja-JP" altLang="en-US" smtClean="0"/>
-              <a:t>2019/7/21</a:t>
+              <a:t>2019/7/27</a:t>
             </a:fld>
             <a:endParaRPr kumimoji="1" lang="ja-JP" altLang="en-US"/>
           </a:p>
@@ -491,7 +491,7 @@
           <a:p>
             <a:fld id="{64361650-CFE1-4D11-96E8-4B9F93353474}" type="datetimeFigureOut">
               <a:rPr kumimoji="1" lang="ja-JP" altLang="en-US" smtClean="0"/>
-              <a:t>2019/7/21</a:t>
+              <a:t>2019/7/27</a:t>
             </a:fld>
             <a:endParaRPr kumimoji="1" lang="ja-JP" altLang="en-US"/>
           </a:p>
@@ -703,7 +703,7 @@
           <a:p>
             <a:fld id="{64361650-CFE1-4D11-96E8-4B9F93353474}" type="datetimeFigureOut">
               <a:rPr kumimoji="1" lang="ja-JP" altLang="en-US" smtClean="0"/>
-              <a:t>2019/7/21</a:t>
+              <a:t>2019/7/27</a:t>
             </a:fld>
             <a:endParaRPr kumimoji="1" lang="ja-JP" altLang="en-US"/>
           </a:p>
@@ -905,7 +905,7 @@
           <a:p>
             <a:fld id="{64361650-CFE1-4D11-96E8-4B9F93353474}" type="datetimeFigureOut">
               <a:rPr kumimoji="1" lang="ja-JP" altLang="en-US" smtClean="0"/>
-              <a:t>2019/7/21</a:t>
+              <a:t>2019/7/27</a:t>
             </a:fld>
             <a:endParaRPr kumimoji="1" lang="ja-JP" altLang="en-US"/>
           </a:p>
@@ -1151,7 +1151,7 @@
           <a:p>
             <a:fld id="{64361650-CFE1-4D11-96E8-4B9F93353474}" type="datetimeFigureOut">
               <a:rPr kumimoji="1" lang="ja-JP" altLang="en-US" smtClean="0"/>
-              <a:t>2019/7/21</a:t>
+              <a:t>2019/7/27</a:t>
             </a:fld>
             <a:endParaRPr kumimoji="1" lang="ja-JP" altLang="en-US"/>
           </a:p>
@@ -1503,7 +1503,7 @@
           <a:p>
             <a:fld id="{64361650-CFE1-4D11-96E8-4B9F93353474}" type="datetimeFigureOut">
               <a:rPr kumimoji="1" lang="ja-JP" altLang="en-US" smtClean="0"/>
-              <a:t>2019/7/21</a:t>
+              <a:t>2019/7/27</a:t>
             </a:fld>
             <a:endParaRPr kumimoji="1" lang="ja-JP" altLang="en-US"/>
           </a:p>
@@ -1989,7 +1989,7 @@
           <a:p>
             <a:fld id="{64361650-CFE1-4D11-96E8-4B9F93353474}" type="datetimeFigureOut">
               <a:rPr kumimoji="1" lang="ja-JP" altLang="en-US" smtClean="0"/>
-              <a:t>2019/7/21</a:t>
+              <a:t>2019/7/27</a:t>
             </a:fld>
             <a:endParaRPr kumimoji="1" lang="ja-JP" altLang="en-US"/>
           </a:p>
@@ -2107,7 +2107,7 @@
           <a:p>
             <a:fld id="{64361650-CFE1-4D11-96E8-4B9F93353474}" type="datetimeFigureOut">
               <a:rPr kumimoji="1" lang="ja-JP" altLang="en-US" smtClean="0"/>
-              <a:t>2019/7/21</a:t>
+              <a:t>2019/7/27</a:t>
             </a:fld>
             <a:endParaRPr kumimoji="1" lang="ja-JP" altLang="en-US"/>
           </a:p>
@@ -2202,7 +2202,7 @@
           <a:p>
             <a:fld id="{64361650-CFE1-4D11-96E8-4B9F93353474}" type="datetimeFigureOut">
               <a:rPr kumimoji="1" lang="ja-JP" altLang="en-US" smtClean="0"/>
-              <a:t>2019/7/21</a:t>
+              <a:t>2019/7/27</a:t>
             </a:fld>
             <a:endParaRPr kumimoji="1" lang="ja-JP" altLang="en-US"/>
           </a:p>
@@ -2511,7 +2511,7 @@
           <a:p>
             <a:fld id="{64361650-CFE1-4D11-96E8-4B9F93353474}" type="datetimeFigureOut">
               <a:rPr kumimoji="1" lang="ja-JP" altLang="en-US" smtClean="0"/>
-              <a:t>2019/7/21</a:t>
+              <a:t>2019/7/27</a:t>
             </a:fld>
             <a:endParaRPr kumimoji="1" lang="ja-JP" altLang="en-US"/>
           </a:p>
@@ -2764,7 +2764,7 @@
           <a:p>
             <a:fld id="{64361650-CFE1-4D11-96E8-4B9F93353474}" type="datetimeFigureOut">
               <a:rPr kumimoji="1" lang="ja-JP" altLang="en-US" smtClean="0"/>
-              <a:t>2019/7/21</a:t>
+              <a:t>2019/7/27</a:t>
             </a:fld>
             <a:endParaRPr kumimoji="1" lang="ja-JP" altLang="en-US"/>
           </a:p>
@@ -3009,7 +3009,7 @@
           <a:p>
             <a:fld id="{64361650-CFE1-4D11-96E8-4B9F93353474}" type="datetimeFigureOut">
               <a:rPr kumimoji="1" lang="ja-JP" altLang="en-US" smtClean="0"/>
-              <a:t>2019/7/21</a:t>
+              <a:t>2019/7/27</a:t>
             </a:fld>
             <a:endParaRPr kumimoji="1" lang="ja-JP" altLang="en-US"/>
           </a:p>
@@ -3384,9 +3384,1068 @@
           <a:chExt cx="0" cy="0"/>
         </a:xfrm>
       </p:grpSpPr>
+      <p:cxnSp>
+        <p:nvCxnSpPr>
+          <p:cNvPr id="29" name="直線コネクタ 28"/>
+          <p:cNvCxnSpPr/>
+          <p:nvPr/>
+        </p:nvCxnSpPr>
+        <p:spPr>
+          <a:xfrm>
+            <a:off x="4183583" y="1495107"/>
+            <a:ext cx="4118846" cy="0"/>
+          </a:xfrm>
+          <a:prstGeom prst="line">
+            <a:avLst/>
+          </a:prstGeom>
+        </p:spPr>
+        <p:style>
+          <a:lnRef idx="1">
+            <a:schemeClr val="accent1"/>
+          </a:lnRef>
+          <a:fillRef idx="0">
+            <a:schemeClr val="accent1"/>
+          </a:fillRef>
+          <a:effectRef idx="0">
+            <a:schemeClr val="accent1"/>
+          </a:effectRef>
+          <a:fontRef idx="minor">
+            <a:schemeClr val="tx1"/>
+          </a:fontRef>
+        </p:style>
+      </p:cxnSp>
+      <p:cxnSp>
+        <p:nvCxnSpPr>
+          <p:cNvPr id="31" name="直線コネクタ 30"/>
+          <p:cNvCxnSpPr/>
+          <p:nvPr/>
+        </p:nvCxnSpPr>
+        <p:spPr>
+          <a:xfrm>
+            <a:off x="4272595" y="3966253"/>
+            <a:ext cx="4118846" cy="0"/>
+          </a:xfrm>
+          <a:prstGeom prst="line">
+            <a:avLst/>
+          </a:prstGeom>
+        </p:spPr>
+        <p:style>
+          <a:lnRef idx="1">
+            <a:schemeClr val="accent1"/>
+          </a:lnRef>
+          <a:fillRef idx="0">
+            <a:schemeClr val="accent1"/>
+          </a:fillRef>
+          <a:effectRef idx="0">
+            <a:schemeClr val="accent1"/>
+          </a:effectRef>
+          <a:fontRef idx="minor">
+            <a:schemeClr val="tx1"/>
+          </a:fontRef>
+        </p:style>
+      </p:cxnSp>
+      <p:sp>
+        <p:nvSpPr>
+          <p:cNvPr id="1024" name="テキスト ボックス 1023"/>
+          <p:cNvSpPr txBox="1"/>
+          <p:nvPr/>
+        </p:nvSpPr>
+        <p:spPr>
+          <a:xfrm>
+            <a:off x="4183583" y="388418"/>
+            <a:ext cx="2031102" cy="369332"/>
+          </a:xfrm>
+          <a:prstGeom prst="rect">
+            <a:avLst/>
+          </a:prstGeom>
+          <a:noFill/>
+        </p:spPr>
+        <p:txBody>
+          <a:bodyPr wrap="square" rtlCol="0">
+            <a:spAutoFit/>
+          </a:bodyPr>
+          <a:lstStyle/>
+          <a:p>
+            <a:r>
+              <a:rPr lang="ja-JP" altLang="en-US" dirty="0" smtClean="0"/>
+              <a:t>シナリオコマンド</a:t>
+            </a:r>
+            <a:endParaRPr kumimoji="1" lang="ja-JP" altLang="en-US" dirty="0"/>
+          </a:p>
+        </p:txBody>
+      </p:sp>
+      <p:sp>
+        <p:nvSpPr>
+          <p:cNvPr id="34" name="テキスト ボックス 33"/>
+          <p:cNvSpPr txBox="1"/>
+          <p:nvPr/>
+        </p:nvSpPr>
+        <p:spPr>
+          <a:xfrm>
+            <a:off x="4272595" y="1559367"/>
+            <a:ext cx="1230020" cy="369332"/>
+          </a:xfrm>
+          <a:prstGeom prst="rect">
+            <a:avLst/>
+          </a:prstGeom>
+          <a:noFill/>
+        </p:spPr>
+        <p:txBody>
+          <a:bodyPr wrap="square" rtlCol="0">
+            <a:spAutoFit/>
+          </a:bodyPr>
+          <a:lstStyle/>
+          <a:p>
+            <a:r>
+              <a:rPr lang="ja-JP" altLang="en-US" dirty="0" smtClean="0"/>
+              <a:t>モーター</a:t>
+            </a:r>
+            <a:r>
+              <a:rPr lang="en-US" altLang="ja-JP" dirty="0" smtClean="0"/>
+              <a:t>ID</a:t>
+            </a:r>
+            <a:endParaRPr kumimoji="1" lang="ja-JP" altLang="en-US" dirty="0"/>
+          </a:p>
+        </p:txBody>
+      </p:sp>
+      <p:sp>
+        <p:nvSpPr>
+          <p:cNvPr id="35" name="テキスト ボックス 34"/>
+          <p:cNvSpPr txBox="1"/>
+          <p:nvPr/>
+        </p:nvSpPr>
+        <p:spPr>
+          <a:xfrm>
+            <a:off x="4300916" y="3966253"/>
+            <a:ext cx="2031102" cy="369332"/>
+          </a:xfrm>
+          <a:prstGeom prst="rect">
+            <a:avLst/>
+          </a:prstGeom>
+          <a:noFill/>
+        </p:spPr>
+        <p:txBody>
+          <a:bodyPr wrap="square" rtlCol="0">
+            <a:spAutoFit/>
+          </a:bodyPr>
+          <a:lstStyle/>
+          <a:p>
+            <a:r>
+              <a:rPr kumimoji="1" lang="ja-JP" altLang="en-US" dirty="0" smtClean="0"/>
+              <a:t>その他コマンド</a:t>
+            </a:r>
+            <a:endParaRPr kumimoji="1" lang="ja-JP" altLang="en-US" dirty="0"/>
+          </a:p>
+        </p:txBody>
+      </p:sp>
+      <p:sp>
+        <p:nvSpPr>
+          <p:cNvPr id="36" name="テキスト ボックス 35"/>
+          <p:cNvSpPr txBox="1"/>
+          <p:nvPr/>
+        </p:nvSpPr>
+        <p:spPr>
+          <a:xfrm>
+            <a:off x="5350498" y="757750"/>
+            <a:ext cx="540000" cy="576000"/>
+          </a:xfrm>
+          <a:prstGeom prst="roundRect">
+            <a:avLst/>
+          </a:prstGeom>
+          <a:solidFill>
+            <a:srgbClr val="FFC000"/>
+          </a:solidFill>
+          <a:ln w="28575">
+            <a:solidFill>
+              <a:schemeClr val="tx1"/>
+            </a:solidFill>
+          </a:ln>
+        </p:spPr>
+        <p:txBody>
+          <a:bodyPr wrap="none" rtlCol="0" anchor="ctr">
+            <a:noAutofit/>
+          </a:bodyPr>
+          <a:lstStyle>
+            <a:defPPr>
+              <a:defRPr lang="ja-JP"/>
+            </a:defPPr>
+            <a:lvl1pPr algn="ctr">
+              <a:defRPr sz="1400" b="1">
+                <a:solidFill>
+                  <a:srgbClr val="0070C0"/>
+                </a:solidFill>
+              </a:defRPr>
+            </a:lvl1pPr>
+          </a:lstStyle>
+          <a:p>
+            <a:r>
+              <a:rPr lang="en-US" altLang="ja-JP" dirty="0"/>
+              <a:t>RIGHT</a:t>
+            </a:r>
+            <a:endParaRPr lang="ja-JP" altLang="en-US" dirty="0"/>
+          </a:p>
+        </p:txBody>
+      </p:sp>
+      <p:sp>
+        <p:nvSpPr>
+          <p:cNvPr id="37" name="テキスト ボックス 36"/>
+          <p:cNvSpPr txBox="1"/>
+          <p:nvPr/>
+        </p:nvSpPr>
+        <p:spPr>
+          <a:xfrm>
+            <a:off x="4468466" y="757750"/>
+            <a:ext cx="540000" cy="576000"/>
+          </a:xfrm>
+          <a:prstGeom prst="roundRect">
+            <a:avLst/>
+          </a:prstGeom>
+          <a:solidFill>
+            <a:srgbClr val="FFC000"/>
+          </a:solidFill>
+          <a:ln w="28575">
+            <a:solidFill>
+              <a:schemeClr val="tx1"/>
+            </a:solidFill>
+          </a:ln>
+        </p:spPr>
+        <p:txBody>
+          <a:bodyPr wrap="none" rtlCol="0" anchor="ctr">
+            <a:noAutofit/>
+          </a:bodyPr>
+          <a:lstStyle>
+            <a:defPPr>
+              <a:defRPr lang="ja-JP"/>
+            </a:defPPr>
+            <a:lvl1pPr algn="ctr">
+              <a:defRPr sz="1400" b="1">
+                <a:solidFill>
+                  <a:srgbClr val="0070C0"/>
+                </a:solidFill>
+              </a:defRPr>
+            </a:lvl1pPr>
+          </a:lstStyle>
+          <a:p>
+            <a:r>
+              <a:rPr lang="en-US" altLang="ja-JP" dirty="0"/>
+              <a:t>LEFT</a:t>
+            </a:r>
+            <a:endParaRPr lang="ja-JP" altLang="en-US" dirty="0"/>
+          </a:p>
+        </p:txBody>
+      </p:sp>
+      <p:sp>
+        <p:nvSpPr>
+          <p:cNvPr id="38" name="テキスト ボックス 37"/>
+          <p:cNvSpPr txBox="1"/>
+          <p:nvPr/>
+        </p:nvSpPr>
+        <p:spPr>
+          <a:xfrm>
+            <a:off x="6224439" y="757750"/>
+            <a:ext cx="540000" cy="576000"/>
+          </a:xfrm>
+          <a:prstGeom prst="roundRect">
+            <a:avLst/>
+          </a:prstGeom>
+          <a:solidFill>
+            <a:srgbClr val="FFC000"/>
+          </a:solidFill>
+          <a:ln w="28575">
+            <a:solidFill>
+              <a:schemeClr val="tx1"/>
+            </a:solidFill>
+          </a:ln>
+        </p:spPr>
+        <p:txBody>
+          <a:bodyPr wrap="none" rtlCol="0" anchor="ctr">
+            <a:noAutofit/>
+          </a:bodyPr>
+          <a:lstStyle/>
+          <a:p>
+            <a:pPr algn="ctr"/>
+            <a:r>
+              <a:rPr lang="en-US" altLang="ja-JP" sz="1400" b="1" dirty="0" smtClean="0">
+                <a:solidFill>
+                  <a:srgbClr val="0070C0"/>
+                </a:solidFill>
+              </a:rPr>
+              <a:t>WALK</a:t>
+            </a:r>
+            <a:endParaRPr kumimoji="1" lang="ja-JP" altLang="en-US" sz="1400" b="1" dirty="0">
+              <a:solidFill>
+                <a:srgbClr val="0070C0"/>
+              </a:solidFill>
+            </a:endParaRPr>
+          </a:p>
+        </p:txBody>
+      </p:sp>
+      <p:sp>
+        <p:nvSpPr>
+          <p:cNvPr id="39" name="テキスト ボックス 38"/>
+          <p:cNvSpPr txBox="1"/>
+          <p:nvPr/>
+        </p:nvSpPr>
+        <p:spPr>
+          <a:xfrm>
+            <a:off x="7130745" y="757750"/>
+            <a:ext cx="540000" cy="576000"/>
+          </a:xfrm>
+          <a:prstGeom prst="roundRect">
+            <a:avLst/>
+          </a:prstGeom>
+          <a:solidFill>
+            <a:srgbClr val="FFC000"/>
+          </a:solidFill>
+          <a:ln w="28575">
+            <a:solidFill>
+              <a:schemeClr val="tx1"/>
+            </a:solidFill>
+          </a:ln>
+        </p:spPr>
+        <p:txBody>
+          <a:bodyPr wrap="none" rtlCol="0" anchor="ctr">
+            <a:noAutofit/>
+          </a:bodyPr>
+          <a:lstStyle/>
+          <a:p>
+            <a:pPr algn="ctr"/>
+            <a:r>
+              <a:rPr lang="en-US" altLang="ja-JP" sz="1400" b="1" dirty="0" smtClean="0">
+                <a:solidFill>
+                  <a:srgbClr val="0070C0"/>
+                </a:solidFill>
+              </a:rPr>
+              <a:t>BACK</a:t>
+            </a:r>
+            <a:endParaRPr kumimoji="1" lang="ja-JP" altLang="en-US" sz="1400" b="1" dirty="0">
+              <a:solidFill>
+                <a:srgbClr val="0070C0"/>
+              </a:solidFill>
+            </a:endParaRPr>
+          </a:p>
+        </p:txBody>
+      </p:sp>
+      <p:sp>
+        <p:nvSpPr>
+          <p:cNvPr id="40" name="テキスト ボックス 39"/>
+          <p:cNvSpPr txBox="1"/>
+          <p:nvPr/>
+        </p:nvSpPr>
+        <p:spPr>
+          <a:xfrm>
+            <a:off x="4355646" y="1952961"/>
+            <a:ext cx="540000" cy="576000"/>
+          </a:xfrm>
+          <a:prstGeom prst="roundRect">
+            <a:avLst/>
+          </a:prstGeom>
+          <a:solidFill>
+            <a:schemeClr val="accent3">
+              <a:lumMod val="60000"/>
+              <a:lumOff val="40000"/>
+            </a:schemeClr>
+          </a:solidFill>
+          <a:ln w="28575">
+            <a:solidFill>
+              <a:schemeClr val="tx1"/>
+            </a:solidFill>
+          </a:ln>
+        </p:spPr>
+        <p:txBody>
+          <a:bodyPr wrap="none" rtlCol="0" anchor="ctr">
+            <a:noAutofit/>
+          </a:bodyPr>
+          <a:lstStyle/>
+          <a:p>
+            <a:r>
+              <a:rPr lang="en-US" altLang="ja-JP" b="1" dirty="0" smtClean="0">
+                <a:solidFill>
+                  <a:srgbClr val="0070C0"/>
+                </a:solidFill>
+              </a:rPr>
+              <a:t>“2”</a:t>
+            </a:r>
+            <a:endParaRPr kumimoji="1" lang="ja-JP" altLang="en-US" b="1" dirty="0">
+              <a:solidFill>
+                <a:srgbClr val="0070C0"/>
+              </a:solidFill>
+            </a:endParaRPr>
+          </a:p>
+        </p:txBody>
+      </p:sp>
+      <p:sp>
+        <p:nvSpPr>
+          <p:cNvPr id="41" name="テキスト ボックス 40"/>
+          <p:cNvSpPr txBox="1"/>
+          <p:nvPr/>
+        </p:nvSpPr>
+        <p:spPr>
+          <a:xfrm>
+            <a:off x="5330388" y="1952961"/>
+            <a:ext cx="540000" cy="576000"/>
+          </a:xfrm>
+          <a:prstGeom prst="roundRect">
+            <a:avLst/>
+          </a:prstGeom>
+          <a:solidFill>
+            <a:schemeClr val="accent3">
+              <a:lumMod val="60000"/>
+              <a:lumOff val="40000"/>
+            </a:schemeClr>
+          </a:solidFill>
+          <a:ln w="28575">
+            <a:solidFill>
+              <a:schemeClr val="tx1"/>
+            </a:solidFill>
+          </a:ln>
+        </p:spPr>
+        <p:txBody>
+          <a:bodyPr wrap="none" rtlCol="0" anchor="ctr">
+            <a:noAutofit/>
+          </a:bodyPr>
+          <a:lstStyle/>
+          <a:p>
+            <a:r>
+              <a:rPr lang="en-US" altLang="ja-JP" b="1" dirty="0" smtClean="0">
+                <a:solidFill>
+                  <a:srgbClr val="0070C0"/>
+                </a:solidFill>
+              </a:rPr>
+              <a:t>“7”</a:t>
+            </a:r>
+            <a:endParaRPr kumimoji="1" lang="ja-JP" altLang="en-US" b="1" dirty="0">
+              <a:solidFill>
+                <a:srgbClr val="0070C0"/>
+              </a:solidFill>
+            </a:endParaRPr>
+          </a:p>
+        </p:txBody>
+      </p:sp>
+      <p:sp>
+        <p:nvSpPr>
+          <p:cNvPr id="42" name="テキスト ボックス 41"/>
+          <p:cNvSpPr txBox="1"/>
+          <p:nvPr/>
+        </p:nvSpPr>
+        <p:spPr>
+          <a:xfrm>
+            <a:off x="4843017" y="2890720"/>
+            <a:ext cx="540000" cy="576000"/>
+          </a:xfrm>
+          <a:prstGeom prst="roundRect">
+            <a:avLst/>
+          </a:prstGeom>
+          <a:solidFill>
+            <a:schemeClr val="accent3">
+              <a:lumMod val="60000"/>
+              <a:lumOff val="40000"/>
+            </a:schemeClr>
+          </a:solidFill>
+          <a:ln w="28575">
+            <a:solidFill>
+              <a:schemeClr val="tx1"/>
+            </a:solidFill>
+          </a:ln>
+        </p:spPr>
+        <p:txBody>
+          <a:bodyPr wrap="none" rtlCol="0" anchor="ctr">
+            <a:noAutofit/>
+          </a:bodyPr>
+          <a:lstStyle/>
+          <a:p>
+            <a:pPr algn="ctr"/>
+            <a:r>
+              <a:rPr lang="en-US" altLang="ja-JP" sz="1400" b="1" dirty="0" smtClean="0">
+                <a:solidFill>
+                  <a:srgbClr val="0070C0"/>
+                </a:solidFill>
+              </a:rPr>
+              <a:t>ALL</a:t>
+            </a:r>
+            <a:endParaRPr kumimoji="1" lang="ja-JP" altLang="en-US" sz="1400" b="1" dirty="0">
+              <a:solidFill>
+                <a:srgbClr val="0070C0"/>
+              </a:solidFill>
+            </a:endParaRPr>
+          </a:p>
+        </p:txBody>
+      </p:sp>
+      <p:sp>
+        <p:nvSpPr>
+          <p:cNvPr id="1025" name="テキスト ボックス 1024"/>
+          <p:cNvSpPr txBox="1"/>
+          <p:nvPr/>
+        </p:nvSpPr>
+        <p:spPr>
+          <a:xfrm>
+            <a:off x="4905268" y="2087211"/>
+            <a:ext cx="415498" cy="369332"/>
+          </a:xfrm>
+          <a:prstGeom prst="rect">
+            <a:avLst/>
+          </a:prstGeom>
+          <a:noFill/>
+        </p:spPr>
+        <p:txBody>
+          <a:bodyPr wrap="none" rtlCol="0">
+            <a:spAutoFit/>
+          </a:bodyPr>
+          <a:lstStyle/>
+          <a:p>
+            <a:r>
+              <a:rPr kumimoji="1" lang="ja-JP" altLang="en-US" dirty="0" smtClean="0"/>
+              <a:t>～</a:t>
+            </a:r>
+            <a:endParaRPr kumimoji="1" lang="ja-JP" altLang="en-US" dirty="0"/>
+          </a:p>
+        </p:txBody>
+      </p:sp>
+      <p:sp>
+        <p:nvSpPr>
+          <p:cNvPr id="44" name="テキスト ボックス 43"/>
+          <p:cNvSpPr txBox="1"/>
+          <p:nvPr/>
+        </p:nvSpPr>
+        <p:spPr>
+          <a:xfrm>
+            <a:off x="4919695" y="2475207"/>
+            <a:ext cx="386644" cy="369332"/>
+          </a:xfrm>
+          <a:prstGeom prst="rect">
+            <a:avLst/>
+          </a:prstGeom>
+          <a:noFill/>
+        </p:spPr>
+        <p:txBody>
+          <a:bodyPr wrap="none" rtlCol="0">
+            <a:spAutoFit/>
+          </a:bodyPr>
+          <a:lstStyle/>
+          <a:p>
+            <a:r>
+              <a:rPr kumimoji="1" lang="en-US" altLang="ja-JP" dirty="0" smtClean="0">
+                <a:solidFill>
+                  <a:srgbClr val="0070C0"/>
+                </a:solidFill>
+              </a:rPr>
+              <a:t>or</a:t>
+            </a:r>
+            <a:endParaRPr kumimoji="1" lang="ja-JP" altLang="en-US" dirty="0">
+              <a:solidFill>
+                <a:srgbClr val="0070C0"/>
+              </a:solidFill>
+            </a:endParaRPr>
+          </a:p>
+        </p:txBody>
+      </p:sp>
+      <p:sp>
+        <p:nvSpPr>
+          <p:cNvPr id="1027" name="右中かっこ 1026"/>
+          <p:cNvSpPr/>
+          <p:nvPr/>
+        </p:nvSpPr>
+        <p:spPr>
+          <a:xfrm>
+            <a:off x="6107224" y="1952960"/>
+            <a:ext cx="180000" cy="1548000"/>
+          </a:xfrm>
+          <a:prstGeom prst="rightBrace">
+            <a:avLst/>
+          </a:prstGeom>
+          <a:ln w="28575"/>
+        </p:spPr>
+        <p:style>
+          <a:lnRef idx="1">
+            <a:schemeClr val="accent1"/>
+          </a:lnRef>
+          <a:fillRef idx="0">
+            <a:schemeClr val="accent1"/>
+          </a:fillRef>
+          <a:effectRef idx="0">
+            <a:schemeClr val="accent1"/>
+          </a:effectRef>
+          <a:fontRef idx="minor">
+            <a:schemeClr val="tx1"/>
+          </a:fontRef>
+        </p:style>
+        <p:txBody>
+          <a:bodyPr rtlCol="0" anchor="ctr"/>
+          <a:lstStyle/>
+          <a:p>
+            <a:pPr algn="ctr"/>
+            <a:endParaRPr kumimoji="1" lang="ja-JP" altLang="en-US"/>
+          </a:p>
+        </p:txBody>
+      </p:sp>
+      <p:sp>
+        <p:nvSpPr>
+          <p:cNvPr id="46" name="テキスト ボックス 45"/>
+          <p:cNvSpPr txBox="1"/>
+          <p:nvPr/>
+        </p:nvSpPr>
+        <p:spPr>
+          <a:xfrm>
+            <a:off x="6197224" y="2475207"/>
+            <a:ext cx="543739" cy="523220"/>
+          </a:xfrm>
+          <a:prstGeom prst="rect">
+            <a:avLst/>
+          </a:prstGeom>
+          <a:noFill/>
+        </p:spPr>
+        <p:txBody>
+          <a:bodyPr wrap="none" rtlCol="0">
+            <a:spAutoFit/>
+          </a:bodyPr>
+          <a:lstStyle/>
+          <a:p>
+            <a:r>
+              <a:rPr kumimoji="1" lang="ja-JP" altLang="en-US" sz="2800" dirty="0" smtClean="0">
+                <a:solidFill>
+                  <a:srgbClr val="0070C0"/>
+                </a:solidFill>
+              </a:rPr>
+              <a:t>＋</a:t>
+            </a:r>
+            <a:endParaRPr kumimoji="1" lang="ja-JP" altLang="en-US" sz="2800" dirty="0">
+              <a:solidFill>
+                <a:srgbClr val="0070C0"/>
+              </a:solidFill>
+            </a:endParaRPr>
+          </a:p>
+        </p:txBody>
+      </p:sp>
+      <p:sp>
+        <p:nvSpPr>
+          <p:cNvPr id="47" name="テキスト ボックス 46"/>
+          <p:cNvSpPr txBox="1"/>
+          <p:nvPr/>
+        </p:nvSpPr>
+        <p:spPr>
+          <a:xfrm>
+            <a:off x="7023055" y="1967204"/>
+            <a:ext cx="540000" cy="576000"/>
+          </a:xfrm>
+          <a:prstGeom prst="roundRect">
+            <a:avLst/>
+          </a:prstGeom>
+          <a:solidFill>
+            <a:schemeClr val="tx2">
+              <a:lumMod val="20000"/>
+              <a:lumOff val="80000"/>
+            </a:schemeClr>
+          </a:solidFill>
+          <a:ln w="28575">
+            <a:solidFill>
+              <a:schemeClr val="tx1"/>
+            </a:solidFill>
+          </a:ln>
+        </p:spPr>
+        <p:txBody>
+          <a:bodyPr wrap="none" rtlCol="0" anchor="ctr">
+            <a:noAutofit/>
+          </a:bodyPr>
+          <a:lstStyle/>
+          <a:p>
+            <a:pPr algn="ctr"/>
+            <a:r>
+              <a:rPr lang="en-US" altLang="ja-JP" sz="1400" b="1" dirty="0" smtClean="0">
+                <a:solidFill>
+                  <a:srgbClr val="0070C0"/>
+                </a:solidFill>
+              </a:rPr>
+              <a:t>UP</a:t>
+            </a:r>
+            <a:endParaRPr kumimoji="1" lang="ja-JP" altLang="en-US" sz="1400" b="1" dirty="0">
+              <a:solidFill>
+                <a:srgbClr val="0070C0"/>
+              </a:solidFill>
+            </a:endParaRPr>
+          </a:p>
+        </p:txBody>
+      </p:sp>
+      <p:sp>
+        <p:nvSpPr>
+          <p:cNvPr id="48" name="テキスト ボックス 47"/>
+          <p:cNvSpPr txBox="1"/>
+          <p:nvPr/>
+        </p:nvSpPr>
+        <p:spPr>
+          <a:xfrm>
+            <a:off x="7674912" y="1967204"/>
+            <a:ext cx="540000" cy="576000"/>
+          </a:xfrm>
+          <a:prstGeom prst="roundRect">
+            <a:avLst/>
+          </a:prstGeom>
+          <a:solidFill>
+            <a:schemeClr val="tx2">
+              <a:lumMod val="20000"/>
+              <a:lumOff val="80000"/>
+            </a:schemeClr>
+          </a:solidFill>
+          <a:ln w="28575">
+            <a:solidFill>
+              <a:schemeClr val="tx1"/>
+            </a:solidFill>
+          </a:ln>
+        </p:spPr>
+        <p:txBody>
+          <a:bodyPr wrap="none" rtlCol="0" anchor="ctr">
+            <a:noAutofit/>
+          </a:bodyPr>
+          <a:lstStyle/>
+          <a:p>
+            <a:pPr algn="ctr"/>
+            <a:r>
+              <a:rPr lang="en-US" altLang="ja-JP" sz="1400" b="1" dirty="0" smtClean="0">
+                <a:solidFill>
+                  <a:srgbClr val="0070C0"/>
+                </a:solidFill>
+              </a:rPr>
+              <a:t>DOWN</a:t>
+            </a:r>
+            <a:endParaRPr kumimoji="1" lang="ja-JP" altLang="en-US" sz="1400" b="1" dirty="0">
+              <a:solidFill>
+                <a:srgbClr val="0070C0"/>
+              </a:solidFill>
+            </a:endParaRPr>
+          </a:p>
+        </p:txBody>
+      </p:sp>
+      <p:sp>
+        <p:nvSpPr>
+          <p:cNvPr id="49" name="テキスト ボックス 48"/>
+          <p:cNvSpPr txBox="1"/>
+          <p:nvPr/>
+        </p:nvSpPr>
+        <p:spPr>
+          <a:xfrm>
+            <a:off x="7023055" y="2912536"/>
+            <a:ext cx="540000" cy="576000"/>
+          </a:xfrm>
+          <a:prstGeom prst="roundRect">
+            <a:avLst/>
+          </a:prstGeom>
+          <a:solidFill>
+            <a:schemeClr val="tx2">
+              <a:lumMod val="20000"/>
+              <a:lumOff val="80000"/>
+            </a:schemeClr>
+          </a:solidFill>
+          <a:ln w="28575">
+            <a:solidFill>
+              <a:schemeClr val="tx1"/>
+            </a:solidFill>
+          </a:ln>
+        </p:spPr>
+        <p:txBody>
+          <a:bodyPr wrap="none" rtlCol="0" anchor="ctr">
+            <a:noAutofit/>
+          </a:bodyPr>
+          <a:lstStyle>
+            <a:defPPr>
+              <a:defRPr lang="ja-JP"/>
+            </a:defPPr>
+            <a:lvl1pPr algn="ctr">
+              <a:defRPr sz="1400" b="1">
+                <a:solidFill>
+                  <a:srgbClr val="0070C0"/>
+                </a:solidFill>
+              </a:defRPr>
+            </a:lvl1pPr>
+          </a:lstStyle>
+          <a:p>
+            <a:r>
+              <a:rPr lang="en-US" altLang="ja-JP" dirty="0"/>
+              <a:t>POS</a:t>
+            </a:r>
+          </a:p>
+          <a:p>
+            <a:r>
+              <a:rPr lang="en-US" altLang="ja-JP" dirty="0"/>
+              <a:t>0</a:t>
+            </a:r>
+            <a:endParaRPr lang="ja-JP" altLang="en-US" dirty="0"/>
+          </a:p>
+        </p:txBody>
+      </p:sp>
+      <p:sp>
+        <p:nvSpPr>
+          <p:cNvPr id="50" name="テキスト ボックス 49"/>
+          <p:cNvSpPr txBox="1"/>
+          <p:nvPr/>
+        </p:nvSpPr>
+        <p:spPr>
+          <a:xfrm>
+            <a:off x="7674912" y="2898293"/>
+            <a:ext cx="540000" cy="576000"/>
+          </a:xfrm>
+          <a:prstGeom prst="roundRect">
+            <a:avLst/>
+          </a:prstGeom>
+          <a:solidFill>
+            <a:schemeClr val="tx2">
+              <a:lumMod val="20000"/>
+              <a:lumOff val="80000"/>
+            </a:schemeClr>
+          </a:solidFill>
+          <a:ln w="28575">
+            <a:solidFill>
+              <a:schemeClr val="tx1"/>
+            </a:solidFill>
+          </a:ln>
+        </p:spPr>
+        <p:txBody>
+          <a:bodyPr wrap="none" rtlCol="0" anchor="ctr">
+            <a:noAutofit/>
+          </a:bodyPr>
+          <a:lstStyle>
+            <a:defPPr>
+              <a:defRPr lang="ja-JP"/>
+            </a:defPPr>
+            <a:lvl1pPr algn="ctr">
+              <a:defRPr sz="1400" b="1">
+                <a:solidFill>
+                  <a:srgbClr val="0070C0"/>
+                </a:solidFill>
+              </a:defRPr>
+            </a:lvl1pPr>
+          </a:lstStyle>
+          <a:p>
+            <a:r>
+              <a:rPr lang="en-US" altLang="ja-JP" dirty="0"/>
+              <a:t>POS</a:t>
+            </a:r>
+          </a:p>
+          <a:p>
+            <a:r>
+              <a:rPr lang="en-US" altLang="ja-JP" dirty="0"/>
+              <a:t>100</a:t>
+            </a:r>
+            <a:endParaRPr lang="ja-JP" altLang="en-US" dirty="0"/>
+          </a:p>
+        </p:txBody>
+      </p:sp>
+      <p:sp>
+        <p:nvSpPr>
+          <p:cNvPr id="1028" name="左中かっこ 1027"/>
+          <p:cNvSpPr/>
+          <p:nvPr/>
+        </p:nvSpPr>
+        <p:spPr>
+          <a:xfrm>
+            <a:off x="6641298" y="1952960"/>
+            <a:ext cx="180000" cy="1548000"/>
+          </a:xfrm>
+          <a:prstGeom prst="leftBrace">
+            <a:avLst/>
+          </a:prstGeom>
+          <a:ln w="28575"/>
+        </p:spPr>
+        <p:style>
+          <a:lnRef idx="1">
+            <a:schemeClr val="accent1"/>
+          </a:lnRef>
+          <a:fillRef idx="0">
+            <a:schemeClr val="accent1"/>
+          </a:fillRef>
+          <a:effectRef idx="0">
+            <a:schemeClr val="accent1"/>
+          </a:effectRef>
+          <a:fontRef idx="minor">
+            <a:schemeClr val="tx1"/>
+          </a:fontRef>
+        </p:style>
+        <p:txBody>
+          <a:bodyPr rtlCol="0" anchor="ctr"/>
+          <a:lstStyle/>
+          <a:p>
+            <a:pPr algn="ctr"/>
+            <a:endParaRPr kumimoji="1" lang="ja-JP" altLang="en-US"/>
+          </a:p>
+        </p:txBody>
+      </p:sp>
+      <p:sp>
+        <p:nvSpPr>
+          <p:cNvPr id="53" name="テキスト ボックス 52"/>
+          <p:cNvSpPr txBox="1"/>
+          <p:nvPr/>
+        </p:nvSpPr>
+        <p:spPr>
+          <a:xfrm>
+            <a:off x="7404912" y="2552151"/>
+            <a:ext cx="386644" cy="369332"/>
+          </a:xfrm>
+          <a:prstGeom prst="rect">
+            <a:avLst/>
+          </a:prstGeom>
+          <a:noFill/>
+        </p:spPr>
+        <p:txBody>
+          <a:bodyPr wrap="none" rtlCol="0">
+            <a:spAutoFit/>
+          </a:bodyPr>
+          <a:lstStyle/>
+          <a:p>
+            <a:r>
+              <a:rPr kumimoji="1" lang="en-US" altLang="ja-JP" dirty="0" smtClean="0">
+                <a:solidFill>
+                  <a:srgbClr val="0070C0"/>
+                </a:solidFill>
+              </a:rPr>
+              <a:t>or</a:t>
+            </a:r>
+            <a:endParaRPr kumimoji="1" lang="ja-JP" altLang="en-US" dirty="0">
+              <a:solidFill>
+                <a:srgbClr val="0070C0"/>
+              </a:solidFill>
+            </a:endParaRPr>
+          </a:p>
+        </p:txBody>
+      </p:sp>
+      <p:sp>
+        <p:nvSpPr>
+          <p:cNvPr id="54" name="テキスト ボックス 53"/>
+          <p:cNvSpPr txBox="1"/>
+          <p:nvPr/>
+        </p:nvSpPr>
+        <p:spPr>
+          <a:xfrm>
+            <a:off x="4362787" y="4335585"/>
+            <a:ext cx="540000" cy="576000"/>
+          </a:xfrm>
+          <a:prstGeom prst="roundRect">
+            <a:avLst/>
+          </a:prstGeom>
+          <a:solidFill>
+            <a:srgbClr val="FFFF00"/>
+          </a:solidFill>
+          <a:ln w="28575">
+            <a:solidFill>
+              <a:schemeClr val="tx1"/>
+            </a:solidFill>
+          </a:ln>
+        </p:spPr>
+        <p:txBody>
+          <a:bodyPr wrap="none" rtlCol="0" anchor="ctr">
+            <a:noAutofit/>
+          </a:bodyPr>
+          <a:lstStyle/>
+          <a:p>
+            <a:pPr algn="ctr"/>
+            <a:r>
+              <a:rPr lang="en-US" altLang="ja-JP" sz="1400" b="1" dirty="0" smtClean="0">
+                <a:solidFill>
+                  <a:srgbClr val="FF0000"/>
+                </a:solidFill>
+              </a:rPr>
+              <a:t>INIT</a:t>
+            </a:r>
+            <a:endParaRPr kumimoji="1" lang="ja-JP" altLang="en-US" sz="1400" b="1" dirty="0">
+              <a:solidFill>
+                <a:srgbClr val="FF0000"/>
+              </a:solidFill>
+            </a:endParaRPr>
+          </a:p>
+        </p:txBody>
+      </p:sp>
+      <p:sp>
+        <p:nvSpPr>
+          <p:cNvPr id="55" name="テキスト ボックス 54"/>
+          <p:cNvSpPr txBox="1"/>
+          <p:nvPr/>
+        </p:nvSpPr>
+        <p:spPr>
+          <a:xfrm>
+            <a:off x="7791556" y="4360022"/>
+            <a:ext cx="540000" cy="597456"/>
+          </a:xfrm>
+          <a:prstGeom prst="roundRect">
+            <a:avLst/>
+          </a:prstGeom>
+          <a:solidFill>
+            <a:srgbClr val="FFFF00"/>
+          </a:solidFill>
+          <a:ln w="28575">
+            <a:solidFill>
+              <a:schemeClr val="tx1"/>
+            </a:solidFill>
+          </a:ln>
+        </p:spPr>
+        <p:txBody>
+          <a:bodyPr wrap="none" rtlCol="0" anchor="ctr">
+            <a:noAutofit/>
+          </a:bodyPr>
+          <a:lstStyle/>
+          <a:p>
+            <a:pPr algn="ctr"/>
+            <a:r>
+              <a:rPr lang="en-US" altLang="ja-JP" sz="1400" b="1" dirty="0" smtClean="0">
+                <a:solidFill>
+                  <a:srgbClr val="FF0000"/>
+                </a:solidFill>
+              </a:rPr>
+              <a:t>STOP</a:t>
+            </a:r>
+            <a:endParaRPr kumimoji="1" lang="ja-JP" altLang="en-US" sz="1400" b="1" dirty="0">
+              <a:solidFill>
+                <a:srgbClr val="FF0000"/>
+              </a:solidFill>
+            </a:endParaRPr>
+          </a:p>
+        </p:txBody>
+      </p:sp>
+      <p:sp>
+        <p:nvSpPr>
+          <p:cNvPr id="57" name="テキスト ボックス 56"/>
+          <p:cNvSpPr txBox="1"/>
+          <p:nvPr/>
+        </p:nvSpPr>
+        <p:spPr>
+          <a:xfrm>
+            <a:off x="6062018" y="4370750"/>
+            <a:ext cx="540000" cy="576000"/>
+          </a:xfrm>
+          <a:prstGeom prst="roundRect">
+            <a:avLst/>
+          </a:prstGeom>
+          <a:solidFill>
+            <a:srgbClr val="FFFF00"/>
+          </a:solidFill>
+          <a:ln w="28575">
+            <a:solidFill>
+              <a:schemeClr val="tx1"/>
+            </a:solidFill>
+          </a:ln>
+        </p:spPr>
+        <p:txBody>
+          <a:bodyPr wrap="none" rtlCol="0" anchor="ctr">
+            <a:noAutofit/>
+          </a:bodyPr>
+          <a:lstStyle/>
+          <a:p>
+            <a:pPr algn="ctr"/>
+            <a:r>
+              <a:rPr kumimoji="1" lang="en-US" altLang="ja-JP" sz="1400" b="1" dirty="0" smtClean="0">
+                <a:solidFill>
+                  <a:srgbClr val="FF0000"/>
+                </a:solidFill>
+              </a:rPr>
+              <a:t>CLEAR</a:t>
+            </a:r>
+            <a:endParaRPr kumimoji="1" lang="ja-JP" altLang="en-US" sz="1400" b="1" dirty="0">
+              <a:solidFill>
+                <a:srgbClr val="FF0000"/>
+              </a:solidFill>
+            </a:endParaRPr>
+          </a:p>
+        </p:txBody>
+      </p:sp>
       <p:pic>
         <p:nvPicPr>
-          <p:cNvPr id="1026" name="Picture 2"/>
+          <p:cNvPr id="51" name="Picture 2"/>
           <p:cNvPicPr>
             <a:picLocks noChangeAspect="1" noChangeArrowheads="1"/>
           </p:cNvPicPr>
@@ -3438,7 +4497,7 @@
       </p:pic>
       <p:sp>
         <p:nvSpPr>
-          <p:cNvPr id="8" name="テキスト ボックス 7"/>
+          <p:cNvPr id="52" name="テキスト ボックス 51"/>
           <p:cNvSpPr txBox="1"/>
           <p:nvPr/>
         </p:nvSpPr>
@@ -3475,7 +4534,15 @@
                   <a:srgbClr val="0070C0"/>
                 </a:solidFill>
               </a:rPr>
-              <a:t>“2”:0</a:t>
+              <a:t>“</a:t>
+            </a:r>
+            <a:r>
+              <a:rPr lang="en-US" altLang="ja-JP" b="1" dirty="0" smtClean="0">
+                <a:solidFill>
+                  <a:srgbClr val="0070C0"/>
+                </a:solidFill>
+              </a:rPr>
+              <a:t>2”</a:t>
             </a:r>
             <a:endParaRPr kumimoji="1" lang="ja-JP" altLang="en-US" b="1" dirty="0">
               <a:solidFill>
@@ -3487,7 +4554,7 @@
       </p:sp>
       <p:sp>
         <p:nvSpPr>
-          <p:cNvPr id="9" name="テキスト ボックス 8"/>
+          <p:cNvPr id="61" name="テキスト ボックス 60"/>
           <p:cNvSpPr txBox="1"/>
           <p:nvPr/>
         </p:nvSpPr>
@@ -3524,7 +4591,15 @@
                   <a:srgbClr val="0070C0"/>
                 </a:solidFill>
               </a:rPr>
-              <a:t>“3”:1</a:t>
+              <a:t>“</a:t>
+            </a:r>
+            <a:r>
+              <a:rPr kumimoji="1" lang="en-US" altLang="ja-JP" b="1" dirty="0" smtClean="0">
+                <a:solidFill>
+                  <a:srgbClr val="0070C0"/>
+                </a:solidFill>
+              </a:rPr>
+              <a:t>3”</a:t>
             </a:r>
             <a:endParaRPr kumimoji="1" lang="ja-JP" altLang="en-US" b="1" dirty="0">
               <a:solidFill>
@@ -3536,7 +4611,7 @@
       </p:sp>
       <p:sp>
         <p:nvSpPr>
-          <p:cNvPr id="10" name="テキスト ボックス 9"/>
+          <p:cNvPr id="62" name="テキスト ボックス 61"/>
           <p:cNvSpPr txBox="1"/>
           <p:nvPr/>
         </p:nvSpPr>
@@ -3573,7 +4648,15 @@
                   <a:srgbClr val="0070C0"/>
                 </a:solidFill>
               </a:rPr>
-              <a:t>“4”:2</a:t>
+              <a:t>“</a:t>
+            </a:r>
+            <a:r>
+              <a:rPr kumimoji="1" lang="en-US" altLang="ja-JP" b="1" dirty="0" smtClean="0">
+                <a:solidFill>
+                  <a:srgbClr val="0070C0"/>
+                </a:solidFill>
+              </a:rPr>
+              <a:t>4”</a:t>
             </a:r>
             <a:endParaRPr kumimoji="1" lang="ja-JP" altLang="en-US" b="1" dirty="0">
               <a:solidFill>
@@ -3585,7 +4668,7 @@
       </p:sp>
       <p:sp>
         <p:nvSpPr>
-          <p:cNvPr id="11" name="テキスト ボックス 10"/>
+          <p:cNvPr id="63" name="テキスト ボックス 62"/>
           <p:cNvSpPr txBox="1"/>
           <p:nvPr/>
         </p:nvSpPr>
@@ -3622,7 +4705,15 @@
                   <a:srgbClr val="0070C0"/>
                 </a:solidFill>
               </a:rPr>
-              <a:t>“5”:3</a:t>
+              <a:t>“</a:t>
+            </a:r>
+            <a:r>
+              <a:rPr lang="en-US" altLang="ja-JP" b="1" dirty="0" smtClean="0">
+                <a:solidFill>
+                  <a:srgbClr val="0070C0"/>
+                </a:solidFill>
+              </a:rPr>
+              <a:t>5”</a:t>
             </a:r>
             <a:endParaRPr kumimoji="1" lang="ja-JP" altLang="en-US" b="1" dirty="0">
               <a:solidFill>
@@ -3634,7 +4725,7 @@
       </p:sp>
       <p:sp>
         <p:nvSpPr>
-          <p:cNvPr id="12" name="テキスト ボックス 11"/>
+          <p:cNvPr id="64" name="テキスト ボックス 63"/>
           <p:cNvSpPr txBox="1"/>
           <p:nvPr/>
         </p:nvSpPr>
@@ -3671,7 +4762,15 @@
                   <a:srgbClr val="0070C0"/>
                 </a:solidFill>
               </a:rPr>
-              <a:t>“6”:4</a:t>
+              <a:t>“</a:t>
+            </a:r>
+            <a:r>
+              <a:rPr lang="en-US" altLang="ja-JP" b="1" dirty="0" smtClean="0">
+                <a:solidFill>
+                  <a:srgbClr val="0070C0"/>
+                </a:solidFill>
+              </a:rPr>
+              <a:t>6”</a:t>
             </a:r>
             <a:endParaRPr kumimoji="1" lang="ja-JP" altLang="en-US" b="1" dirty="0">
               <a:solidFill>
@@ -3683,7 +4782,7 @@
       </p:sp>
       <p:sp>
         <p:nvSpPr>
-          <p:cNvPr id="13" name="テキスト ボックス 12"/>
+          <p:cNvPr id="65" name="テキスト ボックス 64"/>
           <p:cNvSpPr txBox="1"/>
           <p:nvPr/>
         </p:nvSpPr>
@@ -3720,7 +4819,15 @@
                   <a:srgbClr val="0070C0"/>
                 </a:solidFill>
               </a:rPr>
-              <a:t>“7”:5</a:t>
+              <a:t>“</a:t>
+            </a:r>
+            <a:r>
+              <a:rPr lang="en-US" altLang="ja-JP" b="1" dirty="0" smtClean="0">
+                <a:solidFill>
+                  <a:srgbClr val="0070C0"/>
+                </a:solidFill>
+              </a:rPr>
+              <a:t>7”</a:t>
             </a:r>
             <a:endParaRPr kumimoji="1" lang="ja-JP" altLang="en-US" b="1" dirty="0">
               <a:solidFill>
@@ -3732,7 +4839,7 @@
       </p:sp>
       <p:sp>
         <p:nvSpPr>
-          <p:cNvPr id="17" name="テキスト ボックス 16"/>
+          <p:cNvPr id="66" name="テキスト ボックス 65"/>
           <p:cNvSpPr txBox="1"/>
           <p:nvPr/>
         </p:nvSpPr>
@@ -3780,7 +4887,7 @@
       </p:sp>
       <p:sp>
         <p:nvSpPr>
-          <p:cNvPr id="18" name="テキスト ボックス 17"/>
+          <p:cNvPr id="67" name="テキスト ボックス 66"/>
           <p:cNvSpPr txBox="1"/>
           <p:nvPr/>
         </p:nvSpPr>
@@ -3828,7 +4935,7 @@
       </p:sp>
       <p:sp>
         <p:nvSpPr>
-          <p:cNvPr id="19" name="テキスト ボックス 18"/>
+          <p:cNvPr id="68" name="テキスト ボックス 67"/>
           <p:cNvSpPr txBox="1"/>
           <p:nvPr/>
         </p:nvSpPr>
@@ -3877,7 +4984,7 @@
       </p:sp>
       <p:sp>
         <p:nvSpPr>
-          <p:cNvPr id="20" name="テキスト ボックス 19"/>
+          <p:cNvPr id="69" name="テキスト ボックス 68"/>
           <p:cNvSpPr txBox="1"/>
           <p:nvPr/>
         </p:nvSpPr>
@@ -3926,13 +5033,13 @@
       </p:sp>
       <p:sp>
         <p:nvSpPr>
-          <p:cNvPr id="21" name="テキスト ボックス 20"/>
+          <p:cNvPr id="70" name="テキスト ボックス 69"/>
           <p:cNvSpPr txBox="1"/>
           <p:nvPr/>
         </p:nvSpPr>
         <p:spPr>
           <a:xfrm>
-            <a:off x="397941" y="3147303"/>
+            <a:off x="2153914" y="4031900"/>
             <a:ext cx="540000" cy="576000"/>
           </a:xfrm>
           <a:prstGeom prst="roundRect">
@@ -3975,7 +5082,7 @@
       </p:sp>
       <p:sp>
         <p:nvSpPr>
-          <p:cNvPr id="22" name="テキスト ボックス 21"/>
+          <p:cNvPr id="71" name="テキスト ボックス 70"/>
           <p:cNvSpPr txBox="1"/>
           <p:nvPr/>
         </p:nvSpPr>
@@ -4021,7 +5128,7 @@
       </p:sp>
       <p:sp>
         <p:nvSpPr>
-          <p:cNvPr id="23" name="テキスト ボックス 22"/>
+          <p:cNvPr id="72" name="テキスト ボックス 71"/>
           <p:cNvSpPr txBox="1"/>
           <p:nvPr/>
         </p:nvSpPr>
@@ -4067,7 +5174,7 @@
       </p:sp>
       <p:sp>
         <p:nvSpPr>
-          <p:cNvPr id="24" name="テキスト ボックス 23"/>
+          <p:cNvPr id="73" name="テキスト ボックス 72"/>
           <p:cNvSpPr txBox="1"/>
           <p:nvPr/>
         </p:nvSpPr>
@@ -4113,7 +5220,7 @@
       </p:sp>
       <p:sp>
         <p:nvSpPr>
-          <p:cNvPr id="25" name="テキスト ボックス 24"/>
+          <p:cNvPr id="74" name="テキスト ボックス 73"/>
           <p:cNvSpPr txBox="1"/>
           <p:nvPr/>
         </p:nvSpPr>
@@ -4171,7 +5278,7 @@
       </p:sp>
       <p:sp>
         <p:nvSpPr>
-          <p:cNvPr id="26" name="テキスト ボックス 25"/>
+          <p:cNvPr id="75" name="テキスト ボックス 74"/>
           <p:cNvSpPr txBox="1"/>
           <p:nvPr/>
         </p:nvSpPr>
@@ -4229,13 +5336,13 @@
       </p:sp>
       <p:sp>
         <p:nvSpPr>
-          <p:cNvPr id="27" name="テキスト ボックス 26"/>
+          <p:cNvPr id="76" name="テキスト ボックス 75"/>
           <p:cNvSpPr txBox="1"/>
           <p:nvPr/>
         </p:nvSpPr>
         <p:spPr>
           <a:xfrm>
-            <a:off x="397941" y="4031900"/>
+            <a:off x="397941" y="3147303"/>
             <a:ext cx="540000" cy="576000"/>
           </a:xfrm>
           <a:prstGeom prst="roundRect">
@@ -4275,13 +5382,13 @@
       </p:sp>
       <p:sp>
         <p:nvSpPr>
-          <p:cNvPr id="56" name="テキスト ボックス 55"/>
+          <p:cNvPr id="77" name="テキスト ボックス 76"/>
           <p:cNvSpPr txBox="1"/>
           <p:nvPr/>
         </p:nvSpPr>
         <p:spPr>
           <a:xfrm>
-            <a:off x="2153914" y="4013924"/>
+            <a:off x="397941" y="4011303"/>
             <a:ext cx="540000" cy="576000"/>
           </a:xfrm>
           <a:prstGeom prst="roundRect">
@@ -4309,7 +5416,7 @@
                   <a:srgbClr val="FF0000"/>
                 </a:solidFill>
               </a:rPr>
-              <a:t>RESET</a:t>
+              <a:t>CLEAR</a:t>
             </a:r>
             <a:endParaRPr kumimoji="1" lang="ja-JP" altLang="en-US" sz="1400" b="1" dirty="0">
               <a:solidFill>
@@ -4319,62 +5426,246 @@
           </a:p>
         </p:txBody>
       </p:sp>
-      <p:pic>
-        <p:nvPicPr>
-          <p:cNvPr id="61" name="Picture 2"/>
-          <p:cNvPicPr>
-            <a:picLocks noChangeAspect="1" noChangeArrowheads="1"/>
-          </p:cNvPicPr>
+      <p:sp>
+        <p:nvSpPr>
+          <p:cNvPr id="78" name="テキスト ボックス 77"/>
+          <p:cNvSpPr txBox="1"/>
           <p:nvPr/>
-        </p:nvPicPr>
-        <p:blipFill rotWithShape="1">
-          <a:blip r:embed="rId2">
-            <a:extLst>
-              <a:ext uri="{28A0092B-C50C-407E-A947-70E740481C1C}">
-                <a14:useLocalDpi xmlns:a14="http://schemas.microsoft.com/office/drawing/2010/main" val="0"/>
-              </a:ext>
-            </a:extLst>
-          </a:blip>
-          <a:srcRect t="1340"/>
-          <a:stretch/>
-        </p:blipFill>
-        <p:spPr bwMode="auto">
-          <a:xfrm>
-            <a:off x="4458759" y="388418"/>
-            <a:ext cx="3638550" cy="4463770"/>
+        </p:nvSpPr>
+        <p:spPr>
+          <a:xfrm>
+            <a:off x="6726120" y="1546365"/>
+            <a:ext cx="1897583" cy="369332"/>
           </a:xfrm>
           <a:prstGeom prst="rect">
             <a:avLst/>
           </a:prstGeom>
           <a:noFill/>
-          <a:ln>
-            <a:noFill/>
-          </a:ln>
-          <a:extLst>
-            <a:ext uri="{909E8E84-426E-40DD-AFC4-6F175D3DCCD1}">
-              <a14:hiddenFill xmlns:a14="http://schemas.microsoft.com/office/drawing/2010/main">
-                <a:solidFill>
-                  <a:schemeClr val="accent1"/>
-                </a:solidFill>
-              </a14:hiddenFill>
-            </a:ext>
-            <a:ext uri="{91240B29-F687-4F45-9708-019B960494DF}">
-              <a14:hiddenLine xmlns:a14="http://schemas.microsoft.com/office/drawing/2010/main" w="9525">
-                <a:solidFill>
-                  <a:schemeClr val="tx1"/>
-                </a:solidFill>
-                <a:miter lim="800000"/>
-                <a:headEnd/>
-                <a:tailEnd/>
-              </a14:hiddenLine>
-            </a:ext>
-          </a:extLst>
-        </p:spPr>
-      </p:pic>
+        </p:spPr>
+        <p:txBody>
+          <a:bodyPr wrap="square" rtlCol="0">
+            <a:spAutoFit/>
+          </a:bodyPr>
+          <a:lstStyle/>
+          <a:p>
+            <a:r>
+              <a:rPr lang="ja-JP" altLang="en-US" dirty="0" smtClean="0"/>
+              <a:t>モーター</a:t>
+            </a:r>
+            <a:r>
+              <a:rPr kumimoji="1" lang="ja-JP" altLang="en-US" dirty="0" smtClean="0"/>
+              <a:t>コマンド</a:t>
+            </a:r>
+            <a:endParaRPr kumimoji="1" lang="ja-JP" altLang="en-US" dirty="0"/>
+          </a:p>
+        </p:txBody>
+      </p:sp>
+      <p:sp>
+        <p:nvSpPr>
+          <p:cNvPr id="79" name="テキスト ボックス 78"/>
+          <p:cNvSpPr txBox="1"/>
+          <p:nvPr/>
+        </p:nvSpPr>
+        <p:spPr>
+          <a:xfrm>
+            <a:off x="4222358" y="3538637"/>
+            <a:ext cx="4364424" cy="369332"/>
+          </a:xfrm>
+          <a:prstGeom prst="rect">
+            <a:avLst/>
+          </a:prstGeom>
+          <a:noFill/>
+        </p:spPr>
+        <p:txBody>
+          <a:bodyPr wrap="square" rtlCol="0">
+            <a:spAutoFit/>
+          </a:bodyPr>
+          <a:lstStyle/>
+          <a:p>
+            <a:r>
+              <a:rPr kumimoji="1" lang="ja-JP" altLang="en-US" dirty="0" smtClean="0">
+                <a:solidFill>
+                  <a:srgbClr val="FF0000"/>
+                </a:solidFill>
+              </a:rPr>
+              <a:t>先に</a:t>
+            </a:r>
+            <a:r>
+              <a:rPr kumimoji="1" lang="en-US" altLang="ja-JP" dirty="0" smtClean="0">
+                <a:solidFill>
+                  <a:srgbClr val="FF0000"/>
+                </a:solidFill>
+              </a:rPr>
+              <a:t>ID</a:t>
+            </a:r>
+            <a:r>
+              <a:rPr kumimoji="1" lang="ja-JP" altLang="en-US" dirty="0" smtClean="0">
+                <a:solidFill>
+                  <a:srgbClr val="FF0000"/>
+                </a:solidFill>
+              </a:rPr>
+              <a:t>を指定して、実行するコマンドを押す</a:t>
+            </a:r>
+            <a:endParaRPr kumimoji="1" lang="ja-JP" altLang="en-US" dirty="0">
+              <a:solidFill>
+                <a:srgbClr val="FF0000"/>
+              </a:solidFill>
+            </a:endParaRPr>
+          </a:p>
+        </p:txBody>
+      </p:sp>
+      <p:sp>
+        <p:nvSpPr>
+          <p:cNvPr id="80" name="テキスト ボックス 79"/>
+          <p:cNvSpPr txBox="1"/>
+          <p:nvPr/>
+        </p:nvSpPr>
+        <p:spPr>
+          <a:xfrm>
+            <a:off x="4887605" y="4438919"/>
+            <a:ext cx="1131922" cy="369332"/>
+          </a:xfrm>
+          <a:prstGeom prst="rect">
+            <a:avLst/>
+          </a:prstGeom>
+          <a:noFill/>
+        </p:spPr>
+        <p:txBody>
+          <a:bodyPr wrap="square" rtlCol="0">
+            <a:spAutoFit/>
+          </a:bodyPr>
+          <a:lstStyle/>
+          <a:p>
+            <a:r>
+              <a:rPr kumimoji="1" lang="en-US" altLang="ja-JP" dirty="0" smtClean="0">
+                <a:solidFill>
+                  <a:srgbClr val="FF0000"/>
+                </a:solidFill>
+              </a:rPr>
+              <a:t>STM</a:t>
+            </a:r>
+            <a:r>
+              <a:rPr kumimoji="1" lang="ja-JP" altLang="en-US" dirty="0" smtClean="0">
+                <a:solidFill>
+                  <a:srgbClr val="FF0000"/>
+                </a:solidFill>
+              </a:rPr>
+              <a:t>の</a:t>
+            </a:r>
+            <a:r>
+              <a:rPr kumimoji="1" lang="en-US" altLang="ja-JP" dirty="0" err="1" smtClean="0">
+                <a:solidFill>
+                  <a:srgbClr val="FF0000"/>
+                </a:solidFill>
+              </a:rPr>
+              <a:t>init</a:t>
+            </a:r>
+            <a:endParaRPr kumimoji="1" lang="ja-JP" altLang="en-US" dirty="0">
+              <a:solidFill>
+                <a:srgbClr val="FF0000"/>
+              </a:solidFill>
+            </a:endParaRPr>
+          </a:p>
+        </p:txBody>
+      </p:sp>
+      <p:sp>
+        <p:nvSpPr>
+          <p:cNvPr id="81" name="テキスト ボックス 80"/>
+          <p:cNvSpPr txBox="1"/>
+          <p:nvPr/>
+        </p:nvSpPr>
+        <p:spPr>
+          <a:xfrm>
+            <a:off x="6602018" y="4337287"/>
+            <a:ext cx="1210588" cy="646331"/>
+          </a:xfrm>
+          <a:prstGeom prst="rect">
+            <a:avLst/>
+          </a:prstGeom>
+          <a:noFill/>
+        </p:spPr>
+        <p:txBody>
+          <a:bodyPr wrap="none" rtlCol="0">
+            <a:spAutoFit/>
+          </a:bodyPr>
+          <a:lstStyle/>
+          <a:p>
+            <a:r>
+              <a:rPr kumimoji="1" lang="ja-JP" altLang="en-US" dirty="0" smtClean="0">
+                <a:solidFill>
+                  <a:srgbClr val="FF0000"/>
+                </a:solidFill>
+              </a:rPr>
+              <a:t>モーター</a:t>
+            </a:r>
+            <a:r>
+              <a:rPr kumimoji="1" lang="en-US" altLang="ja-JP" dirty="0" smtClean="0">
+                <a:solidFill>
+                  <a:srgbClr val="FF0000"/>
+                </a:solidFill>
+              </a:rPr>
+              <a:t>ID</a:t>
+            </a:r>
+          </a:p>
+          <a:p>
+            <a:r>
+              <a:rPr kumimoji="1" lang="ja-JP" altLang="en-US" dirty="0" smtClean="0">
+                <a:solidFill>
+                  <a:srgbClr val="FF0000"/>
+                </a:solidFill>
+              </a:rPr>
+              <a:t>のクリア</a:t>
+            </a:r>
+            <a:endParaRPr kumimoji="1" lang="ja-JP" altLang="en-US" dirty="0">
+              <a:solidFill>
+                <a:srgbClr val="FF0000"/>
+              </a:solidFill>
+            </a:endParaRPr>
+          </a:p>
+        </p:txBody>
+      </p:sp>
+      <p:sp>
+        <p:nvSpPr>
+          <p:cNvPr id="84" name="テキスト ボックス 83"/>
+          <p:cNvSpPr txBox="1"/>
+          <p:nvPr/>
+        </p:nvSpPr>
+        <p:spPr>
+          <a:xfrm>
+            <a:off x="8331556" y="4504529"/>
+            <a:ext cx="646331" cy="369332"/>
+          </a:xfrm>
+          <a:prstGeom prst="rect">
+            <a:avLst/>
+          </a:prstGeom>
+          <a:noFill/>
+        </p:spPr>
+        <p:txBody>
+          <a:bodyPr wrap="none" rtlCol="0">
+            <a:spAutoFit/>
+          </a:bodyPr>
+          <a:lstStyle/>
+          <a:p>
+            <a:r>
+              <a:rPr kumimoji="1" lang="ja-JP" altLang="en-US" dirty="0" smtClean="0">
+                <a:solidFill>
+                  <a:srgbClr val="FF0000"/>
+                </a:solidFill>
+              </a:rPr>
+              <a:t>停止</a:t>
+            </a:r>
+            <a:endParaRPr kumimoji="1" lang="ja-JP" altLang="en-US" dirty="0">
+              <a:solidFill>
+                <a:srgbClr val="FF0000"/>
+              </a:solidFill>
+            </a:endParaRPr>
+          </a:p>
+        </p:txBody>
+      </p:sp>
     </p:spTree>
     <p:extLst>
       <p:ext uri="{BB962C8B-B14F-4D97-AF65-F5344CB8AC3E}">
-        <p14:creationId xmlns:p14="http://schemas.microsoft.com/office/powerpoint/2010/main" val="1467982454"/>
+        <p14:creationId xmlns:p14="http://schemas.microsoft.com/office/powerpoint/2010/main" val="2005532788"/>
       </p:ext>
     </p:extLst>
   </p:cSld>
@@ -4485,13 +5776,22 @@
           </a:bodyPr>
           <a:lstStyle/>
           <a:p>
+            <a:pPr algn="ctr"/>
             <a:r>
               <a:rPr lang="en-US" altLang="ja-JP" b="1" dirty="0" smtClean="0">
                 <a:solidFill>
                   <a:srgbClr val="0070C0"/>
                 </a:solidFill>
               </a:rPr>
-              <a:t>“2”</a:t>
+              <a:t>“</a:t>
+            </a:r>
+            <a:r>
+              <a:rPr lang="en-US" altLang="ja-JP" b="1" dirty="0" smtClean="0">
+                <a:solidFill>
+                  <a:srgbClr val="0070C0"/>
+                </a:solidFill>
+              </a:rPr>
+              <a:t>2”</a:t>
             </a:r>
             <a:endParaRPr kumimoji="1" lang="ja-JP" altLang="en-US" b="1" dirty="0">
               <a:solidFill>
@@ -4533,13 +5833,22 @@
           </a:bodyPr>
           <a:lstStyle/>
           <a:p>
-            <a:r>
-              <a:rPr lang="en-US" altLang="ja-JP" b="1" dirty="0" smtClean="0">
+            <a:pPr algn="ctr"/>
+            <a:r>
+              <a:rPr kumimoji="1" lang="en-US" altLang="ja-JP" b="1" dirty="0" smtClean="0">
                 <a:solidFill>
                   <a:srgbClr val="0070C0"/>
                 </a:solidFill>
               </a:rPr>
-              <a:t>“3”</a:t>
+              <a:t>“</a:t>
+            </a:r>
+            <a:r>
+              <a:rPr kumimoji="1" lang="en-US" altLang="ja-JP" b="1" dirty="0" smtClean="0">
+                <a:solidFill>
+                  <a:srgbClr val="0070C0"/>
+                </a:solidFill>
+              </a:rPr>
+              <a:t>3”</a:t>
             </a:r>
             <a:endParaRPr kumimoji="1" lang="ja-JP" altLang="en-US" b="1" dirty="0">
               <a:solidFill>
@@ -4581,13 +5890,22 @@
           </a:bodyPr>
           <a:lstStyle/>
           <a:p>
-            <a:r>
-              <a:rPr lang="en-US" altLang="ja-JP" b="1" dirty="0" smtClean="0">
+            <a:pPr algn="ctr"/>
+            <a:r>
+              <a:rPr kumimoji="1" lang="en-US" altLang="ja-JP" b="1" dirty="0" smtClean="0">
                 <a:solidFill>
                   <a:srgbClr val="0070C0"/>
                 </a:solidFill>
               </a:rPr>
-              <a:t>“4”</a:t>
+              <a:t>“</a:t>
+            </a:r>
+            <a:r>
+              <a:rPr kumimoji="1" lang="en-US" altLang="ja-JP" b="1" dirty="0" smtClean="0">
+                <a:solidFill>
+                  <a:srgbClr val="0070C0"/>
+                </a:solidFill>
+              </a:rPr>
+              <a:t>4”</a:t>
             </a:r>
             <a:endParaRPr kumimoji="1" lang="ja-JP" altLang="en-US" b="1" dirty="0">
               <a:solidFill>
@@ -4629,13 +5947,22 @@
           </a:bodyPr>
           <a:lstStyle/>
           <a:p>
+            <a:pPr algn="ctr"/>
             <a:r>
               <a:rPr lang="en-US" altLang="ja-JP" b="1" dirty="0" smtClean="0">
                 <a:solidFill>
                   <a:srgbClr val="0070C0"/>
                 </a:solidFill>
               </a:rPr>
-              <a:t>“5”</a:t>
+              <a:t>“</a:t>
+            </a:r>
+            <a:r>
+              <a:rPr lang="en-US" altLang="ja-JP" b="1" dirty="0" smtClean="0">
+                <a:solidFill>
+                  <a:srgbClr val="0070C0"/>
+                </a:solidFill>
+              </a:rPr>
+              <a:t>5”</a:t>
             </a:r>
             <a:endParaRPr kumimoji="1" lang="ja-JP" altLang="en-US" b="1" dirty="0">
               <a:solidFill>
@@ -4677,13 +6004,22 @@
           </a:bodyPr>
           <a:lstStyle/>
           <a:p>
+            <a:pPr algn="ctr"/>
             <a:r>
               <a:rPr lang="en-US" altLang="ja-JP" b="1" dirty="0" smtClean="0">
                 <a:solidFill>
                   <a:srgbClr val="0070C0"/>
                 </a:solidFill>
               </a:rPr>
-              <a:t>“6”</a:t>
+              <a:t>“</a:t>
+            </a:r>
+            <a:r>
+              <a:rPr lang="en-US" altLang="ja-JP" b="1" dirty="0" smtClean="0">
+                <a:solidFill>
+                  <a:srgbClr val="0070C0"/>
+                </a:solidFill>
+              </a:rPr>
+              <a:t>6”</a:t>
             </a:r>
             <a:endParaRPr kumimoji="1" lang="ja-JP" altLang="en-US" b="1" dirty="0">
               <a:solidFill>
@@ -4725,13 +6061,22 @@
           </a:bodyPr>
           <a:lstStyle/>
           <a:p>
+            <a:pPr algn="ctr"/>
             <a:r>
               <a:rPr lang="en-US" altLang="ja-JP" b="1" dirty="0" smtClean="0">
                 <a:solidFill>
                   <a:srgbClr val="0070C0"/>
                 </a:solidFill>
               </a:rPr>
-              <a:t>“7”</a:t>
+              <a:t>“</a:t>
+            </a:r>
+            <a:r>
+              <a:rPr lang="en-US" altLang="ja-JP" b="1" dirty="0" smtClean="0">
+                <a:solidFill>
+                  <a:srgbClr val="0070C0"/>
+                </a:solidFill>
+              </a:rPr>
+              <a:t>7”</a:t>
             </a:r>
             <a:endParaRPr kumimoji="1" lang="ja-JP" altLang="en-US" b="1" dirty="0">
               <a:solidFill>
@@ -4943,7 +6288,7 @@
         </p:nvSpPr>
         <p:spPr>
           <a:xfrm>
-            <a:off x="397941" y="3147303"/>
+            <a:off x="2153914" y="4031900"/>
             <a:ext cx="540000" cy="576000"/>
           </a:xfrm>
           <a:prstGeom prst="roundRect">
@@ -5166,9 +6511,10 @@
           </a:lstStyle>
           <a:p>
             <a:r>
-              <a:rPr lang="en-US" altLang="ja-JP" dirty="0"/>
-              <a:t>POS</a:t>
-            </a:r>
+              <a:rPr lang="en-US" altLang="ja-JP" dirty="0" smtClean="0"/>
+              <a:t>MOVE</a:t>
+            </a:r>
+            <a:endParaRPr lang="en-US" altLang="ja-JP" dirty="0"/>
           </a:p>
           <a:p>
             <a:r>
@@ -5223,9 +6569,10 @@
           </a:lstStyle>
           <a:p>
             <a:r>
-              <a:rPr lang="en-US" altLang="ja-JP" dirty="0"/>
-              <a:t>POS</a:t>
-            </a:r>
+              <a:rPr lang="en-US" altLang="ja-JP" smtClean="0"/>
+              <a:t>MOVE</a:t>
+            </a:r>
+            <a:endParaRPr lang="en-US" altLang="ja-JP" dirty="0"/>
           </a:p>
           <a:p>
             <a:r>
@@ -5244,7 +6591,7 @@
         </p:nvSpPr>
         <p:spPr>
           <a:xfrm>
-            <a:off x="397941" y="4031900"/>
+            <a:off x="397941" y="3147303"/>
             <a:ext cx="540000" cy="576000"/>
           </a:xfrm>
           <a:prstGeom prst="roundRect">
@@ -5282,172 +6629,22 @@
           </a:p>
         </p:txBody>
       </p:sp>
-      <p:cxnSp>
-        <p:nvCxnSpPr>
-          <p:cNvPr id="29" name="直線コネクタ 28"/>
-          <p:cNvCxnSpPr/>
-          <p:nvPr/>
-        </p:nvCxnSpPr>
-        <p:spPr>
-          <a:xfrm>
-            <a:off x="4272595" y="1653789"/>
-            <a:ext cx="4118846" cy="0"/>
-          </a:xfrm>
-          <a:prstGeom prst="line">
-            <a:avLst/>
-          </a:prstGeom>
-        </p:spPr>
-        <p:style>
-          <a:lnRef idx="1">
-            <a:schemeClr val="accent1"/>
-          </a:lnRef>
-          <a:fillRef idx="0">
-            <a:schemeClr val="accent1"/>
-          </a:fillRef>
-          <a:effectRef idx="0">
-            <a:schemeClr val="accent1"/>
-          </a:effectRef>
-          <a:fontRef idx="minor">
-            <a:schemeClr val="tx1"/>
-          </a:fontRef>
-        </p:style>
-      </p:cxnSp>
-      <p:cxnSp>
-        <p:nvCxnSpPr>
-          <p:cNvPr id="31" name="直線コネクタ 30"/>
-          <p:cNvCxnSpPr/>
-          <p:nvPr/>
-        </p:nvCxnSpPr>
-        <p:spPr>
-          <a:xfrm>
-            <a:off x="4300916" y="3812496"/>
-            <a:ext cx="4118846" cy="0"/>
-          </a:xfrm>
-          <a:prstGeom prst="line">
-            <a:avLst/>
-          </a:prstGeom>
-        </p:spPr>
-        <p:style>
-          <a:lnRef idx="1">
-            <a:schemeClr val="accent1"/>
-          </a:lnRef>
-          <a:fillRef idx="0">
-            <a:schemeClr val="accent1"/>
-          </a:fillRef>
-          <a:effectRef idx="0">
-            <a:schemeClr val="accent1"/>
-          </a:effectRef>
-          <a:fontRef idx="minor">
-            <a:schemeClr val="tx1"/>
-          </a:fontRef>
-        </p:style>
-      </p:cxnSp>
-      <p:sp>
-        <p:nvSpPr>
-          <p:cNvPr id="1024" name="テキスト ボックス 1023"/>
+      <p:sp>
+        <p:nvSpPr>
+          <p:cNvPr id="56" name="テキスト ボックス 55"/>
           <p:cNvSpPr txBox="1"/>
           <p:nvPr/>
         </p:nvSpPr>
         <p:spPr>
           <a:xfrm>
-            <a:off x="4183583" y="388418"/>
-            <a:ext cx="2031102" cy="369332"/>
-          </a:xfrm>
-          <a:prstGeom prst="rect">
-            <a:avLst/>
-          </a:prstGeom>
-          <a:noFill/>
-        </p:spPr>
-        <p:txBody>
-          <a:bodyPr wrap="square" rtlCol="0">
-            <a:spAutoFit/>
-          </a:bodyPr>
-          <a:lstStyle/>
-          <a:p>
-            <a:r>
-              <a:rPr lang="ja-JP" altLang="en-US" dirty="0" smtClean="0"/>
-              <a:t>シナリオコマンド</a:t>
-            </a:r>
-            <a:endParaRPr kumimoji="1" lang="ja-JP" altLang="en-US" dirty="0"/>
-          </a:p>
-        </p:txBody>
-      </p:sp>
-      <p:sp>
-        <p:nvSpPr>
-          <p:cNvPr id="34" name="テキスト ボックス 33"/>
-          <p:cNvSpPr txBox="1"/>
-          <p:nvPr/>
-        </p:nvSpPr>
-        <p:spPr>
-          <a:xfrm>
-            <a:off x="4272595" y="1747389"/>
-            <a:ext cx="2031102" cy="369332"/>
-          </a:xfrm>
-          <a:prstGeom prst="rect">
-            <a:avLst/>
-          </a:prstGeom>
-          <a:noFill/>
-        </p:spPr>
-        <p:txBody>
-          <a:bodyPr wrap="square" rtlCol="0">
-            <a:spAutoFit/>
-          </a:bodyPr>
-          <a:lstStyle/>
-          <a:p>
-            <a:r>
-              <a:rPr kumimoji="1" lang="ja-JP" altLang="en-US" dirty="0" smtClean="0"/>
-              <a:t>個別コマンド</a:t>
-            </a:r>
-            <a:endParaRPr kumimoji="1" lang="ja-JP" altLang="en-US" dirty="0"/>
-          </a:p>
-        </p:txBody>
-      </p:sp>
-      <p:sp>
-        <p:nvSpPr>
-          <p:cNvPr id="35" name="テキスト ボックス 34"/>
-          <p:cNvSpPr txBox="1"/>
-          <p:nvPr/>
-        </p:nvSpPr>
-        <p:spPr>
-          <a:xfrm>
-            <a:off x="4300916" y="3966253"/>
-            <a:ext cx="2031102" cy="369332"/>
-          </a:xfrm>
-          <a:prstGeom prst="rect">
-            <a:avLst/>
-          </a:prstGeom>
-          <a:noFill/>
-        </p:spPr>
-        <p:txBody>
-          <a:bodyPr wrap="square" rtlCol="0">
-            <a:spAutoFit/>
-          </a:bodyPr>
-          <a:lstStyle/>
-          <a:p>
-            <a:r>
-              <a:rPr kumimoji="1" lang="ja-JP" altLang="en-US" dirty="0" smtClean="0"/>
-              <a:t>緊急コマンド</a:t>
-            </a:r>
-            <a:endParaRPr kumimoji="1" lang="ja-JP" altLang="en-US" dirty="0"/>
-          </a:p>
-        </p:txBody>
-      </p:sp>
-      <p:sp>
-        <p:nvSpPr>
-          <p:cNvPr id="36" name="テキスト ボックス 35"/>
-          <p:cNvSpPr txBox="1"/>
-          <p:nvPr/>
-        </p:nvSpPr>
-        <p:spPr>
-          <a:xfrm>
-            <a:off x="5340744" y="875224"/>
+            <a:off x="397941" y="4011303"/>
             <a:ext cx="540000" cy="576000"/>
           </a:xfrm>
           <a:prstGeom prst="roundRect">
             <a:avLst/>
           </a:prstGeom>
           <a:solidFill>
-            <a:srgbClr val="FFC000"/>
+            <a:srgbClr val="FFFF00"/>
           </a:solidFill>
           <a:ln w="28575">
             <a:solidFill>
@@ -5459,783 +6656,16 @@
           <a:bodyPr wrap="none" rtlCol="0" anchor="ctr">
             <a:noAutofit/>
           </a:bodyPr>
-          <a:lstStyle>
-            <a:defPPr>
-              <a:defRPr lang="ja-JP"/>
-            </a:defPPr>
-            <a:lvl1pPr algn="ctr">
-              <a:defRPr sz="1400" b="1">
-                <a:solidFill>
-                  <a:srgbClr val="0070C0"/>
-                </a:solidFill>
-              </a:defRPr>
-            </a:lvl1pPr>
-          </a:lstStyle>
-          <a:p>
-            <a:r>
-              <a:rPr lang="en-US" altLang="ja-JP" dirty="0"/>
-              <a:t>RIGHT</a:t>
-            </a:r>
-            <a:endParaRPr lang="ja-JP" altLang="en-US" dirty="0"/>
-          </a:p>
-        </p:txBody>
-      </p:sp>
-      <p:sp>
-        <p:nvSpPr>
-          <p:cNvPr id="37" name="テキスト ボックス 36"/>
-          <p:cNvSpPr txBox="1"/>
-          <p:nvPr/>
-        </p:nvSpPr>
-        <p:spPr>
-          <a:xfrm>
-            <a:off x="4458712" y="875224"/>
-            <a:ext cx="540000" cy="576000"/>
-          </a:xfrm>
-          <a:prstGeom prst="roundRect">
-            <a:avLst/>
-          </a:prstGeom>
-          <a:solidFill>
-            <a:srgbClr val="FFC000"/>
-          </a:solidFill>
-          <a:ln w="28575">
-            <a:solidFill>
-              <a:schemeClr val="tx1"/>
-            </a:solidFill>
-          </a:ln>
-        </p:spPr>
-        <p:txBody>
-          <a:bodyPr wrap="none" rtlCol="0" anchor="ctr">
-            <a:noAutofit/>
-          </a:bodyPr>
-          <a:lstStyle>
-            <a:defPPr>
-              <a:defRPr lang="ja-JP"/>
-            </a:defPPr>
-            <a:lvl1pPr algn="ctr">
-              <a:defRPr sz="1400" b="1">
-                <a:solidFill>
-                  <a:srgbClr val="0070C0"/>
-                </a:solidFill>
-              </a:defRPr>
-            </a:lvl1pPr>
-          </a:lstStyle>
-          <a:p>
-            <a:r>
-              <a:rPr lang="en-US" altLang="ja-JP" dirty="0"/>
-              <a:t>LEFT</a:t>
-            </a:r>
-            <a:endParaRPr lang="ja-JP" altLang="en-US" dirty="0"/>
-          </a:p>
-        </p:txBody>
-      </p:sp>
-      <p:sp>
-        <p:nvSpPr>
-          <p:cNvPr id="38" name="テキスト ボックス 37"/>
-          <p:cNvSpPr txBox="1"/>
-          <p:nvPr/>
-        </p:nvSpPr>
-        <p:spPr>
-          <a:xfrm>
-            <a:off x="6214685" y="875224"/>
-            <a:ext cx="540000" cy="576000"/>
-          </a:xfrm>
-          <a:prstGeom prst="roundRect">
-            <a:avLst/>
-          </a:prstGeom>
-          <a:solidFill>
-            <a:srgbClr val="FFC000"/>
-          </a:solidFill>
-          <a:ln w="28575">
-            <a:solidFill>
-              <a:schemeClr val="tx1"/>
-            </a:solidFill>
-          </a:ln>
-        </p:spPr>
-        <p:txBody>
-          <a:bodyPr wrap="none" rtlCol="0" anchor="ctr">
-            <a:noAutofit/>
-          </a:bodyPr>
           <a:lstStyle/>
           <a:p>
             <a:pPr algn="ctr"/>
             <a:r>
-              <a:rPr lang="en-US" altLang="ja-JP" sz="1400" b="1" dirty="0" smtClean="0">
-                <a:solidFill>
-                  <a:srgbClr val="0070C0"/>
+              <a:rPr kumimoji="1" lang="en-US" altLang="ja-JP" sz="1400" b="1" dirty="0" smtClean="0">
+                <a:solidFill>
+                  <a:srgbClr val="FF0000"/>
                 </a:solidFill>
               </a:rPr>
-              <a:t>WALK</a:t>
-            </a:r>
-            <a:endParaRPr kumimoji="1" lang="ja-JP" altLang="en-US" sz="1400" b="1" dirty="0">
-              <a:solidFill>
-                <a:srgbClr val="0070C0"/>
-              </a:solidFill>
-            </a:endParaRPr>
-          </a:p>
-        </p:txBody>
-      </p:sp>
-      <p:sp>
-        <p:nvSpPr>
-          <p:cNvPr id="39" name="テキスト ボックス 38"/>
-          <p:cNvSpPr txBox="1"/>
-          <p:nvPr/>
-        </p:nvSpPr>
-        <p:spPr>
-          <a:xfrm>
-            <a:off x="7120991" y="875224"/>
-            <a:ext cx="540000" cy="576000"/>
-          </a:xfrm>
-          <a:prstGeom prst="roundRect">
-            <a:avLst/>
-          </a:prstGeom>
-          <a:solidFill>
-            <a:srgbClr val="FFC000"/>
-          </a:solidFill>
-          <a:ln w="28575">
-            <a:solidFill>
-              <a:schemeClr val="tx1"/>
-            </a:solidFill>
-          </a:ln>
-        </p:spPr>
-        <p:txBody>
-          <a:bodyPr wrap="none" rtlCol="0" anchor="ctr">
-            <a:noAutofit/>
-          </a:bodyPr>
-          <a:lstStyle/>
-          <a:p>
-            <a:pPr algn="ctr"/>
-            <a:r>
-              <a:rPr lang="en-US" altLang="ja-JP" sz="1400" b="1" dirty="0" smtClean="0">
-                <a:solidFill>
-                  <a:srgbClr val="0070C0"/>
-                </a:solidFill>
-              </a:rPr>
-              <a:t>BACK</a:t>
-            </a:r>
-            <a:endParaRPr kumimoji="1" lang="ja-JP" altLang="en-US" sz="1400" b="1" dirty="0">
-              <a:solidFill>
-                <a:srgbClr val="0070C0"/>
-              </a:solidFill>
-            </a:endParaRPr>
-          </a:p>
-        </p:txBody>
-      </p:sp>
-      <p:sp>
-        <p:nvSpPr>
-          <p:cNvPr id="40" name="テキスト ボックス 39"/>
-          <p:cNvSpPr txBox="1"/>
-          <p:nvPr/>
-        </p:nvSpPr>
-        <p:spPr>
-          <a:xfrm>
-            <a:off x="4341725" y="2116721"/>
-            <a:ext cx="540000" cy="576000"/>
-          </a:xfrm>
-          <a:prstGeom prst="roundRect">
-            <a:avLst/>
-          </a:prstGeom>
-          <a:solidFill>
-            <a:schemeClr val="accent3">
-              <a:lumMod val="60000"/>
-              <a:lumOff val="40000"/>
-            </a:schemeClr>
-          </a:solidFill>
-          <a:ln w="28575">
-            <a:solidFill>
-              <a:schemeClr val="tx1"/>
-            </a:solidFill>
-          </a:ln>
-        </p:spPr>
-        <p:txBody>
-          <a:bodyPr wrap="none" rtlCol="0" anchor="ctr">
-            <a:noAutofit/>
-          </a:bodyPr>
-          <a:lstStyle/>
-          <a:p>
-            <a:r>
-              <a:rPr lang="en-US" altLang="ja-JP" b="1" dirty="0" smtClean="0">
-                <a:solidFill>
-                  <a:srgbClr val="0070C0"/>
-                </a:solidFill>
-              </a:rPr>
-              <a:t>“2”</a:t>
-            </a:r>
-            <a:endParaRPr kumimoji="1" lang="ja-JP" altLang="en-US" b="1" dirty="0">
-              <a:solidFill>
-                <a:srgbClr val="0070C0"/>
-              </a:solidFill>
-            </a:endParaRPr>
-          </a:p>
-        </p:txBody>
-      </p:sp>
-      <p:sp>
-        <p:nvSpPr>
-          <p:cNvPr id="41" name="テキスト ボックス 40"/>
-          <p:cNvSpPr txBox="1"/>
-          <p:nvPr/>
-        </p:nvSpPr>
-        <p:spPr>
-          <a:xfrm>
-            <a:off x="5316467" y="2116721"/>
-            <a:ext cx="540000" cy="576000"/>
-          </a:xfrm>
-          <a:prstGeom prst="roundRect">
-            <a:avLst/>
-          </a:prstGeom>
-          <a:solidFill>
-            <a:schemeClr val="accent3">
-              <a:lumMod val="60000"/>
-              <a:lumOff val="40000"/>
-            </a:schemeClr>
-          </a:solidFill>
-          <a:ln w="28575">
-            <a:solidFill>
-              <a:schemeClr val="tx1"/>
-            </a:solidFill>
-          </a:ln>
-        </p:spPr>
-        <p:txBody>
-          <a:bodyPr wrap="none" rtlCol="0" anchor="ctr">
-            <a:noAutofit/>
-          </a:bodyPr>
-          <a:lstStyle/>
-          <a:p>
-            <a:r>
-              <a:rPr lang="en-US" altLang="ja-JP" b="1" dirty="0" smtClean="0">
-                <a:solidFill>
-                  <a:srgbClr val="0070C0"/>
-                </a:solidFill>
-              </a:rPr>
-              <a:t>“7”</a:t>
-            </a:r>
-            <a:endParaRPr kumimoji="1" lang="ja-JP" altLang="en-US" b="1" dirty="0">
-              <a:solidFill>
-                <a:srgbClr val="0070C0"/>
-              </a:solidFill>
-            </a:endParaRPr>
-          </a:p>
-        </p:txBody>
-      </p:sp>
-      <p:sp>
-        <p:nvSpPr>
-          <p:cNvPr id="42" name="テキスト ボックス 41"/>
-          <p:cNvSpPr txBox="1"/>
-          <p:nvPr/>
-        </p:nvSpPr>
-        <p:spPr>
-          <a:xfrm>
-            <a:off x="4829096" y="3054480"/>
-            <a:ext cx="540000" cy="576000"/>
-          </a:xfrm>
-          <a:prstGeom prst="roundRect">
-            <a:avLst/>
-          </a:prstGeom>
-          <a:solidFill>
-            <a:schemeClr val="accent3">
-              <a:lumMod val="60000"/>
-              <a:lumOff val="40000"/>
-            </a:schemeClr>
-          </a:solidFill>
-          <a:ln w="28575">
-            <a:solidFill>
-              <a:schemeClr val="tx1"/>
-            </a:solidFill>
-          </a:ln>
-        </p:spPr>
-        <p:txBody>
-          <a:bodyPr wrap="none" rtlCol="0" anchor="ctr">
-            <a:noAutofit/>
-          </a:bodyPr>
-          <a:lstStyle/>
-          <a:p>
-            <a:pPr algn="ctr"/>
-            <a:r>
-              <a:rPr lang="en-US" altLang="ja-JP" sz="1400" b="1" dirty="0" smtClean="0">
-                <a:solidFill>
-                  <a:srgbClr val="0070C0"/>
-                </a:solidFill>
-              </a:rPr>
-              <a:t>ALL</a:t>
-            </a:r>
-            <a:endParaRPr kumimoji="1" lang="ja-JP" altLang="en-US" sz="1400" b="1" dirty="0">
-              <a:solidFill>
-                <a:srgbClr val="0070C0"/>
-              </a:solidFill>
-            </a:endParaRPr>
-          </a:p>
-        </p:txBody>
-      </p:sp>
-      <p:sp>
-        <p:nvSpPr>
-          <p:cNvPr id="1025" name="テキスト ボックス 1024"/>
-          <p:cNvSpPr txBox="1"/>
-          <p:nvPr/>
-        </p:nvSpPr>
-        <p:spPr>
-          <a:xfrm>
-            <a:off x="4891347" y="2250971"/>
-            <a:ext cx="415498" cy="369332"/>
-          </a:xfrm>
-          <a:prstGeom prst="rect">
-            <a:avLst/>
-          </a:prstGeom>
-          <a:noFill/>
-        </p:spPr>
-        <p:txBody>
-          <a:bodyPr wrap="none" rtlCol="0">
-            <a:spAutoFit/>
-          </a:bodyPr>
-          <a:lstStyle/>
-          <a:p>
-            <a:r>
-              <a:rPr kumimoji="1" lang="ja-JP" altLang="en-US" dirty="0" smtClean="0"/>
-              <a:t>～</a:t>
-            </a:r>
-            <a:endParaRPr kumimoji="1" lang="ja-JP" altLang="en-US" dirty="0"/>
-          </a:p>
-        </p:txBody>
-      </p:sp>
-      <p:sp>
-        <p:nvSpPr>
-          <p:cNvPr id="44" name="テキスト ボックス 43"/>
-          <p:cNvSpPr txBox="1"/>
-          <p:nvPr/>
-        </p:nvSpPr>
-        <p:spPr>
-          <a:xfrm>
-            <a:off x="4905774" y="2638967"/>
-            <a:ext cx="386644" cy="369332"/>
-          </a:xfrm>
-          <a:prstGeom prst="rect">
-            <a:avLst/>
-          </a:prstGeom>
-          <a:noFill/>
-        </p:spPr>
-        <p:txBody>
-          <a:bodyPr wrap="none" rtlCol="0">
-            <a:spAutoFit/>
-          </a:bodyPr>
-          <a:lstStyle/>
-          <a:p>
-            <a:r>
-              <a:rPr kumimoji="1" lang="en-US" altLang="ja-JP" dirty="0" smtClean="0">
-                <a:solidFill>
-                  <a:srgbClr val="0070C0"/>
-                </a:solidFill>
-              </a:rPr>
-              <a:t>or</a:t>
-            </a:r>
-            <a:endParaRPr kumimoji="1" lang="ja-JP" altLang="en-US" dirty="0">
-              <a:solidFill>
-                <a:srgbClr val="0070C0"/>
-              </a:solidFill>
-            </a:endParaRPr>
-          </a:p>
-        </p:txBody>
-      </p:sp>
-      <p:sp>
-        <p:nvSpPr>
-          <p:cNvPr id="1027" name="右中かっこ 1026"/>
-          <p:cNvSpPr/>
-          <p:nvPr/>
-        </p:nvSpPr>
-        <p:spPr>
-          <a:xfrm>
-            <a:off x="6093303" y="2116720"/>
-            <a:ext cx="180000" cy="1548000"/>
-          </a:xfrm>
-          <a:prstGeom prst="rightBrace">
-            <a:avLst/>
-          </a:prstGeom>
-          <a:ln w="28575"/>
-        </p:spPr>
-        <p:style>
-          <a:lnRef idx="1">
-            <a:schemeClr val="accent1"/>
-          </a:lnRef>
-          <a:fillRef idx="0">
-            <a:schemeClr val="accent1"/>
-          </a:fillRef>
-          <a:effectRef idx="0">
-            <a:schemeClr val="accent1"/>
-          </a:effectRef>
-          <a:fontRef idx="minor">
-            <a:schemeClr val="tx1"/>
-          </a:fontRef>
-        </p:style>
-        <p:txBody>
-          <a:bodyPr rtlCol="0" anchor="ctr"/>
-          <a:lstStyle/>
-          <a:p>
-            <a:pPr algn="ctr"/>
-            <a:endParaRPr kumimoji="1" lang="ja-JP" altLang="en-US"/>
-          </a:p>
-        </p:txBody>
-      </p:sp>
-      <p:sp>
-        <p:nvSpPr>
-          <p:cNvPr id="46" name="テキスト ボックス 45"/>
-          <p:cNvSpPr txBox="1"/>
-          <p:nvPr/>
-        </p:nvSpPr>
-        <p:spPr>
-          <a:xfrm>
-            <a:off x="6183303" y="2638967"/>
-            <a:ext cx="543739" cy="523220"/>
-          </a:xfrm>
-          <a:prstGeom prst="rect">
-            <a:avLst/>
-          </a:prstGeom>
-          <a:noFill/>
-        </p:spPr>
-        <p:txBody>
-          <a:bodyPr wrap="none" rtlCol="0">
-            <a:spAutoFit/>
-          </a:bodyPr>
-          <a:lstStyle/>
-          <a:p>
-            <a:r>
-              <a:rPr kumimoji="1" lang="en-US" altLang="ja-JP" sz="2800" dirty="0" smtClean="0">
-                <a:solidFill>
-                  <a:srgbClr val="0070C0"/>
-                </a:solidFill>
-              </a:rPr>
-              <a:t>×</a:t>
-            </a:r>
-            <a:endParaRPr kumimoji="1" lang="ja-JP" altLang="en-US" sz="2800" dirty="0">
-              <a:solidFill>
-                <a:srgbClr val="0070C0"/>
-              </a:solidFill>
-            </a:endParaRPr>
-          </a:p>
-        </p:txBody>
-      </p:sp>
-      <p:sp>
-        <p:nvSpPr>
-          <p:cNvPr id="47" name="テキスト ボックス 46"/>
-          <p:cNvSpPr txBox="1"/>
-          <p:nvPr/>
-        </p:nvSpPr>
-        <p:spPr>
-          <a:xfrm>
-            <a:off x="7009134" y="2130964"/>
-            <a:ext cx="540000" cy="576000"/>
-          </a:xfrm>
-          <a:prstGeom prst="roundRect">
-            <a:avLst/>
-          </a:prstGeom>
-          <a:solidFill>
-            <a:schemeClr val="tx2">
-              <a:lumMod val="20000"/>
-              <a:lumOff val="80000"/>
-            </a:schemeClr>
-          </a:solidFill>
-          <a:ln w="28575">
-            <a:solidFill>
-              <a:schemeClr val="tx1"/>
-            </a:solidFill>
-          </a:ln>
-        </p:spPr>
-        <p:txBody>
-          <a:bodyPr wrap="none" rtlCol="0" anchor="ctr">
-            <a:noAutofit/>
-          </a:bodyPr>
-          <a:lstStyle/>
-          <a:p>
-            <a:pPr algn="ctr"/>
-            <a:r>
-              <a:rPr lang="en-US" altLang="ja-JP" sz="1400" b="1" dirty="0" smtClean="0">
-                <a:solidFill>
-                  <a:srgbClr val="0070C0"/>
-                </a:solidFill>
-              </a:rPr>
-              <a:t>UP</a:t>
-            </a:r>
-            <a:endParaRPr kumimoji="1" lang="ja-JP" altLang="en-US" sz="1400" b="1" dirty="0">
-              <a:solidFill>
-                <a:srgbClr val="0070C0"/>
-              </a:solidFill>
-            </a:endParaRPr>
-          </a:p>
-        </p:txBody>
-      </p:sp>
-      <p:sp>
-        <p:nvSpPr>
-          <p:cNvPr id="48" name="テキスト ボックス 47"/>
-          <p:cNvSpPr txBox="1"/>
-          <p:nvPr/>
-        </p:nvSpPr>
-        <p:spPr>
-          <a:xfrm>
-            <a:off x="7660991" y="2130964"/>
-            <a:ext cx="540000" cy="576000"/>
-          </a:xfrm>
-          <a:prstGeom prst="roundRect">
-            <a:avLst/>
-          </a:prstGeom>
-          <a:solidFill>
-            <a:schemeClr val="tx2">
-              <a:lumMod val="20000"/>
-              <a:lumOff val="80000"/>
-            </a:schemeClr>
-          </a:solidFill>
-          <a:ln w="28575">
-            <a:solidFill>
-              <a:schemeClr val="tx1"/>
-            </a:solidFill>
-          </a:ln>
-        </p:spPr>
-        <p:txBody>
-          <a:bodyPr wrap="none" rtlCol="0" anchor="ctr">
-            <a:noAutofit/>
-          </a:bodyPr>
-          <a:lstStyle/>
-          <a:p>
-            <a:pPr algn="ctr"/>
-            <a:r>
-              <a:rPr lang="en-US" altLang="ja-JP" sz="1400" b="1" dirty="0" smtClean="0">
-                <a:solidFill>
-                  <a:srgbClr val="0070C0"/>
-                </a:solidFill>
-              </a:rPr>
-              <a:t>DOWN</a:t>
-            </a:r>
-            <a:endParaRPr kumimoji="1" lang="ja-JP" altLang="en-US" sz="1400" b="1" dirty="0">
-              <a:solidFill>
-                <a:srgbClr val="0070C0"/>
-              </a:solidFill>
-            </a:endParaRPr>
-          </a:p>
-        </p:txBody>
-      </p:sp>
-      <p:sp>
-        <p:nvSpPr>
-          <p:cNvPr id="49" name="テキスト ボックス 48"/>
-          <p:cNvSpPr txBox="1"/>
-          <p:nvPr/>
-        </p:nvSpPr>
-        <p:spPr>
-          <a:xfrm>
-            <a:off x="7009134" y="3076296"/>
-            <a:ext cx="540000" cy="576000"/>
-          </a:xfrm>
-          <a:prstGeom prst="roundRect">
-            <a:avLst/>
-          </a:prstGeom>
-          <a:solidFill>
-            <a:schemeClr val="tx2">
-              <a:lumMod val="20000"/>
-              <a:lumOff val="80000"/>
-            </a:schemeClr>
-          </a:solidFill>
-          <a:ln w="28575">
-            <a:solidFill>
-              <a:schemeClr val="tx1"/>
-            </a:solidFill>
-          </a:ln>
-        </p:spPr>
-        <p:txBody>
-          <a:bodyPr wrap="none" rtlCol="0" anchor="ctr">
-            <a:noAutofit/>
-          </a:bodyPr>
-          <a:lstStyle>
-            <a:defPPr>
-              <a:defRPr lang="ja-JP"/>
-            </a:defPPr>
-            <a:lvl1pPr algn="ctr">
-              <a:defRPr sz="1400" b="1">
-                <a:solidFill>
-                  <a:srgbClr val="0070C0"/>
-                </a:solidFill>
-              </a:defRPr>
-            </a:lvl1pPr>
-          </a:lstStyle>
-          <a:p>
-            <a:r>
-              <a:rPr lang="en-US" altLang="ja-JP" dirty="0"/>
-              <a:t>POS</a:t>
-            </a:r>
-          </a:p>
-          <a:p>
-            <a:r>
-              <a:rPr lang="en-US" altLang="ja-JP" dirty="0"/>
-              <a:t>0</a:t>
-            </a:r>
-            <a:endParaRPr lang="ja-JP" altLang="en-US" dirty="0"/>
-          </a:p>
-        </p:txBody>
-      </p:sp>
-      <p:sp>
-        <p:nvSpPr>
-          <p:cNvPr id="50" name="テキスト ボックス 49"/>
-          <p:cNvSpPr txBox="1"/>
-          <p:nvPr/>
-        </p:nvSpPr>
-        <p:spPr>
-          <a:xfrm>
-            <a:off x="7660991" y="3062053"/>
-            <a:ext cx="540000" cy="576000"/>
-          </a:xfrm>
-          <a:prstGeom prst="roundRect">
-            <a:avLst/>
-          </a:prstGeom>
-          <a:solidFill>
-            <a:schemeClr val="tx2">
-              <a:lumMod val="20000"/>
-              <a:lumOff val="80000"/>
-            </a:schemeClr>
-          </a:solidFill>
-          <a:ln w="28575">
-            <a:solidFill>
-              <a:schemeClr val="tx1"/>
-            </a:solidFill>
-          </a:ln>
-        </p:spPr>
-        <p:txBody>
-          <a:bodyPr wrap="none" rtlCol="0" anchor="ctr">
-            <a:noAutofit/>
-          </a:bodyPr>
-          <a:lstStyle>
-            <a:defPPr>
-              <a:defRPr lang="ja-JP"/>
-            </a:defPPr>
-            <a:lvl1pPr algn="ctr">
-              <a:defRPr sz="1400" b="1">
-                <a:solidFill>
-                  <a:srgbClr val="0070C0"/>
-                </a:solidFill>
-              </a:defRPr>
-            </a:lvl1pPr>
-          </a:lstStyle>
-          <a:p>
-            <a:r>
-              <a:rPr lang="en-US" altLang="ja-JP" dirty="0"/>
-              <a:t>POS</a:t>
-            </a:r>
-          </a:p>
-          <a:p>
-            <a:r>
-              <a:rPr lang="en-US" altLang="ja-JP" dirty="0"/>
-              <a:t>100</a:t>
-            </a:r>
-            <a:endParaRPr lang="ja-JP" altLang="en-US" dirty="0"/>
-          </a:p>
-        </p:txBody>
-      </p:sp>
-      <p:sp>
-        <p:nvSpPr>
-          <p:cNvPr id="1028" name="左中かっこ 1027"/>
-          <p:cNvSpPr/>
-          <p:nvPr/>
-        </p:nvSpPr>
-        <p:spPr>
-          <a:xfrm>
-            <a:off x="6627377" y="2116720"/>
-            <a:ext cx="180000" cy="1548000"/>
-          </a:xfrm>
-          <a:prstGeom prst="leftBrace">
-            <a:avLst/>
-          </a:prstGeom>
-          <a:ln w="28575"/>
-        </p:spPr>
-        <p:style>
-          <a:lnRef idx="1">
-            <a:schemeClr val="accent1"/>
-          </a:lnRef>
-          <a:fillRef idx="0">
-            <a:schemeClr val="accent1"/>
-          </a:fillRef>
-          <a:effectRef idx="0">
-            <a:schemeClr val="accent1"/>
-          </a:effectRef>
-          <a:fontRef idx="minor">
-            <a:schemeClr val="tx1"/>
-          </a:fontRef>
-        </p:style>
-        <p:txBody>
-          <a:bodyPr rtlCol="0" anchor="ctr"/>
-          <a:lstStyle/>
-          <a:p>
-            <a:pPr algn="ctr"/>
-            <a:endParaRPr kumimoji="1" lang="ja-JP" altLang="en-US"/>
-          </a:p>
-        </p:txBody>
-      </p:sp>
-      <p:sp>
-        <p:nvSpPr>
-          <p:cNvPr id="53" name="テキスト ボックス 52"/>
-          <p:cNvSpPr txBox="1"/>
-          <p:nvPr/>
-        </p:nvSpPr>
-        <p:spPr>
-          <a:xfrm>
-            <a:off x="7390991" y="2715911"/>
-            <a:ext cx="386644" cy="369332"/>
-          </a:xfrm>
-          <a:prstGeom prst="rect">
-            <a:avLst/>
-          </a:prstGeom>
-          <a:noFill/>
-        </p:spPr>
-        <p:txBody>
-          <a:bodyPr wrap="none" rtlCol="0">
-            <a:spAutoFit/>
-          </a:bodyPr>
-          <a:lstStyle/>
-          <a:p>
-            <a:r>
-              <a:rPr kumimoji="1" lang="en-US" altLang="ja-JP" dirty="0" smtClean="0">
-                <a:solidFill>
-                  <a:srgbClr val="0070C0"/>
-                </a:solidFill>
-              </a:rPr>
-              <a:t>or</a:t>
-            </a:r>
-            <a:endParaRPr kumimoji="1" lang="ja-JP" altLang="en-US" dirty="0">
-              <a:solidFill>
-                <a:srgbClr val="0070C0"/>
-              </a:solidFill>
-            </a:endParaRPr>
-          </a:p>
-        </p:txBody>
-      </p:sp>
-      <p:sp>
-        <p:nvSpPr>
-          <p:cNvPr id="54" name="テキスト ボックス 53"/>
-          <p:cNvSpPr txBox="1"/>
-          <p:nvPr/>
-        </p:nvSpPr>
-        <p:spPr>
-          <a:xfrm>
-            <a:off x="4362787" y="4335585"/>
-            <a:ext cx="540000" cy="576000"/>
-          </a:xfrm>
-          <a:prstGeom prst="roundRect">
-            <a:avLst/>
-          </a:prstGeom>
-          <a:solidFill>
-            <a:srgbClr val="FFFF00"/>
-          </a:solidFill>
-          <a:ln w="28575">
-            <a:solidFill>
-              <a:schemeClr val="tx1"/>
-            </a:solidFill>
-          </a:ln>
-        </p:spPr>
-        <p:txBody>
-          <a:bodyPr wrap="none" rtlCol="0" anchor="ctr">
-            <a:noAutofit/>
-          </a:bodyPr>
-          <a:lstStyle/>
-          <a:p>
-            <a:pPr algn="ctr"/>
-            <a:r>
-              <a:rPr lang="en-US" altLang="ja-JP" sz="1400" b="1" dirty="0" smtClean="0">
-                <a:solidFill>
-                  <a:srgbClr val="FF0000"/>
-                </a:solidFill>
-              </a:rPr>
-              <a:t>INIT</a:t>
+              <a:t>CLEAR</a:t>
             </a:r>
             <a:endParaRPr kumimoji="1" lang="ja-JP" altLang="en-US" sz="1400" b="1" dirty="0">
               <a:solidFill>
@@ -6245,262 +6675,62 @@
           </a:p>
         </p:txBody>
       </p:sp>
-      <p:sp>
-        <p:nvSpPr>
-          <p:cNvPr id="55" name="テキスト ボックス 54"/>
-          <p:cNvSpPr txBox="1"/>
+      <p:pic>
+        <p:nvPicPr>
+          <p:cNvPr id="61" name="Picture 2"/>
+          <p:cNvPicPr>
+            <a:picLocks noChangeAspect="1" noChangeArrowheads="1"/>
+          </p:cNvPicPr>
           <p:nvPr/>
-        </p:nvSpPr>
-        <p:spPr>
-          <a:xfrm>
-            <a:off x="6033697" y="4335585"/>
-            <a:ext cx="540000" cy="597456"/>
-          </a:xfrm>
-          <a:prstGeom prst="roundRect">
-            <a:avLst/>
-          </a:prstGeom>
-          <a:solidFill>
-            <a:srgbClr val="FFFF00"/>
-          </a:solidFill>
-          <a:ln w="28575">
-            <a:solidFill>
-              <a:schemeClr val="tx1"/>
-            </a:solidFill>
+        </p:nvPicPr>
+        <p:blipFill rotWithShape="1">
+          <a:blip r:embed="rId2">
+            <a:extLst>
+              <a:ext uri="{28A0092B-C50C-407E-A947-70E740481C1C}">
+                <a14:useLocalDpi xmlns:a14="http://schemas.microsoft.com/office/drawing/2010/main" val="0"/>
+              </a:ext>
+            </a:extLst>
+          </a:blip>
+          <a:srcRect t="1340"/>
+          <a:stretch/>
+        </p:blipFill>
+        <p:spPr bwMode="auto">
+          <a:xfrm>
+            <a:off x="4458759" y="388418"/>
+            <a:ext cx="3638550" cy="4463770"/>
+          </a:xfrm>
+          <a:prstGeom prst="rect">
+            <a:avLst/>
+          </a:prstGeom>
+          <a:noFill/>
+          <a:ln>
+            <a:noFill/>
           </a:ln>
-        </p:spPr>
-        <p:txBody>
-          <a:bodyPr wrap="none" rtlCol="0" anchor="ctr">
-            <a:noAutofit/>
-          </a:bodyPr>
-          <a:lstStyle/>
-          <a:p>
-            <a:pPr algn="ctr"/>
-            <a:r>
-              <a:rPr lang="en-US" altLang="ja-JP" sz="1400" b="1" dirty="0" smtClean="0">
-                <a:solidFill>
-                  <a:srgbClr val="FF0000"/>
-                </a:solidFill>
-              </a:rPr>
-              <a:t>STOP</a:t>
-            </a:r>
-            <a:endParaRPr kumimoji="1" lang="ja-JP" altLang="en-US" sz="1400" b="1" dirty="0">
-              <a:solidFill>
-                <a:srgbClr val="FF0000"/>
-              </a:solidFill>
-            </a:endParaRPr>
-          </a:p>
-        </p:txBody>
-      </p:sp>
-      <p:sp>
-        <p:nvSpPr>
-          <p:cNvPr id="56" name="テキスト ボックス 55"/>
-          <p:cNvSpPr txBox="1"/>
-          <p:nvPr/>
-        </p:nvSpPr>
-        <p:spPr>
-          <a:xfrm>
-            <a:off x="2153914" y="4013924"/>
-            <a:ext cx="540000" cy="576000"/>
-          </a:xfrm>
-          <a:prstGeom prst="roundRect">
-            <a:avLst/>
-          </a:prstGeom>
-          <a:solidFill>
-            <a:srgbClr val="FFFF00"/>
-          </a:solidFill>
-          <a:ln w="28575">
-            <a:solidFill>
-              <a:schemeClr val="tx1"/>
-            </a:solidFill>
-          </a:ln>
-        </p:spPr>
-        <p:txBody>
-          <a:bodyPr wrap="none" rtlCol="0" anchor="ctr">
-            <a:noAutofit/>
-          </a:bodyPr>
-          <a:lstStyle/>
-          <a:p>
-            <a:pPr algn="ctr"/>
-            <a:r>
-              <a:rPr kumimoji="1" lang="en-US" altLang="ja-JP" sz="1400" b="1" dirty="0" smtClean="0">
-                <a:solidFill>
-                  <a:srgbClr val="FF0000"/>
-                </a:solidFill>
-              </a:rPr>
-              <a:t>RESET</a:t>
-            </a:r>
-            <a:endParaRPr kumimoji="1" lang="ja-JP" altLang="en-US" sz="1400" b="1" dirty="0">
-              <a:solidFill>
-                <a:srgbClr val="FF0000"/>
-              </a:solidFill>
-            </a:endParaRPr>
-          </a:p>
-        </p:txBody>
-      </p:sp>
-      <p:sp>
-        <p:nvSpPr>
-          <p:cNvPr id="57" name="テキスト ボックス 56"/>
-          <p:cNvSpPr txBox="1"/>
-          <p:nvPr/>
-        </p:nvSpPr>
-        <p:spPr>
-          <a:xfrm>
-            <a:off x="5198242" y="4335585"/>
-            <a:ext cx="540000" cy="576000"/>
-          </a:xfrm>
-          <a:prstGeom prst="roundRect">
-            <a:avLst/>
-          </a:prstGeom>
-          <a:solidFill>
-            <a:srgbClr val="FFFF00"/>
-          </a:solidFill>
-          <a:ln w="28575">
-            <a:solidFill>
-              <a:schemeClr val="tx1"/>
-            </a:solidFill>
-          </a:ln>
-        </p:spPr>
-        <p:txBody>
-          <a:bodyPr wrap="none" rtlCol="0" anchor="ctr">
-            <a:noAutofit/>
-          </a:bodyPr>
-          <a:lstStyle/>
-          <a:p>
-            <a:pPr algn="ctr"/>
-            <a:r>
-              <a:rPr kumimoji="1" lang="en-US" altLang="ja-JP" sz="1400" b="1" dirty="0" smtClean="0">
-                <a:solidFill>
-                  <a:srgbClr val="FF0000"/>
-                </a:solidFill>
-              </a:rPr>
-              <a:t>RESET</a:t>
-            </a:r>
-            <a:endParaRPr kumimoji="1" lang="ja-JP" altLang="en-US" sz="1400" b="1" dirty="0">
-              <a:solidFill>
-                <a:srgbClr val="FF0000"/>
-              </a:solidFill>
-            </a:endParaRPr>
-          </a:p>
-        </p:txBody>
-      </p:sp>
-      <p:sp>
-        <p:nvSpPr>
-          <p:cNvPr id="58" name="テキスト ボックス 57"/>
-          <p:cNvSpPr txBox="1"/>
-          <p:nvPr/>
-        </p:nvSpPr>
-        <p:spPr>
-          <a:xfrm>
-            <a:off x="7750542" y="388252"/>
-            <a:ext cx="673614" cy="369332"/>
-          </a:xfrm>
-          <a:prstGeom prst="rect">
-            <a:avLst/>
-          </a:prstGeom>
-          <a:noFill/>
-        </p:spPr>
-        <p:txBody>
-          <a:bodyPr wrap="square" rtlCol="0">
-            <a:spAutoFit/>
-          </a:bodyPr>
-          <a:lstStyle/>
-          <a:p>
-            <a:r>
-              <a:rPr kumimoji="1" lang="ja-JP" altLang="en-US" dirty="0" smtClean="0">
-                <a:solidFill>
-                  <a:srgbClr val="FF0000"/>
-                </a:solidFill>
-              </a:rPr>
-              <a:t>排他</a:t>
-            </a:r>
-            <a:endParaRPr kumimoji="1" lang="ja-JP" altLang="en-US" dirty="0">
-              <a:solidFill>
-                <a:srgbClr val="FF0000"/>
-              </a:solidFill>
-            </a:endParaRPr>
-          </a:p>
-        </p:txBody>
-      </p:sp>
-      <p:sp>
-        <p:nvSpPr>
-          <p:cNvPr id="59" name="テキスト ボックス 58"/>
-          <p:cNvSpPr txBox="1"/>
-          <p:nvPr/>
-        </p:nvSpPr>
-        <p:spPr>
-          <a:xfrm>
-            <a:off x="7777635" y="4222996"/>
-            <a:ext cx="673614" cy="369332"/>
-          </a:xfrm>
-          <a:prstGeom prst="rect">
-            <a:avLst/>
-          </a:prstGeom>
-          <a:noFill/>
-        </p:spPr>
-        <p:txBody>
-          <a:bodyPr wrap="square" rtlCol="0">
-            <a:spAutoFit/>
-          </a:bodyPr>
-          <a:lstStyle/>
-          <a:p>
-            <a:r>
-              <a:rPr kumimoji="1" lang="ja-JP" altLang="en-US" dirty="0" smtClean="0">
-                <a:solidFill>
-                  <a:srgbClr val="FF0000"/>
-                </a:solidFill>
-              </a:rPr>
-              <a:t>排他</a:t>
-            </a:r>
-            <a:endParaRPr kumimoji="1" lang="ja-JP" altLang="en-US" dirty="0">
-              <a:solidFill>
-                <a:srgbClr val="FF0000"/>
-              </a:solidFill>
-            </a:endParaRPr>
-          </a:p>
-        </p:txBody>
-      </p:sp>
-      <p:sp>
-        <p:nvSpPr>
-          <p:cNvPr id="60" name="テキスト ボックス 59"/>
-          <p:cNvSpPr txBox="1"/>
-          <p:nvPr/>
-        </p:nvSpPr>
-        <p:spPr>
-          <a:xfrm>
-            <a:off x="7009134" y="1653789"/>
-            <a:ext cx="1528664" cy="369332"/>
-          </a:xfrm>
-          <a:prstGeom prst="rect">
-            <a:avLst/>
-          </a:prstGeom>
-          <a:noFill/>
-        </p:spPr>
-        <p:txBody>
-          <a:bodyPr wrap="square" rtlCol="0">
-            <a:spAutoFit/>
-          </a:bodyPr>
-          <a:lstStyle/>
-          <a:p>
-            <a:r>
-              <a:rPr kumimoji="1" lang="ja-JP" altLang="en-US" dirty="0" smtClean="0">
-                <a:solidFill>
-                  <a:srgbClr val="FF0000"/>
-                </a:solidFill>
-              </a:rPr>
-              <a:t>ここは悩む</a:t>
-            </a:r>
-            <a:endParaRPr kumimoji="1" lang="ja-JP" altLang="en-US" dirty="0">
-              <a:solidFill>
-                <a:srgbClr val="FF0000"/>
-              </a:solidFill>
-            </a:endParaRPr>
-          </a:p>
-        </p:txBody>
-      </p:sp>
+          <a:extLst>
+            <a:ext uri="{909E8E84-426E-40DD-AFC4-6F175D3DCCD1}">
+              <a14:hiddenFill xmlns:a14="http://schemas.microsoft.com/office/drawing/2010/main">
+                <a:solidFill>
+                  <a:schemeClr val="accent1"/>
+                </a:solidFill>
+              </a14:hiddenFill>
+            </a:ext>
+            <a:ext uri="{91240B29-F687-4F45-9708-019B960494DF}">
+              <a14:hiddenLine xmlns:a14="http://schemas.microsoft.com/office/drawing/2010/main" w="9525">
+                <a:solidFill>
+                  <a:schemeClr val="tx1"/>
+                </a:solidFill>
+                <a:miter lim="800000"/>
+                <a:headEnd/>
+                <a:tailEnd/>
+              </a14:hiddenLine>
+            </a:ext>
+          </a:extLst>
+        </p:spPr>
+      </p:pic>
     </p:spTree>
     <p:extLst>
       <p:ext uri="{BB962C8B-B14F-4D97-AF65-F5344CB8AC3E}">
-        <p14:creationId xmlns:p14="http://schemas.microsoft.com/office/powerpoint/2010/main" val="2005532788"/>
+        <p14:creationId xmlns:p14="http://schemas.microsoft.com/office/powerpoint/2010/main" val="1467982454"/>
       </p:ext>
     </p:extLst>
   </p:cSld>

--- a/motion_ctrl/10key_command.pptx
+++ b/motion_ctrl/10key_command.pptx
@@ -6,7 +6,8 @@
   </p:sldMasterIdLst>
   <p:sldIdLst>
     <p:sldId id="257" r:id="rId2"/>
-    <p:sldId id="256" r:id="rId3"/>
+    <p:sldId id="258" r:id="rId3"/>
+    <p:sldId id="256" r:id="rId4"/>
   </p:sldIdLst>
   <p:sldSz cx="9144000" cy="5143500" type="screen16x9"/>
   <p:notesSz cx="6858000" cy="9144000"/>
@@ -289,7 +290,7 @@
           <a:p>
             <a:fld id="{64361650-CFE1-4D11-96E8-4B9F93353474}" type="datetimeFigureOut">
               <a:rPr kumimoji="1" lang="ja-JP" altLang="en-US" smtClean="0"/>
-              <a:t>2019/7/27</a:t>
+              <a:t>2019/7/29</a:t>
             </a:fld>
             <a:endParaRPr kumimoji="1" lang="ja-JP" altLang="en-US"/>
           </a:p>
@@ -491,7 +492,7 @@
           <a:p>
             <a:fld id="{64361650-CFE1-4D11-96E8-4B9F93353474}" type="datetimeFigureOut">
               <a:rPr kumimoji="1" lang="ja-JP" altLang="en-US" smtClean="0"/>
-              <a:t>2019/7/27</a:t>
+              <a:t>2019/7/29</a:t>
             </a:fld>
             <a:endParaRPr kumimoji="1" lang="ja-JP" altLang="en-US"/>
           </a:p>
@@ -703,7 +704,7 @@
           <a:p>
             <a:fld id="{64361650-CFE1-4D11-96E8-4B9F93353474}" type="datetimeFigureOut">
               <a:rPr kumimoji="1" lang="ja-JP" altLang="en-US" smtClean="0"/>
-              <a:t>2019/7/27</a:t>
+              <a:t>2019/7/29</a:t>
             </a:fld>
             <a:endParaRPr kumimoji="1" lang="ja-JP" altLang="en-US"/>
           </a:p>
@@ -905,7 +906,7 @@
           <a:p>
             <a:fld id="{64361650-CFE1-4D11-96E8-4B9F93353474}" type="datetimeFigureOut">
               <a:rPr kumimoji="1" lang="ja-JP" altLang="en-US" smtClean="0"/>
-              <a:t>2019/7/27</a:t>
+              <a:t>2019/7/29</a:t>
             </a:fld>
             <a:endParaRPr kumimoji="1" lang="ja-JP" altLang="en-US"/>
           </a:p>
@@ -1151,7 +1152,7 @@
           <a:p>
             <a:fld id="{64361650-CFE1-4D11-96E8-4B9F93353474}" type="datetimeFigureOut">
               <a:rPr kumimoji="1" lang="ja-JP" altLang="en-US" smtClean="0"/>
-              <a:t>2019/7/27</a:t>
+              <a:t>2019/7/29</a:t>
             </a:fld>
             <a:endParaRPr kumimoji="1" lang="ja-JP" altLang="en-US"/>
           </a:p>
@@ -1503,7 +1504,7 @@
           <a:p>
             <a:fld id="{64361650-CFE1-4D11-96E8-4B9F93353474}" type="datetimeFigureOut">
               <a:rPr kumimoji="1" lang="ja-JP" altLang="en-US" smtClean="0"/>
-              <a:t>2019/7/27</a:t>
+              <a:t>2019/7/29</a:t>
             </a:fld>
             <a:endParaRPr kumimoji="1" lang="ja-JP" altLang="en-US"/>
           </a:p>
@@ -1989,7 +1990,7 @@
           <a:p>
             <a:fld id="{64361650-CFE1-4D11-96E8-4B9F93353474}" type="datetimeFigureOut">
               <a:rPr kumimoji="1" lang="ja-JP" altLang="en-US" smtClean="0"/>
-              <a:t>2019/7/27</a:t>
+              <a:t>2019/7/29</a:t>
             </a:fld>
             <a:endParaRPr kumimoji="1" lang="ja-JP" altLang="en-US"/>
           </a:p>
@@ -2107,7 +2108,7 @@
           <a:p>
             <a:fld id="{64361650-CFE1-4D11-96E8-4B9F93353474}" type="datetimeFigureOut">
               <a:rPr kumimoji="1" lang="ja-JP" altLang="en-US" smtClean="0"/>
-              <a:t>2019/7/27</a:t>
+              <a:t>2019/7/29</a:t>
             </a:fld>
             <a:endParaRPr kumimoji="1" lang="ja-JP" altLang="en-US"/>
           </a:p>
@@ -2202,7 +2203,7 @@
           <a:p>
             <a:fld id="{64361650-CFE1-4D11-96E8-4B9F93353474}" type="datetimeFigureOut">
               <a:rPr kumimoji="1" lang="ja-JP" altLang="en-US" smtClean="0"/>
-              <a:t>2019/7/27</a:t>
+              <a:t>2019/7/29</a:t>
             </a:fld>
             <a:endParaRPr kumimoji="1" lang="ja-JP" altLang="en-US"/>
           </a:p>
@@ -2511,7 +2512,7 @@
           <a:p>
             <a:fld id="{64361650-CFE1-4D11-96E8-4B9F93353474}" type="datetimeFigureOut">
               <a:rPr kumimoji="1" lang="ja-JP" altLang="en-US" smtClean="0"/>
-              <a:t>2019/7/27</a:t>
+              <a:t>2019/7/29</a:t>
             </a:fld>
             <a:endParaRPr kumimoji="1" lang="ja-JP" altLang="en-US"/>
           </a:p>
@@ -2764,7 +2765,7 @@
           <a:p>
             <a:fld id="{64361650-CFE1-4D11-96E8-4B9F93353474}" type="datetimeFigureOut">
               <a:rPr kumimoji="1" lang="ja-JP" altLang="en-US" smtClean="0"/>
-              <a:t>2019/7/27</a:t>
+              <a:t>2019/7/29</a:t>
             </a:fld>
             <a:endParaRPr kumimoji="1" lang="ja-JP" altLang="en-US"/>
           </a:p>
@@ -3009,7 +3010,7 @@
           <a:p>
             <a:fld id="{64361650-CFE1-4D11-96E8-4B9F93353474}" type="datetimeFigureOut">
               <a:rPr kumimoji="1" lang="ja-JP" altLang="en-US" smtClean="0"/>
-              <a:t>2019/7/27</a:t>
+              <a:t>2019/7/29</a:t>
             </a:fld>
             <a:endParaRPr kumimoji="1" lang="ja-JP" altLang="en-US"/>
           </a:p>
@@ -3384,1065 +3385,6 @@
           <a:chExt cx="0" cy="0"/>
         </a:xfrm>
       </p:grpSpPr>
-      <p:cxnSp>
-        <p:nvCxnSpPr>
-          <p:cNvPr id="29" name="直線コネクタ 28"/>
-          <p:cNvCxnSpPr/>
-          <p:nvPr/>
-        </p:nvCxnSpPr>
-        <p:spPr>
-          <a:xfrm>
-            <a:off x="4183583" y="1495107"/>
-            <a:ext cx="4118846" cy="0"/>
-          </a:xfrm>
-          <a:prstGeom prst="line">
-            <a:avLst/>
-          </a:prstGeom>
-        </p:spPr>
-        <p:style>
-          <a:lnRef idx="1">
-            <a:schemeClr val="accent1"/>
-          </a:lnRef>
-          <a:fillRef idx="0">
-            <a:schemeClr val="accent1"/>
-          </a:fillRef>
-          <a:effectRef idx="0">
-            <a:schemeClr val="accent1"/>
-          </a:effectRef>
-          <a:fontRef idx="minor">
-            <a:schemeClr val="tx1"/>
-          </a:fontRef>
-        </p:style>
-      </p:cxnSp>
-      <p:cxnSp>
-        <p:nvCxnSpPr>
-          <p:cNvPr id="31" name="直線コネクタ 30"/>
-          <p:cNvCxnSpPr/>
-          <p:nvPr/>
-        </p:nvCxnSpPr>
-        <p:spPr>
-          <a:xfrm>
-            <a:off x="4272595" y="3966253"/>
-            <a:ext cx="4118846" cy="0"/>
-          </a:xfrm>
-          <a:prstGeom prst="line">
-            <a:avLst/>
-          </a:prstGeom>
-        </p:spPr>
-        <p:style>
-          <a:lnRef idx="1">
-            <a:schemeClr val="accent1"/>
-          </a:lnRef>
-          <a:fillRef idx="0">
-            <a:schemeClr val="accent1"/>
-          </a:fillRef>
-          <a:effectRef idx="0">
-            <a:schemeClr val="accent1"/>
-          </a:effectRef>
-          <a:fontRef idx="minor">
-            <a:schemeClr val="tx1"/>
-          </a:fontRef>
-        </p:style>
-      </p:cxnSp>
-      <p:sp>
-        <p:nvSpPr>
-          <p:cNvPr id="1024" name="テキスト ボックス 1023"/>
-          <p:cNvSpPr txBox="1"/>
-          <p:nvPr/>
-        </p:nvSpPr>
-        <p:spPr>
-          <a:xfrm>
-            <a:off x="4183583" y="388418"/>
-            <a:ext cx="2031102" cy="369332"/>
-          </a:xfrm>
-          <a:prstGeom prst="rect">
-            <a:avLst/>
-          </a:prstGeom>
-          <a:noFill/>
-        </p:spPr>
-        <p:txBody>
-          <a:bodyPr wrap="square" rtlCol="0">
-            <a:spAutoFit/>
-          </a:bodyPr>
-          <a:lstStyle/>
-          <a:p>
-            <a:r>
-              <a:rPr lang="ja-JP" altLang="en-US" dirty="0" smtClean="0"/>
-              <a:t>シナリオコマンド</a:t>
-            </a:r>
-            <a:endParaRPr kumimoji="1" lang="ja-JP" altLang="en-US" dirty="0"/>
-          </a:p>
-        </p:txBody>
-      </p:sp>
-      <p:sp>
-        <p:nvSpPr>
-          <p:cNvPr id="34" name="テキスト ボックス 33"/>
-          <p:cNvSpPr txBox="1"/>
-          <p:nvPr/>
-        </p:nvSpPr>
-        <p:spPr>
-          <a:xfrm>
-            <a:off x="4272595" y="1559367"/>
-            <a:ext cx="1230020" cy="369332"/>
-          </a:xfrm>
-          <a:prstGeom prst="rect">
-            <a:avLst/>
-          </a:prstGeom>
-          <a:noFill/>
-        </p:spPr>
-        <p:txBody>
-          <a:bodyPr wrap="square" rtlCol="0">
-            <a:spAutoFit/>
-          </a:bodyPr>
-          <a:lstStyle/>
-          <a:p>
-            <a:r>
-              <a:rPr lang="ja-JP" altLang="en-US" dirty="0" smtClean="0"/>
-              <a:t>モーター</a:t>
-            </a:r>
-            <a:r>
-              <a:rPr lang="en-US" altLang="ja-JP" dirty="0" smtClean="0"/>
-              <a:t>ID</a:t>
-            </a:r>
-            <a:endParaRPr kumimoji="1" lang="ja-JP" altLang="en-US" dirty="0"/>
-          </a:p>
-        </p:txBody>
-      </p:sp>
-      <p:sp>
-        <p:nvSpPr>
-          <p:cNvPr id="35" name="テキスト ボックス 34"/>
-          <p:cNvSpPr txBox="1"/>
-          <p:nvPr/>
-        </p:nvSpPr>
-        <p:spPr>
-          <a:xfrm>
-            <a:off x="4300916" y="3966253"/>
-            <a:ext cx="2031102" cy="369332"/>
-          </a:xfrm>
-          <a:prstGeom prst="rect">
-            <a:avLst/>
-          </a:prstGeom>
-          <a:noFill/>
-        </p:spPr>
-        <p:txBody>
-          <a:bodyPr wrap="square" rtlCol="0">
-            <a:spAutoFit/>
-          </a:bodyPr>
-          <a:lstStyle/>
-          <a:p>
-            <a:r>
-              <a:rPr kumimoji="1" lang="ja-JP" altLang="en-US" dirty="0" smtClean="0"/>
-              <a:t>その他コマンド</a:t>
-            </a:r>
-            <a:endParaRPr kumimoji="1" lang="ja-JP" altLang="en-US" dirty="0"/>
-          </a:p>
-        </p:txBody>
-      </p:sp>
-      <p:sp>
-        <p:nvSpPr>
-          <p:cNvPr id="36" name="テキスト ボックス 35"/>
-          <p:cNvSpPr txBox="1"/>
-          <p:nvPr/>
-        </p:nvSpPr>
-        <p:spPr>
-          <a:xfrm>
-            <a:off x="5350498" y="757750"/>
-            <a:ext cx="540000" cy="576000"/>
-          </a:xfrm>
-          <a:prstGeom prst="roundRect">
-            <a:avLst/>
-          </a:prstGeom>
-          <a:solidFill>
-            <a:srgbClr val="FFC000"/>
-          </a:solidFill>
-          <a:ln w="28575">
-            <a:solidFill>
-              <a:schemeClr val="tx1"/>
-            </a:solidFill>
-          </a:ln>
-        </p:spPr>
-        <p:txBody>
-          <a:bodyPr wrap="none" rtlCol="0" anchor="ctr">
-            <a:noAutofit/>
-          </a:bodyPr>
-          <a:lstStyle>
-            <a:defPPr>
-              <a:defRPr lang="ja-JP"/>
-            </a:defPPr>
-            <a:lvl1pPr algn="ctr">
-              <a:defRPr sz="1400" b="1">
-                <a:solidFill>
-                  <a:srgbClr val="0070C0"/>
-                </a:solidFill>
-              </a:defRPr>
-            </a:lvl1pPr>
-          </a:lstStyle>
-          <a:p>
-            <a:r>
-              <a:rPr lang="en-US" altLang="ja-JP" dirty="0"/>
-              <a:t>RIGHT</a:t>
-            </a:r>
-            <a:endParaRPr lang="ja-JP" altLang="en-US" dirty="0"/>
-          </a:p>
-        </p:txBody>
-      </p:sp>
-      <p:sp>
-        <p:nvSpPr>
-          <p:cNvPr id="37" name="テキスト ボックス 36"/>
-          <p:cNvSpPr txBox="1"/>
-          <p:nvPr/>
-        </p:nvSpPr>
-        <p:spPr>
-          <a:xfrm>
-            <a:off x="4468466" y="757750"/>
-            <a:ext cx="540000" cy="576000"/>
-          </a:xfrm>
-          <a:prstGeom prst="roundRect">
-            <a:avLst/>
-          </a:prstGeom>
-          <a:solidFill>
-            <a:srgbClr val="FFC000"/>
-          </a:solidFill>
-          <a:ln w="28575">
-            <a:solidFill>
-              <a:schemeClr val="tx1"/>
-            </a:solidFill>
-          </a:ln>
-        </p:spPr>
-        <p:txBody>
-          <a:bodyPr wrap="none" rtlCol="0" anchor="ctr">
-            <a:noAutofit/>
-          </a:bodyPr>
-          <a:lstStyle>
-            <a:defPPr>
-              <a:defRPr lang="ja-JP"/>
-            </a:defPPr>
-            <a:lvl1pPr algn="ctr">
-              <a:defRPr sz="1400" b="1">
-                <a:solidFill>
-                  <a:srgbClr val="0070C0"/>
-                </a:solidFill>
-              </a:defRPr>
-            </a:lvl1pPr>
-          </a:lstStyle>
-          <a:p>
-            <a:r>
-              <a:rPr lang="en-US" altLang="ja-JP" dirty="0"/>
-              <a:t>LEFT</a:t>
-            </a:r>
-            <a:endParaRPr lang="ja-JP" altLang="en-US" dirty="0"/>
-          </a:p>
-        </p:txBody>
-      </p:sp>
-      <p:sp>
-        <p:nvSpPr>
-          <p:cNvPr id="38" name="テキスト ボックス 37"/>
-          <p:cNvSpPr txBox="1"/>
-          <p:nvPr/>
-        </p:nvSpPr>
-        <p:spPr>
-          <a:xfrm>
-            <a:off x="6224439" y="757750"/>
-            <a:ext cx="540000" cy="576000"/>
-          </a:xfrm>
-          <a:prstGeom prst="roundRect">
-            <a:avLst/>
-          </a:prstGeom>
-          <a:solidFill>
-            <a:srgbClr val="FFC000"/>
-          </a:solidFill>
-          <a:ln w="28575">
-            <a:solidFill>
-              <a:schemeClr val="tx1"/>
-            </a:solidFill>
-          </a:ln>
-        </p:spPr>
-        <p:txBody>
-          <a:bodyPr wrap="none" rtlCol="0" anchor="ctr">
-            <a:noAutofit/>
-          </a:bodyPr>
-          <a:lstStyle/>
-          <a:p>
-            <a:pPr algn="ctr"/>
-            <a:r>
-              <a:rPr lang="en-US" altLang="ja-JP" sz="1400" b="1" dirty="0" smtClean="0">
-                <a:solidFill>
-                  <a:srgbClr val="0070C0"/>
-                </a:solidFill>
-              </a:rPr>
-              <a:t>WALK</a:t>
-            </a:r>
-            <a:endParaRPr kumimoji="1" lang="ja-JP" altLang="en-US" sz="1400" b="1" dirty="0">
-              <a:solidFill>
-                <a:srgbClr val="0070C0"/>
-              </a:solidFill>
-            </a:endParaRPr>
-          </a:p>
-        </p:txBody>
-      </p:sp>
-      <p:sp>
-        <p:nvSpPr>
-          <p:cNvPr id="39" name="テキスト ボックス 38"/>
-          <p:cNvSpPr txBox="1"/>
-          <p:nvPr/>
-        </p:nvSpPr>
-        <p:spPr>
-          <a:xfrm>
-            <a:off x="7130745" y="757750"/>
-            <a:ext cx="540000" cy="576000"/>
-          </a:xfrm>
-          <a:prstGeom prst="roundRect">
-            <a:avLst/>
-          </a:prstGeom>
-          <a:solidFill>
-            <a:srgbClr val="FFC000"/>
-          </a:solidFill>
-          <a:ln w="28575">
-            <a:solidFill>
-              <a:schemeClr val="tx1"/>
-            </a:solidFill>
-          </a:ln>
-        </p:spPr>
-        <p:txBody>
-          <a:bodyPr wrap="none" rtlCol="0" anchor="ctr">
-            <a:noAutofit/>
-          </a:bodyPr>
-          <a:lstStyle/>
-          <a:p>
-            <a:pPr algn="ctr"/>
-            <a:r>
-              <a:rPr lang="en-US" altLang="ja-JP" sz="1400" b="1" dirty="0" smtClean="0">
-                <a:solidFill>
-                  <a:srgbClr val="0070C0"/>
-                </a:solidFill>
-              </a:rPr>
-              <a:t>BACK</a:t>
-            </a:r>
-            <a:endParaRPr kumimoji="1" lang="ja-JP" altLang="en-US" sz="1400" b="1" dirty="0">
-              <a:solidFill>
-                <a:srgbClr val="0070C0"/>
-              </a:solidFill>
-            </a:endParaRPr>
-          </a:p>
-        </p:txBody>
-      </p:sp>
-      <p:sp>
-        <p:nvSpPr>
-          <p:cNvPr id="40" name="テキスト ボックス 39"/>
-          <p:cNvSpPr txBox="1"/>
-          <p:nvPr/>
-        </p:nvSpPr>
-        <p:spPr>
-          <a:xfrm>
-            <a:off x="4355646" y="1952961"/>
-            <a:ext cx="540000" cy="576000"/>
-          </a:xfrm>
-          <a:prstGeom prst="roundRect">
-            <a:avLst/>
-          </a:prstGeom>
-          <a:solidFill>
-            <a:schemeClr val="accent3">
-              <a:lumMod val="60000"/>
-              <a:lumOff val="40000"/>
-            </a:schemeClr>
-          </a:solidFill>
-          <a:ln w="28575">
-            <a:solidFill>
-              <a:schemeClr val="tx1"/>
-            </a:solidFill>
-          </a:ln>
-        </p:spPr>
-        <p:txBody>
-          <a:bodyPr wrap="none" rtlCol="0" anchor="ctr">
-            <a:noAutofit/>
-          </a:bodyPr>
-          <a:lstStyle/>
-          <a:p>
-            <a:r>
-              <a:rPr lang="en-US" altLang="ja-JP" b="1" dirty="0" smtClean="0">
-                <a:solidFill>
-                  <a:srgbClr val="0070C0"/>
-                </a:solidFill>
-              </a:rPr>
-              <a:t>“2”</a:t>
-            </a:r>
-            <a:endParaRPr kumimoji="1" lang="ja-JP" altLang="en-US" b="1" dirty="0">
-              <a:solidFill>
-                <a:srgbClr val="0070C0"/>
-              </a:solidFill>
-            </a:endParaRPr>
-          </a:p>
-        </p:txBody>
-      </p:sp>
-      <p:sp>
-        <p:nvSpPr>
-          <p:cNvPr id="41" name="テキスト ボックス 40"/>
-          <p:cNvSpPr txBox="1"/>
-          <p:nvPr/>
-        </p:nvSpPr>
-        <p:spPr>
-          <a:xfrm>
-            <a:off x="5330388" y="1952961"/>
-            <a:ext cx="540000" cy="576000"/>
-          </a:xfrm>
-          <a:prstGeom prst="roundRect">
-            <a:avLst/>
-          </a:prstGeom>
-          <a:solidFill>
-            <a:schemeClr val="accent3">
-              <a:lumMod val="60000"/>
-              <a:lumOff val="40000"/>
-            </a:schemeClr>
-          </a:solidFill>
-          <a:ln w="28575">
-            <a:solidFill>
-              <a:schemeClr val="tx1"/>
-            </a:solidFill>
-          </a:ln>
-        </p:spPr>
-        <p:txBody>
-          <a:bodyPr wrap="none" rtlCol="0" anchor="ctr">
-            <a:noAutofit/>
-          </a:bodyPr>
-          <a:lstStyle/>
-          <a:p>
-            <a:r>
-              <a:rPr lang="en-US" altLang="ja-JP" b="1" dirty="0" smtClean="0">
-                <a:solidFill>
-                  <a:srgbClr val="0070C0"/>
-                </a:solidFill>
-              </a:rPr>
-              <a:t>“7”</a:t>
-            </a:r>
-            <a:endParaRPr kumimoji="1" lang="ja-JP" altLang="en-US" b="1" dirty="0">
-              <a:solidFill>
-                <a:srgbClr val="0070C0"/>
-              </a:solidFill>
-            </a:endParaRPr>
-          </a:p>
-        </p:txBody>
-      </p:sp>
-      <p:sp>
-        <p:nvSpPr>
-          <p:cNvPr id="42" name="テキスト ボックス 41"/>
-          <p:cNvSpPr txBox="1"/>
-          <p:nvPr/>
-        </p:nvSpPr>
-        <p:spPr>
-          <a:xfrm>
-            <a:off x="4843017" y="2890720"/>
-            <a:ext cx="540000" cy="576000"/>
-          </a:xfrm>
-          <a:prstGeom prst="roundRect">
-            <a:avLst/>
-          </a:prstGeom>
-          <a:solidFill>
-            <a:schemeClr val="accent3">
-              <a:lumMod val="60000"/>
-              <a:lumOff val="40000"/>
-            </a:schemeClr>
-          </a:solidFill>
-          <a:ln w="28575">
-            <a:solidFill>
-              <a:schemeClr val="tx1"/>
-            </a:solidFill>
-          </a:ln>
-        </p:spPr>
-        <p:txBody>
-          <a:bodyPr wrap="none" rtlCol="0" anchor="ctr">
-            <a:noAutofit/>
-          </a:bodyPr>
-          <a:lstStyle/>
-          <a:p>
-            <a:pPr algn="ctr"/>
-            <a:r>
-              <a:rPr lang="en-US" altLang="ja-JP" sz="1400" b="1" dirty="0" smtClean="0">
-                <a:solidFill>
-                  <a:srgbClr val="0070C0"/>
-                </a:solidFill>
-              </a:rPr>
-              <a:t>ALL</a:t>
-            </a:r>
-            <a:endParaRPr kumimoji="1" lang="ja-JP" altLang="en-US" sz="1400" b="1" dirty="0">
-              <a:solidFill>
-                <a:srgbClr val="0070C0"/>
-              </a:solidFill>
-            </a:endParaRPr>
-          </a:p>
-        </p:txBody>
-      </p:sp>
-      <p:sp>
-        <p:nvSpPr>
-          <p:cNvPr id="1025" name="テキスト ボックス 1024"/>
-          <p:cNvSpPr txBox="1"/>
-          <p:nvPr/>
-        </p:nvSpPr>
-        <p:spPr>
-          <a:xfrm>
-            <a:off x="4905268" y="2087211"/>
-            <a:ext cx="415498" cy="369332"/>
-          </a:xfrm>
-          <a:prstGeom prst="rect">
-            <a:avLst/>
-          </a:prstGeom>
-          <a:noFill/>
-        </p:spPr>
-        <p:txBody>
-          <a:bodyPr wrap="none" rtlCol="0">
-            <a:spAutoFit/>
-          </a:bodyPr>
-          <a:lstStyle/>
-          <a:p>
-            <a:r>
-              <a:rPr kumimoji="1" lang="ja-JP" altLang="en-US" dirty="0" smtClean="0"/>
-              <a:t>～</a:t>
-            </a:r>
-            <a:endParaRPr kumimoji="1" lang="ja-JP" altLang="en-US" dirty="0"/>
-          </a:p>
-        </p:txBody>
-      </p:sp>
-      <p:sp>
-        <p:nvSpPr>
-          <p:cNvPr id="44" name="テキスト ボックス 43"/>
-          <p:cNvSpPr txBox="1"/>
-          <p:nvPr/>
-        </p:nvSpPr>
-        <p:spPr>
-          <a:xfrm>
-            <a:off x="4919695" y="2475207"/>
-            <a:ext cx="386644" cy="369332"/>
-          </a:xfrm>
-          <a:prstGeom prst="rect">
-            <a:avLst/>
-          </a:prstGeom>
-          <a:noFill/>
-        </p:spPr>
-        <p:txBody>
-          <a:bodyPr wrap="none" rtlCol="0">
-            <a:spAutoFit/>
-          </a:bodyPr>
-          <a:lstStyle/>
-          <a:p>
-            <a:r>
-              <a:rPr kumimoji="1" lang="en-US" altLang="ja-JP" dirty="0" smtClean="0">
-                <a:solidFill>
-                  <a:srgbClr val="0070C0"/>
-                </a:solidFill>
-              </a:rPr>
-              <a:t>or</a:t>
-            </a:r>
-            <a:endParaRPr kumimoji="1" lang="ja-JP" altLang="en-US" dirty="0">
-              <a:solidFill>
-                <a:srgbClr val="0070C0"/>
-              </a:solidFill>
-            </a:endParaRPr>
-          </a:p>
-        </p:txBody>
-      </p:sp>
-      <p:sp>
-        <p:nvSpPr>
-          <p:cNvPr id="1027" name="右中かっこ 1026"/>
-          <p:cNvSpPr/>
-          <p:nvPr/>
-        </p:nvSpPr>
-        <p:spPr>
-          <a:xfrm>
-            <a:off x="6107224" y="1952960"/>
-            <a:ext cx="180000" cy="1548000"/>
-          </a:xfrm>
-          <a:prstGeom prst="rightBrace">
-            <a:avLst/>
-          </a:prstGeom>
-          <a:ln w="28575"/>
-        </p:spPr>
-        <p:style>
-          <a:lnRef idx="1">
-            <a:schemeClr val="accent1"/>
-          </a:lnRef>
-          <a:fillRef idx="0">
-            <a:schemeClr val="accent1"/>
-          </a:fillRef>
-          <a:effectRef idx="0">
-            <a:schemeClr val="accent1"/>
-          </a:effectRef>
-          <a:fontRef idx="minor">
-            <a:schemeClr val="tx1"/>
-          </a:fontRef>
-        </p:style>
-        <p:txBody>
-          <a:bodyPr rtlCol="0" anchor="ctr"/>
-          <a:lstStyle/>
-          <a:p>
-            <a:pPr algn="ctr"/>
-            <a:endParaRPr kumimoji="1" lang="ja-JP" altLang="en-US"/>
-          </a:p>
-        </p:txBody>
-      </p:sp>
-      <p:sp>
-        <p:nvSpPr>
-          <p:cNvPr id="46" name="テキスト ボックス 45"/>
-          <p:cNvSpPr txBox="1"/>
-          <p:nvPr/>
-        </p:nvSpPr>
-        <p:spPr>
-          <a:xfrm>
-            <a:off x="6197224" y="2475207"/>
-            <a:ext cx="543739" cy="523220"/>
-          </a:xfrm>
-          <a:prstGeom prst="rect">
-            <a:avLst/>
-          </a:prstGeom>
-          <a:noFill/>
-        </p:spPr>
-        <p:txBody>
-          <a:bodyPr wrap="none" rtlCol="0">
-            <a:spAutoFit/>
-          </a:bodyPr>
-          <a:lstStyle/>
-          <a:p>
-            <a:r>
-              <a:rPr kumimoji="1" lang="ja-JP" altLang="en-US" sz="2800" dirty="0" smtClean="0">
-                <a:solidFill>
-                  <a:srgbClr val="0070C0"/>
-                </a:solidFill>
-              </a:rPr>
-              <a:t>＋</a:t>
-            </a:r>
-            <a:endParaRPr kumimoji="1" lang="ja-JP" altLang="en-US" sz="2800" dirty="0">
-              <a:solidFill>
-                <a:srgbClr val="0070C0"/>
-              </a:solidFill>
-            </a:endParaRPr>
-          </a:p>
-        </p:txBody>
-      </p:sp>
-      <p:sp>
-        <p:nvSpPr>
-          <p:cNvPr id="47" name="テキスト ボックス 46"/>
-          <p:cNvSpPr txBox="1"/>
-          <p:nvPr/>
-        </p:nvSpPr>
-        <p:spPr>
-          <a:xfrm>
-            <a:off x="7023055" y="1967204"/>
-            <a:ext cx="540000" cy="576000"/>
-          </a:xfrm>
-          <a:prstGeom prst="roundRect">
-            <a:avLst/>
-          </a:prstGeom>
-          <a:solidFill>
-            <a:schemeClr val="tx2">
-              <a:lumMod val="20000"/>
-              <a:lumOff val="80000"/>
-            </a:schemeClr>
-          </a:solidFill>
-          <a:ln w="28575">
-            <a:solidFill>
-              <a:schemeClr val="tx1"/>
-            </a:solidFill>
-          </a:ln>
-        </p:spPr>
-        <p:txBody>
-          <a:bodyPr wrap="none" rtlCol="0" anchor="ctr">
-            <a:noAutofit/>
-          </a:bodyPr>
-          <a:lstStyle/>
-          <a:p>
-            <a:pPr algn="ctr"/>
-            <a:r>
-              <a:rPr lang="en-US" altLang="ja-JP" sz="1400" b="1" dirty="0" smtClean="0">
-                <a:solidFill>
-                  <a:srgbClr val="0070C0"/>
-                </a:solidFill>
-              </a:rPr>
-              <a:t>UP</a:t>
-            </a:r>
-            <a:endParaRPr kumimoji="1" lang="ja-JP" altLang="en-US" sz="1400" b="1" dirty="0">
-              <a:solidFill>
-                <a:srgbClr val="0070C0"/>
-              </a:solidFill>
-            </a:endParaRPr>
-          </a:p>
-        </p:txBody>
-      </p:sp>
-      <p:sp>
-        <p:nvSpPr>
-          <p:cNvPr id="48" name="テキスト ボックス 47"/>
-          <p:cNvSpPr txBox="1"/>
-          <p:nvPr/>
-        </p:nvSpPr>
-        <p:spPr>
-          <a:xfrm>
-            <a:off x="7674912" y="1967204"/>
-            <a:ext cx="540000" cy="576000"/>
-          </a:xfrm>
-          <a:prstGeom prst="roundRect">
-            <a:avLst/>
-          </a:prstGeom>
-          <a:solidFill>
-            <a:schemeClr val="tx2">
-              <a:lumMod val="20000"/>
-              <a:lumOff val="80000"/>
-            </a:schemeClr>
-          </a:solidFill>
-          <a:ln w="28575">
-            <a:solidFill>
-              <a:schemeClr val="tx1"/>
-            </a:solidFill>
-          </a:ln>
-        </p:spPr>
-        <p:txBody>
-          <a:bodyPr wrap="none" rtlCol="0" anchor="ctr">
-            <a:noAutofit/>
-          </a:bodyPr>
-          <a:lstStyle/>
-          <a:p>
-            <a:pPr algn="ctr"/>
-            <a:r>
-              <a:rPr lang="en-US" altLang="ja-JP" sz="1400" b="1" dirty="0" smtClean="0">
-                <a:solidFill>
-                  <a:srgbClr val="0070C0"/>
-                </a:solidFill>
-              </a:rPr>
-              <a:t>DOWN</a:t>
-            </a:r>
-            <a:endParaRPr kumimoji="1" lang="ja-JP" altLang="en-US" sz="1400" b="1" dirty="0">
-              <a:solidFill>
-                <a:srgbClr val="0070C0"/>
-              </a:solidFill>
-            </a:endParaRPr>
-          </a:p>
-        </p:txBody>
-      </p:sp>
-      <p:sp>
-        <p:nvSpPr>
-          <p:cNvPr id="49" name="テキスト ボックス 48"/>
-          <p:cNvSpPr txBox="1"/>
-          <p:nvPr/>
-        </p:nvSpPr>
-        <p:spPr>
-          <a:xfrm>
-            <a:off x="7023055" y="2912536"/>
-            <a:ext cx="540000" cy="576000"/>
-          </a:xfrm>
-          <a:prstGeom prst="roundRect">
-            <a:avLst/>
-          </a:prstGeom>
-          <a:solidFill>
-            <a:schemeClr val="tx2">
-              <a:lumMod val="20000"/>
-              <a:lumOff val="80000"/>
-            </a:schemeClr>
-          </a:solidFill>
-          <a:ln w="28575">
-            <a:solidFill>
-              <a:schemeClr val="tx1"/>
-            </a:solidFill>
-          </a:ln>
-        </p:spPr>
-        <p:txBody>
-          <a:bodyPr wrap="none" rtlCol="0" anchor="ctr">
-            <a:noAutofit/>
-          </a:bodyPr>
-          <a:lstStyle>
-            <a:defPPr>
-              <a:defRPr lang="ja-JP"/>
-            </a:defPPr>
-            <a:lvl1pPr algn="ctr">
-              <a:defRPr sz="1400" b="1">
-                <a:solidFill>
-                  <a:srgbClr val="0070C0"/>
-                </a:solidFill>
-              </a:defRPr>
-            </a:lvl1pPr>
-          </a:lstStyle>
-          <a:p>
-            <a:r>
-              <a:rPr lang="en-US" altLang="ja-JP" dirty="0"/>
-              <a:t>POS</a:t>
-            </a:r>
-          </a:p>
-          <a:p>
-            <a:r>
-              <a:rPr lang="en-US" altLang="ja-JP" dirty="0"/>
-              <a:t>0</a:t>
-            </a:r>
-            <a:endParaRPr lang="ja-JP" altLang="en-US" dirty="0"/>
-          </a:p>
-        </p:txBody>
-      </p:sp>
-      <p:sp>
-        <p:nvSpPr>
-          <p:cNvPr id="50" name="テキスト ボックス 49"/>
-          <p:cNvSpPr txBox="1"/>
-          <p:nvPr/>
-        </p:nvSpPr>
-        <p:spPr>
-          <a:xfrm>
-            <a:off x="7674912" y="2898293"/>
-            <a:ext cx="540000" cy="576000"/>
-          </a:xfrm>
-          <a:prstGeom prst="roundRect">
-            <a:avLst/>
-          </a:prstGeom>
-          <a:solidFill>
-            <a:schemeClr val="tx2">
-              <a:lumMod val="20000"/>
-              <a:lumOff val="80000"/>
-            </a:schemeClr>
-          </a:solidFill>
-          <a:ln w="28575">
-            <a:solidFill>
-              <a:schemeClr val="tx1"/>
-            </a:solidFill>
-          </a:ln>
-        </p:spPr>
-        <p:txBody>
-          <a:bodyPr wrap="none" rtlCol="0" anchor="ctr">
-            <a:noAutofit/>
-          </a:bodyPr>
-          <a:lstStyle>
-            <a:defPPr>
-              <a:defRPr lang="ja-JP"/>
-            </a:defPPr>
-            <a:lvl1pPr algn="ctr">
-              <a:defRPr sz="1400" b="1">
-                <a:solidFill>
-                  <a:srgbClr val="0070C0"/>
-                </a:solidFill>
-              </a:defRPr>
-            </a:lvl1pPr>
-          </a:lstStyle>
-          <a:p>
-            <a:r>
-              <a:rPr lang="en-US" altLang="ja-JP" dirty="0"/>
-              <a:t>POS</a:t>
-            </a:r>
-          </a:p>
-          <a:p>
-            <a:r>
-              <a:rPr lang="en-US" altLang="ja-JP" dirty="0"/>
-              <a:t>100</a:t>
-            </a:r>
-            <a:endParaRPr lang="ja-JP" altLang="en-US" dirty="0"/>
-          </a:p>
-        </p:txBody>
-      </p:sp>
-      <p:sp>
-        <p:nvSpPr>
-          <p:cNvPr id="1028" name="左中かっこ 1027"/>
-          <p:cNvSpPr/>
-          <p:nvPr/>
-        </p:nvSpPr>
-        <p:spPr>
-          <a:xfrm>
-            <a:off x="6641298" y="1952960"/>
-            <a:ext cx="180000" cy="1548000"/>
-          </a:xfrm>
-          <a:prstGeom prst="leftBrace">
-            <a:avLst/>
-          </a:prstGeom>
-          <a:ln w="28575"/>
-        </p:spPr>
-        <p:style>
-          <a:lnRef idx="1">
-            <a:schemeClr val="accent1"/>
-          </a:lnRef>
-          <a:fillRef idx="0">
-            <a:schemeClr val="accent1"/>
-          </a:fillRef>
-          <a:effectRef idx="0">
-            <a:schemeClr val="accent1"/>
-          </a:effectRef>
-          <a:fontRef idx="minor">
-            <a:schemeClr val="tx1"/>
-          </a:fontRef>
-        </p:style>
-        <p:txBody>
-          <a:bodyPr rtlCol="0" anchor="ctr"/>
-          <a:lstStyle/>
-          <a:p>
-            <a:pPr algn="ctr"/>
-            <a:endParaRPr kumimoji="1" lang="ja-JP" altLang="en-US"/>
-          </a:p>
-        </p:txBody>
-      </p:sp>
-      <p:sp>
-        <p:nvSpPr>
-          <p:cNvPr id="53" name="テキスト ボックス 52"/>
-          <p:cNvSpPr txBox="1"/>
-          <p:nvPr/>
-        </p:nvSpPr>
-        <p:spPr>
-          <a:xfrm>
-            <a:off x="7404912" y="2552151"/>
-            <a:ext cx="386644" cy="369332"/>
-          </a:xfrm>
-          <a:prstGeom prst="rect">
-            <a:avLst/>
-          </a:prstGeom>
-          <a:noFill/>
-        </p:spPr>
-        <p:txBody>
-          <a:bodyPr wrap="none" rtlCol="0">
-            <a:spAutoFit/>
-          </a:bodyPr>
-          <a:lstStyle/>
-          <a:p>
-            <a:r>
-              <a:rPr kumimoji="1" lang="en-US" altLang="ja-JP" dirty="0" smtClean="0">
-                <a:solidFill>
-                  <a:srgbClr val="0070C0"/>
-                </a:solidFill>
-              </a:rPr>
-              <a:t>or</a:t>
-            </a:r>
-            <a:endParaRPr kumimoji="1" lang="ja-JP" altLang="en-US" dirty="0">
-              <a:solidFill>
-                <a:srgbClr val="0070C0"/>
-              </a:solidFill>
-            </a:endParaRPr>
-          </a:p>
-        </p:txBody>
-      </p:sp>
-      <p:sp>
-        <p:nvSpPr>
-          <p:cNvPr id="54" name="テキスト ボックス 53"/>
-          <p:cNvSpPr txBox="1"/>
-          <p:nvPr/>
-        </p:nvSpPr>
-        <p:spPr>
-          <a:xfrm>
-            <a:off x="4362787" y="4335585"/>
-            <a:ext cx="540000" cy="576000"/>
-          </a:xfrm>
-          <a:prstGeom prst="roundRect">
-            <a:avLst/>
-          </a:prstGeom>
-          <a:solidFill>
-            <a:srgbClr val="FFFF00"/>
-          </a:solidFill>
-          <a:ln w="28575">
-            <a:solidFill>
-              <a:schemeClr val="tx1"/>
-            </a:solidFill>
-          </a:ln>
-        </p:spPr>
-        <p:txBody>
-          <a:bodyPr wrap="none" rtlCol="0" anchor="ctr">
-            <a:noAutofit/>
-          </a:bodyPr>
-          <a:lstStyle/>
-          <a:p>
-            <a:pPr algn="ctr"/>
-            <a:r>
-              <a:rPr lang="en-US" altLang="ja-JP" sz="1400" b="1" dirty="0" smtClean="0">
-                <a:solidFill>
-                  <a:srgbClr val="FF0000"/>
-                </a:solidFill>
-              </a:rPr>
-              <a:t>INIT</a:t>
-            </a:r>
-            <a:endParaRPr kumimoji="1" lang="ja-JP" altLang="en-US" sz="1400" b="1" dirty="0">
-              <a:solidFill>
-                <a:srgbClr val="FF0000"/>
-              </a:solidFill>
-            </a:endParaRPr>
-          </a:p>
-        </p:txBody>
-      </p:sp>
-      <p:sp>
-        <p:nvSpPr>
-          <p:cNvPr id="55" name="テキスト ボックス 54"/>
-          <p:cNvSpPr txBox="1"/>
-          <p:nvPr/>
-        </p:nvSpPr>
-        <p:spPr>
-          <a:xfrm>
-            <a:off x="7791556" y="4360022"/>
-            <a:ext cx="540000" cy="597456"/>
-          </a:xfrm>
-          <a:prstGeom prst="roundRect">
-            <a:avLst/>
-          </a:prstGeom>
-          <a:solidFill>
-            <a:srgbClr val="FFFF00"/>
-          </a:solidFill>
-          <a:ln w="28575">
-            <a:solidFill>
-              <a:schemeClr val="tx1"/>
-            </a:solidFill>
-          </a:ln>
-        </p:spPr>
-        <p:txBody>
-          <a:bodyPr wrap="none" rtlCol="0" anchor="ctr">
-            <a:noAutofit/>
-          </a:bodyPr>
-          <a:lstStyle/>
-          <a:p>
-            <a:pPr algn="ctr"/>
-            <a:r>
-              <a:rPr lang="en-US" altLang="ja-JP" sz="1400" b="1" dirty="0" smtClean="0">
-                <a:solidFill>
-                  <a:srgbClr val="FF0000"/>
-                </a:solidFill>
-              </a:rPr>
-              <a:t>STOP</a:t>
-            </a:r>
-            <a:endParaRPr kumimoji="1" lang="ja-JP" altLang="en-US" sz="1400" b="1" dirty="0">
-              <a:solidFill>
-                <a:srgbClr val="FF0000"/>
-              </a:solidFill>
-            </a:endParaRPr>
-          </a:p>
-        </p:txBody>
-      </p:sp>
-      <p:sp>
-        <p:nvSpPr>
-          <p:cNvPr id="57" name="テキスト ボックス 56"/>
-          <p:cNvSpPr txBox="1"/>
-          <p:nvPr/>
-        </p:nvSpPr>
-        <p:spPr>
-          <a:xfrm>
-            <a:off x="6062018" y="4370750"/>
-            <a:ext cx="540000" cy="576000"/>
-          </a:xfrm>
-          <a:prstGeom prst="roundRect">
-            <a:avLst/>
-          </a:prstGeom>
-          <a:solidFill>
-            <a:srgbClr val="FFFF00"/>
-          </a:solidFill>
-          <a:ln w="28575">
-            <a:solidFill>
-              <a:schemeClr val="tx1"/>
-            </a:solidFill>
-          </a:ln>
-        </p:spPr>
-        <p:txBody>
-          <a:bodyPr wrap="none" rtlCol="0" anchor="ctr">
-            <a:noAutofit/>
-          </a:bodyPr>
-          <a:lstStyle/>
-          <a:p>
-            <a:pPr algn="ctr"/>
-            <a:r>
-              <a:rPr kumimoji="1" lang="en-US" altLang="ja-JP" sz="1400" b="1" dirty="0" smtClean="0">
-                <a:solidFill>
-                  <a:srgbClr val="FF0000"/>
-                </a:solidFill>
-              </a:rPr>
-              <a:t>CLEAR</a:t>
-            </a:r>
-            <a:endParaRPr kumimoji="1" lang="ja-JP" altLang="en-US" sz="1400" b="1" dirty="0">
-              <a:solidFill>
-                <a:srgbClr val="FF0000"/>
-              </a:solidFill>
-            </a:endParaRPr>
-          </a:p>
-        </p:txBody>
-      </p:sp>
       <p:pic>
         <p:nvPicPr>
           <p:cNvPr id="51" name="Picture 2"/>
@@ -4464,8 +3406,8 @@
         </p:blipFill>
         <p:spPr bwMode="auto">
           <a:xfrm>
-            <a:off x="205166" y="388418"/>
-            <a:ext cx="3638550" cy="4463770"/>
+            <a:off x="370735" y="960683"/>
+            <a:ext cx="3125054" cy="3833814"/>
           </a:xfrm>
           <a:prstGeom prst="rect">
             <a:avLst/>
@@ -4503,8 +3445,8 @@
         </p:nvSpPr>
         <p:spPr>
           <a:xfrm>
-            <a:off x="1279973" y="1356055"/>
-            <a:ext cx="540000" cy="576000"/>
+            <a:off x="1293858" y="1791761"/>
+            <a:ext cx="463792" cy="494711"/>
           </a:xfrm>
           <a:prstGeom prst="roundRect">
             <a:avLst/>
@@ -4529,22 +3471,14 @@
           <a:p>
             <a:pPr algn="ctr"/>
             <a:r>
-              <a:rPr lang="en-US" altLang="ja-JP" b="1" dirty="0" smtClean="0">
+              <a:rPr lang="en-US" altLang="ja-JP" sz="1400" b="1" dirty="0" smtClean="0">
                 <a:solidFill>
                   <a:srgbClr val="0070C0"/>
                 </a:solidFill>
               </a:rPr>
-              <a:t>“</a:t>
-            </a:r>
-            <a:r>
-              <a:rPr lang="en-US" altLang="ja-JP" b="1" dirty="0" smtClean="0">
-                <a:solidFill>
-                  <a:srgbClr val="0070C0"/>
-                </a:solidFill>
-              </a:rPr>
-              <a:t>2”</a:t>
-            </a:r>
-            <a:endParaRPr kumimoji="1" lang="ja-JP" altLang="en-US" b="1" dirty="0">
+              <a:t>“2”</a:t>
+            </a:r>
+            <a:endParaRPr kumimoji="1" lang="ja-JP" altLang="en-US" sz="1400" b="1" dirty="0">
               <a:solidFill>
                 <a:srgbClr val="0070C0"/>
               </a:solidFill>
@@ -4560,8 +3494,8 @@
         </p:nvSpPr>
         <p:spPr>
           <a:xfrm>
-            <a:off x="1279973" y="2247633"/>
-            <a:ext cx="540000" cy="576000"/>
+            <a:off x="1293858" y="2557514"/>
+            <a:ext cx="463792" cy="494711"/>
           </a:xfrm>
           <a:prstGeom prst="roundRect">
             <a:avLst/>
@@ -4586,22 +3520,14 @@
           <a:p>
             <a:pPr algn="ctr"/>
             <a:r>
-              <a:rPr kumimoji="1" lang="en-US" altLang="ja-JP" b="1" dirty="0" smtClean="0">
+              <a:rPr kumimoji="1" lang="en-US" altLang="ja-JP" sz="1400" b="1" dirty="0" smtClean="0">
                 <a:solidFill>
                   <a:srgbClr val="0070C0"/>
                 </a:solidFill>
               </a:rPr>
-              <a:t>“</a:t>
-            </a:r>
-            <a:r>
-              <a:rPr kumimoji="1" lang="en-US" altLang="ja-JP" b="1" dirty="0" smtClean="0">
-                <a:solidFill>
-                  <a:srgbClr val="0070C0"/>
-                </a:solidFill>
-              </a:rPr>
-              <a:t>3”</a:t>
-            </a:r>
-            <a:endParaRPr kumimoji="1" lang="ja-JP" altLang="en-US" b="1" dirty="0">
+              <a:t>“3”</a:t>
+            </a:r>
+            <a:endParaRPr kumimoji="1" lang="ja-JP" altLang="en-US" sz="1400" b="1" dirty="0">
               <a:solidFill>
                 <a:srgbClr val="0070C0"/>
               </a:solidFill>
@@ -4617,8 +3543,8 @@
         </p:nvSpPr>
         <p:spPr>
           <a:xfrm>
-            <a:off x="1279973" y="3147303"/>
-            <a:ext cx="540000" cy="576000"/>
+            <a:off x="1293858" y="3330216"/>
+            <a:ext cx="463792" cy="494711"/>
           </a:xfrm>
           <a:prstGeom prst="roundRect">
             <a:avLst/>
@@ -4643,22 +3569,14 @@
           <a:p>
             <a:pPr algn="ctr"/>
             <a:r>
-              <a:rPr kumimoji="1" lang="en-US" altLang="ja-JP" b="1" dirty="0" smtClean="0">
+              <a:rPr kumimoji="1" lang="en-US" altLang="ja-JP" sz="1400" b="1" dirty="0" smtClean="0">
                 <a:solidFill>
                   <a:srgbClr val="0070C0"/>
                 </a:solidFill>
               </a:rPr>
-              <a:t>“</a:t>
-            </a:r>
-            <a:r>
-              <a:rPr kumimoji="1" lang="en-US" altLang="ja-JP" b="1" dirty="0" smtClean="0">
-                <a:solidFill>
-                  <a:srgbClr val="0070C0"/>
-                </a:solidFill>
-              </a:rPr>
-              <a:t>4”</a:t>
-            </a:r>
-            <a:endParaRPr kumimoji="1" lang="ja-JP" altLang="en-US" b="1" dirty="0">
+              <a:t>“4”</a:t>
+            </a:r>
+            <a:endParaRPr kumimoji="1" lang="ja-JP" altLang="en-US" sz="1400" b="1" dirty="0">
               <a:solidFill>
                 <a:srgbClr val="0070C0"/>
               </a:solidFill>
@@ -4674,8 +3592,8 @@
         </p:nvSpPr>
         <p:spPr>
           <a:xfrm>
-            <a:off x="2153914" y="1356055"/>
-            <a:ext cx="540000" cy="576000"/>
+            <a:off x="2044463" y="1791761"/>
+            <a:ext cx="463792" cy="494711"/>
           </a:xfrm>
           <a:prstGeom prst="roundRect">
             <a:avLst/>
@@ -4700,22 +3618,14 @@
           <a:p>
             <a:pPr algn="ctr"/>
             <a:r>
-              <a:rPr lang="en-US" altLang="ja-JP" b="1" dirty="0" smtClean="0">
+              <a:rPr lang="en-US" altLang="ja-JP" sz="1400" b="1" dirty="0" smtClean="0">
                 <a:solidFill>
                   <a:srgbClr val="0070C0"/>
                 </a:solidFill>
               </a:rPr>
-              <a:t>“</a:t>
-            </a:r>
-            <a:r>
-              <a:rPr lang="en-US" altLang="ja-JP" b="1" dirty="0" smtClean="0">
-                <a:solidFill>
-                  <a:srgbClr val="0070C0"/>
-                </a:solidFill>
-              </a:rPr>
-              <a:t>5”</a:t>
-            </a:r>
-            <a:endParaRPr kumimoji="1" lang="ja-JP" altLang="en-US" b="1" dirty="0">
+              <a:t>“5”</a:t>
+            </a:r>
+            <a:endParaRPr kumimoji="1" lang="ja-JP" altLang="en-US" sz="1400" b="1" dirty="0">
               <a:solidFill>
                 <a:srgbClr val="0070C0"/>
               </a:solidFill>
@@ -4731,8 +3641,8 @@
         </p:nvSpPr>
         <p:spPr>
           <a:xfrm>
-            <a:off x="2153914" y="2247633"/>
-            <a:ext cx="540000" cy="576000"/>
+            <a:off x="2044463" y="2557514"/>
+            <a:ext cx="463792" cy="494711"/>
           </a:xfrm>
           <a:prstGeom prst="roundRect">
             <a:avLst/>
@@ -4757,22 +3667,14 @@
           <a:p>
             <a:pPr algn="ctr"/>
             <a:r>
-              <a:rPr lang="en-US" altLang="ja-JP" b="1" dirty="0" smtClean="0">
+              <a:rPr lang="en-US" altLang="ja-JP" sz="1400" b="1" dirty="0" smtClean="0">
                 <a:solidFill>
                   <a:srgbClr val="0070C0"/>
                 </a:solidFill>
               </a:rPr>
-              <a:t>“</a:t>
-            </a:r>
-            <a:r>
-              <a:rPr lang="en-US" altLang="ja-JP" b="1" dirty="0" smtClean="0">
-                <a:solidFill>
-                  <a:srgbClr val="0070C0"/>
-                </a:solidFill>
-              </a:rPr>
-              <a:t>6”</a:t>
-            </a:r>
-            <a:endParaRPr kumimoji="1" lang="ja-JP" altLang="en-US" b="1" dirty="0">
+              <a:t>“6”</a:t>
+            </a:r>
+            <a:endParaRPr kumimoji="1" lang="ja-JP" altLang="en-US" sz="1400" b="1" dirty="0">
               <a:solidFill>
                 <a:srgbClr val="0070C0"/>
               </a:solidFill>
@@ -4788,8 +3690,8 @@
         </p:nvSpPr>
         <p:spPr>
           <a:xfrm>
-            <a:off x="2153914" y="3147303"/>
-            <a:ext cx="540000" cy="576000"/>
+            <a:off x="2044463" y="3330216"/>
+            <a:ext cx="463792" cy="494711"/>
           </a:xfrm>
           <a:prstGeom prst="roundRect">
             <a:avLst/>
@@ -4814,22 +3716,14 @@
           <a:p>
             <a:pPr algn="ctr"/>
             <a:r>
-              <a:rPr lang="en-US" altLang="ja-JP" b="1" dirty="0" smtClean="0">
+              <a:rPr lang="en-US" altLang="ja-JP" sz="1400" b="1" dirty="0" smtClean="0">
                 <a:solidFill>
                   <a:srgbClr val="0070C0"/>
                 </a:solidFill>
               </a:rPr>
-              <a:t>“</a:t>
-            </a:r>
-            <a:r>
-              <a:rPr lang="en-US" altLang="ja-JP" b="1" dirty="0" smtClean="0">
-                <a:solidFill>
-                  <a:srgbClr val="0070C0"/>
-                </a:solidFill>
-              </a:rPr>
-              <a:t>7”</a:t>
-            </a:r>
-            <a:endParaRPr kumimoji="1" lang="ja-JP" altLang="en-US" b="1" dirty="0">
+              <a:t>“7”</a:t>
+            </a:r>
+            <a:endParaRPr kumimoji="1" lang="ja-JP" altLang="en-US" sz="1400" b="1" dirty="0">
               <a:solidFill>
                 <a:srgbClr val="0070C0"/>
               </a:solidFill>
@@ -4845,8 +3739,8 @@
         </p:nvSpPr>
         <p:spPr>
           <a:xfrm>
-            <a:off x="1279973" y="478715"/>
-            <a:ext cx="540000" cy="576000"/>
+            <a:off x="1293858" y="1038237"/>
+            <a:ext cx="463792" cy="494711"/>
           </a:xfrm>
           <a:prstGeom prst="roundRect">
             <a:avLst/>
@@ -4878,10 +3772,10 @@
           </a:lstStyle>
           <a:p>
             <a:r>
-              <a:rPr lang="en-US" altLang="ja-JP" dirty="0"/>
+              <a:rPr lang="en-US" altLang="ja-JP" sz="1100" dirty="0"/>
               <a:t>RIGHT</a:t>
             </a:r>
-            <a:endParaRPr lang="ja-JP" altLang="en-US" dirty="0"/>
+            <a:endParaRPr lang="ja-JP" altLang="en-US" sz="1100" dirty="0"/>
           </a:p>
         </p:txBody>
       </p:sp>
@@ -4893,8 +3787,8 @@
         </p:nvSpPr>
         <p:spPr>
           <a:xfrm>
-            <a:off x="397941" y="478715"/>
-            <a:ext cx="540000" cy="576000"/>
+            <a:off x="536304" y="1038237"/>
+            <a:ext cx="463792" cy="494711"/>
           </a:xfrm>
           <a:prstGeom prst="roundRect">
             <a:avLst/>
@@ -4926,10 +3820,10 @@
           </a:lstStyle>
           <a:p>
             <a:r>
-              <a:rPr lang="en-US" altLang="ja-JP" dirty="0"/>
+              <a:rPr lang="en-US" altLang="ja-JP" sz="1100" dirty="0"/>
               <a:t>LEFT</a:t>
             </a:r>
-            <a:endParaRPr lang="ja-JP" altLang="en-US" dirty="0"/>
+            <a:endParaRPr lang="ja-JP" altLang="en-US" sz="1100" dirty="0"/>
           </a:p>
         </p:txBody>
       </p:sp>
@@ -4941,8 +3835,8 @@
         </p:nvSpPr>
         <p:spPr>
           <a:xfrm>
-            <a:off x="397941" y="1356055"/>
-            <a:ext cx="540000" cy="576000"/>
+            <a:off x="536304" y="1791761"/>
+            <a:ext cx="463792" cy="494711"/>
           </a:xfrm>
           <a:prstGeom prst="roundRect">
             <a:avLst/>
@@ -4967,14 +3861,14 @@
           <a:p>
             <a:pPr algn="ctr"/>
             <a:r>
-              <a:rPr lang="en-US" altLang="ja-JP" sz="1400" b="1" dirty="0" smtClean="0">
+              <a:rPr lang="en-US" altLang="ja-JP" sz="1100" b="1" dirty="0" smtClean="0">
                 <a:solidFill>
                   <a:srgbClr val="0070C0"/>
                 </a:solidFill>
               </a:rPr>
               <a:t>UP</a:t>
             </a:r>
-            <a:endParaRPr kumimoji="1" lang="ja-JP" altLang="en-US" sz="1400" b="1" dirty="0">
+            <a:endParaRPr kumimoji="1" lang="ja-JP" altLang="en-US" sz="1100" b="1" dirty="0">
               <a:solidFill>
                 <a:srgbClr val="0070C0"/>
               </a:solidFill>
@@ -4990,8 +3884,8 @@
         </p:nvSpPr>
         <p:spPr>
           <a:xfrm>
-            <a:off x="397941" y="2247633"/>
-            <a:ext cx="540000" cy="576000"/>
+            <a:off x="536304" y="2557514"/>
+            <a:ext cx="463792" cy="494711"/>
           </a:xfrm>
           <a:prstGeom prst="roundRect">
             <a:avLst/>
@@ -5016,14 +3910,14 @@
           <a:p>
             <a:pPr algn="ctr"/>
             <a:r>
-              <a:rPr lang="en-US" altLang="ja-JP" sz="1400" b="1" dirty="0" smtClean="0">
+              <a:rPr lang="en-US" altLang="ja-JP" sz="1100" b="1" dirty="0" smtClean="0">
                 <a:solidFill>
                   <a:srgbClr val="0070C0"/>
                 </a:solidFill>
               </a:rPr>
               <a:t>DOWN</a:t>
             </a:r>
-            <a:endParaRPr kumimoji="1" lang="ja-JP" altLang="en-US" sz="1400" b="1" dirty="0">
+            <a:endParaRPr kumimoji="1" lang="ja-JP" altLang="en-US" sz="1100" b="1" dirty="0">
               <a:solidFill>
                 <a:srgbClr val="0070C0"/>
               </a:solidFill>
@@ -5039,8 +3933,8 @@
         </p:nvSpPr>
         <p:spPr>
           <a:xfrm>
-            <a:off x="2153914" y="4031900"/>
-            <a:ext cx="540000" cy="576000"/>
+            <a:off x="2044463" y="4089973"/>
+            <a:ext cx="463792" cy="494711"/>
           </a:xfrm>
           <a:prstGeom prst="roundRect">
             <a:avLst/>
@@ -5065,14 +3959,14 @@
           <a:p>
             <a:pPr algn="ctr"/>
             <a:r>
-              <a:rPr lang="en-US" altLang="ja-JP" sz="1400" b="1" dirty="0" smtClean="0">
+              <a:rPr lang="en-US" altLang="ja-JP" sz="1100" b="1" dirty="0" smtClean="0">
                 <a:solidFill>
                   <a:srgbClr val="0070C0"/>
                 </a:solidFill>
               </a:rPr>
               <a:t>ALL</a:t>
             </a:r>
-            <a:endParaRPr kumimoji="1" lang="ja-JP" altLang="en-US" sz="1400" b="1" dirty="0">
+            <a:endParaRPr kumimoji="1" lang="ja-JP" altLang="en-US" sz="1100" b="1" dirty="0">
               <a:solidFill>
                 <a:srgbClr val="0070C0"/>
               </a:solidFill>
@@ -5088,8 +3982,8 @@
         </p:nvSpPr>
         <p:spPr>
           <a:xfrm>
-            <a:off x="3060220" y="3147303"/>
-            <a:ext cx="540000" cy="1440000"/>
+            <a:off x="2822865" y="3330216"/>
+            <a:ext cx="463792" cy="1236778"/>
           </a:xfrm>
           <a:prstGeom prst="roundRect">
             <a:avLst/>
@@ -5111,14 +4005,14 @@
           <a:p>
             <a:pPr algn="ctr"/>
             <a:r>
-              <a:rPr lang="en-US" altLang="ja-JP" sz="1400" b="1" dirty="0" smtClean="0">
+              <a:rPr lang="en-US" altLang="ja-JP" sz="1100" b="1" dirty="0" smtClean="0">
                 <a:solidFill>
                   <a:srgbClr val="FF0000"/>
                 </a:solidFill>
               </a:rPr>
               <a:t>STOP</a:t>
             </a:r>
-            <a:endParaRPr kumimoji="1" lang="ja-JP" altLang="en-US" sz="1400" b="1" dirty="0">
+            <a:endParaRPr kumimoji="1" lang="ja-JP" altLang="en-US" sz="1100" b="1" dirty="0">
               <a:solidFill>
                 <a:srgbClr val="FF0000"/>
               </a:solidFill>
@@ -5134,8 +4028,8 @@
         </p:nvSpPr>
         <p:spPr>
           <a:xfrm>
-            <a:off x="2153914" y="478715"/>
-            <a:ext cx="540000" cy="576000"/>
+            <a:off x="2044463" y="1038237"/>
+            <a:ext cx="463792" cy="494711"/>
           </a:xfrm>
           <a:prstGeom prst="roundRect">
             <a:avLst/>
@@ -5157,14 +4051,14 @@
           <a:p>
             <a:pPr algn="ctr"/>
             <a:r>
-              <a:rPr lang="en-US" altLang="ja-JP" sz="1400" b="1" dirty="0" smtClean="0">
+              <a:rPr lang="en-US" altLang="ja-JP" sz="1100" b="1" dirty="0" smtClean="0">
                 <a:solidFill>
                   <a:srgbClr val="0070C0"/>
                 </a:solidFill>
               </a:rPr>
               <a:t>WALK</a:t>
             </a:r>
-            <a:endParaRPr kumimoji="1" lang="ja-JP" altLang="en-US" sz="1400" b="1" dirty="0">
+            <a:endParaRPr kumimoji="1" lang="ja-JP" altLang="en-US" sz="1100" b="1" dirty="0">
               <a:solidFill>
                 <a:srgbClr val="0070C0"/>
               </a:solidFill>
@@ -5180,8 +4074,8 @@
         </p:nvSpPr>
         <p:spPr>
           <a:xfrm>
-            <a:off x="3060220" y="478715"/>
-            <a:ext cx="540000" cy="576000"/>
+            <a:off x="2822865" y="1038237"/>
+            <a:ext cx="463792" cy="494711"/>
           </a:xfrm>
           <a:prstGeom prst="roundRect">
             <a:avLst/>
@@ -5203,14 +4097,14 @@
           <a:p>
             <a:pPr algn="ctr"/>
             <a:r>
-              <a:rPr lang="en-US" altLang="ja-JP" sz="1400" b="1" dirty="0" smtClean="0">
+              <a:rPr lang="en-US" altLang="ja-JP" sz="1100" b="1" dirty="0" smtClean="0">
                 <a:solidFill>
                   <a:srgbClr val="0070C0"/>
                 </a:solidFill>
               </a:rPr>
               <a:t>BACK</a:t>
             </a:r>
-            <a:endParaRPr kumimoji="1" lang="ja-JP" altLang="en-US" sz="1400" b="1" dirty="0">
+            <a:endParaRPr kumimoji="1" lang="ja-JP" altLang="en-US" sz="1100" b="1" dirty="0">
               <a:solidFill>
                 <a:srgbClr val="0070C0"/>
               </a:solidFill>
@@ -5226,8 +4120,8 @@
         </p:nvSpPr>
         <p:spPr>
           <a:xfrm>
-            <a:off x="3060220" y="1356055"/>
-            <a:ext cx="540000" cy="576000"/>
+            <a:off x="2822865" y="1791761"/>
+            <a:ext cx="463792" cy="494711"/>
           </a:xfrm>
           <a:prstGeom prst="roundRect">
             <a:avLst/>
@@ -5262,17 +4156,17 @@
           </a:lstStyle>
           <a:p>
             <a:r>
-              <a:rPr lang="en-US" altLang="ja-JP" dirty="0" smtClean="0"/>
+              <a:rPr lang="en-US" altLang="ja-JP" sz="1100" dirty="0" smtClean="0"/>
               <a:t>MOVE</a:t>
             </a:r>
-            <a:endParaRPr lang="en-US" altLang="ja-JP" dirty="0"/>
-          </a:p>
-          <a:p>
-            <a:r>
-              <a:rPr lang="en-US" altLang="ja-JP" dirty="0"/>
+            <a:endParaRPr lang="en-US" altLang="ja-JP" sz="1100" dirty="0"/>
+          </a:p>
+          <a:p>
+            <a:r>
+              <a:rPr lang="en-US" altLang="ja-JP" sz="1100" dirty="0"/>
               <a:t>0</a:t>
             </a:r>
-            <a:endParaRPr lang="ja-JP" altLang="en-US" dirty="0"/>
+            <a:endParaRPr lang="ja-JP" altLang="en-US" sz="1100" dirty="0"/>
           </a:p>
         </p:txBody>
       </p:sp>
@@ -5284,8 +4178,8 @@
         </p:nvSpPr>
         <p:spPr>
           <a:xfrm>
-            <a:off x="3060220" y="2247633"/>
-            <a:ext cx="540000" cy="576000"/>
+            <a:off x="2822865" y="2557514"/>
+            <a:ext cx="463792" cy="494711"/>
           </a:xfrm>
           <a:prstGeom prst="roundRect">
             <a:avLst/>
@@ -5320,17 +4214,17 @@
           </a:lstStyle>
           <a:p>
             <a:r>
-              <a:rPr lang="en-US" altLang="ja-JP" smtClean="0"/>
+              <a:rPr lang="en-US" altLang="ja-JP" sz="1100" smtClean="0"/>
               <a:t>MOVE</a:t>
             </a:r>
-            <a:endParaRPr lang="en-US" altLang="ja-JP" dirty="0"/>
-          </a:p>
-          <a:p>
-            <a:r>
-              <a:rPr lang="en-US" altLang="ja-JP" dirty="0"/>
+            <a:endParaRPr lang="en-US" altLang="ja-JP" sz="1100" dirty="0"/>
+          </a:p>
+          <a:p>
+            <a:r>
+              <a:rPr lang="en-US" altLang="ja-JP" sz="1100" dirty="0"/>
               <a:t>100</a:t>
             </a:r>
-            <a:endParaRPr lang="ja-JP" altLang="en-US" dirty="0"/>
+            <a:endParaRPr lang="ja-JP" altLang="en-US" sz="1100" dirty="0"/>
           </a:p>
         </p:txBody>
       </p:sp>
@@ -5342,8 +4236,8 @@
         </p:nvSpPr>
         <p:spPr>
           <a:xfrm>
-            <a:off x="397941" y="3147303"/>
-            <a:ext cx="540000" cy="576000"/>
+            <a:off x="536304" y="3330216"/>
+            <a:ext cx="463792" cy="494711"/>
           </a:xfrm>
           <a:prstGeom prst="roundRect">
             <a:avLst/>
@@ -5365,14 +4259,14 @@
           <a:p>
             <a:pPr algn="ctr"/>
             <a:r>
-              <a:rPr lang="en-US" altLang="ja-JP" sz="1400" b="1" dirty="0" smtClean="0">
+              <a:rPr lang="en-US" altLang="ja-JP" sz="1100" b="1" dirty="0" smtClean="0">
                 <a:solidFill>
                   <a:srgbClr val="FF0000"/>
                 </a:solidFill>
               </a:rPr>
               <a:t>INIT</a:t>
             </a:r>
-            <a:endParaRPr kumimoji="1" lang="ja-JP" altLang="en-US" sz="1400" b="1" dirty="0">
+            <a:endParaRPr kumimoji="1" lang="ja-JP" altLang="en-US" sz="1100" b="1" dirty="0">
               <a:solidFill>
                 <a:srgbClr val="FF0000"/>
               </a:solidFill>
@@ -5388,8 +4282,8 @@
         </p:nvSpPr>
         <p:spPr>
           <a:xfrm>
-            <a:off x="397941" y="4011303"/>
-            <a:ext cx="540000" cy="576000"/>
+            <a:off x="536304" y="4072283"/>
+            <a:ext cx="463792" cy="494711"/>
           </a:xfrm>
           <a:prstGeom prst="roundRect">
             <a:avLst/>
@@ -5411,14 +4305,14 @@
           <a:p>
             <a:pPr algn="ctr"/>
             <a:r>
-              <a:rPr kumimoji="1" lang="en-US" altLang="ja-JP" sz="1400" b="1" dirty="0" smtClean="0">
+              <a:rPr kumimoji="1" lang="en-US" altLang="ja-JP" sz="1100" b="1" dirty="0" smtClean="0">
                 <a:solidFill>
                   <a:srgbClr val="FF0000"/>
                 </a:solidFill>
               </a:rPr>
               <a:t>CLEAR</a:t>
             </a:r>
-            <a:endParaRPr kumimoji="1" lang="ja-JP" altLang="en-US" sz="1400" b="1" dirty="0">
+            <a:endParaRPr kumimoji="1" lang="ja-JP" altLang="en-US" sz="1100" b="1" dirty="0">
               <a:solidFill>
                 <a:srgbClr val="FF0000"/>
               </a:solidFill>
@@ -5428,14 +4322,14 @@
       </p:sp>
       <p:sp>
         <p:nvSpPr>
-          <p:cNvPr id="78" name="テキスト ボックス 77"/>
+          <p:cNvPr id="56" name="テキスト ボックス 55"/>
           <p:cNvSpPr txBox="1"/>
           <p:nvPr/>
         </p:nvSpPr>
         <p:spPr>
           <a:xfrm>
-            <a:off x="6726120" y="1546365"/>
-            <a:ext cx="1897583" cy="369332"/>
+            <a:off x="177909" y="175784"/>
+            <a:ext cx="3592125" cy="523220"/>
           </a:xfrm>
           <a:prstGeom prst="rect">
             <a:avLst/>
@@ -5449,140 +4343,1847 @@
           <a:lstStyle/>
           <a:p>
             <a:r>
-              <a:rPr lang="ja-JP" altLang="en-US" dirty="0" smtClean="0"/>
-              <a:t>モーター</a:t>
-            </a:r>
-            <a:r>
-              <a:rPr kumimoji="1" lang="ja-JP" altLang="en-US" dirty="0" smtClean="0"/>
-              <a:t>コマンド</a:t>
-            </a:r>
-            <a:endParaRPr kumimoji="1" lang="ja-JP" altLang="en-US" dirty="0"/>
-          </a:p>
-        </p:txBody>
-      </p:sp>
-      <p:sp>
-        <p:nvSpPr>
-          <p:cNvPr id="79" name="テキスト ボックス 78"/>
+              <a:rPr kumimoji="1" lang="ja-JP" altLang="en-US" sz="2800" dirty="0" smtClean="0"/>
+              <a:t>馬六號 リモコン仕様</a:t>
+            </a:r>
+            <a:endParaRPr kumimoji="1" lang="ja-JP" altLang="en-US" sz="2800" dirty="0"/>
+          </a:p>
+        </p:txBody>
+      </p:sp>
+      <p:grpSp>
+        <p:nvGrpSpPr>
+          <p:cNvPr id="4" name="グループ化 3"/>
+          <p:cNvGrpSpPr/>
+          <p:nvPr/>
+        </p:nvGrpSpPr>
+        <p:grpSpPr>
+          <a:xfrm>
+            <a:off x="3608131" y="443201"/>
+            <a:ext cx="4548631" cy="4529362"/>
+            <a:chOff x="3728594" y="104148"/>
+            <a:chExt cx="4954838" cy="4933848"/>
+          </a:xfrm>
+        </p:grpSpPr>
+        <p:cxnSp>
+          <p:nvCxnSpPr>
+            <p:cNvPr id="29" name="直線コネクタ 28"/>
+            <p:cNvCxnSpPr/>
+            <p:nvPr/>
+          </p:nvCxnSpPr>
+          <p:spPr>
+            <a:xfrm>
+              <a:off x="3975767" y="1365036"/>
+              <a:ext cx="4118846" cy="0"/>
+            </a:xfrm>
+            <a:prstGeom prst="line">
+              <a:avLst/>
+            </a:prstGeom>
+            <a:ln w="28575"/>
+          </p:spPr>
+          <p:style>
+            <a:lnRef idx="1">
+              <a:schemeClr val="accent1"/>
+            </a:lnRef>
+            <a:fillRef idx="0">
+              <a:schemeClr val="accent1"/>
+            </a:fillRef>
+            <a:effectRef idx="0">
+              <a:schemeClr val="accent1"/>
+            </a:effectRef>
+            <a:fontRef idx="minor">
+              <a:schemeClr val="tx1"/>
+            </a:fontRef>
+          </p:style>
+        </p:cxnSp>
+        <p:sp>
+          <p:nvSpPr>
+            <p:cNvPr id="1024" name="テキスト ボックス 1023"/>
+            <p:cNvSpPr txBox="1"/>
+            <p:nvPr/>
+          </p:nvSpPr>
+          <p:spPr>
+            <a:xfrm>
+              <a:off x="3770035" y="104148"/>
+              <a:ext cx="4899150" cy="369332"/>
+            </a:xfrm>
+            <a:prstGeom prst="rect">
+              <a:avLst/>
+            </a:prstGeom>
+            <a:noFill/>
+          </p:spPr>
+          <p:txBody>
+            <a:bodyPr wrap="square" rtlCol="0">
+              <a:spAutoFit/>
+            </a:bodyPr>
+            <a:lstStyle/>
+            <a:p>
+              <a:r>
+                <a:rPr lang="ja-JP" altLang="en-US" sz="1600" dirty="0" smtClean="0">
+                  <a:solidFill>
+                    <a:srgbClr val="0070C0"/>
+                  </a:solidFill>
+                </a:rPr>
+                <a:t>シナリオコマンド</a:t>
+              </a:r>
+              <a:r>
+                <a:rPr lang="en-US" altLang="ja-JP" sz="1600" dirty="0" smtClean="0">
+                  <a:solidFill>
+                    <a:srgbClr val="0070C0"/>
+                  </a:solidFill>
+                </a:rPr>
+                <a:t>(ID</a:t>
+              </a:r>
+              <a:r>
+                <a:rPr lang="ja-JP" altLang="en-US" sz="1600" dirty="0" smtClean="0">
+                  <a:solidFill>
+                    <a:srgbClr val="0070C0"/>
+                  </a:solidFill>
+                </a:rPr>
+                <a:t>設定不要</a:t>
+              </a:r>
+              <a:r>
+                <a:rPr lang="en-US" altLang="ja-JP" sz="1600" dirty="0" smtClean="0">
+                  <a:solidFill>
+                    <a:srgbClr val="0070C0"/>
+                  </a:solidFill>
+                </a:rPr>
+                <a:t>/</a:t>
+              </a:r>
+              <a:r>
+                <a:rPr lang="ja-JP" altLang="en-US" sz="1600" dirty="0" smtClean="0">
+                  <a:solidFill>
+                    <a:srgbClr val="0070C0"/>
+                  </a:solidFill>
+                </a:rPr>
+                <a:t>実行後に</a:t>
+              </a:r>
+              <a:r>
+                <a:rPr lang="en-US" altLang="ja-JP" sz="1600" dirty="0" smtClean="0">
+                  <a:solidFill>
+                    <a:srgbClr val="0070C0"/>
+                  </a:solidFill>
+                </a:rPr>
+                <a:t>ID</a:t>
+              </a:r>
+              <a:r>
+                <a:rPr lang="ja-JP" altLang="en-US" sz="1600" dirty="0" smtClean="0">
+                  <a:solidFill>
+                    <a:srgbClr val="0070C0"/>
+                  </a:solidFill>
+                </a:rPr>
+                <a:t>クリア</a:t>
+              </a:r>
+              <a:r>
+                <a:rPr lang="en-US" altLang="ja-JP" sz="1600" dirty="0" smtClean="0">
+                  <a:solidFill>
+                    <a:srgbClr val="0070C0"/>
+                  </a:solidFill>
+                </a:rPr>
+                <a:t>)</a:t>
+              </a:r>
+              <a:endParaRPr kumimoji="1" lang="ja-JP" altLang="en-US" sz="1600" dirty="0">
+                <a:solidFill>
+                  <a:srgbClr val="0070C0"/>
+                </a:solidFill>
+              </a:endParaRPr>
+            </a:p>
+          </p:txBody>
+        </p:sp>
+        <p:sp>
+          <p:nvSpPr>
+            <p:cNvPr id="34" name="テキスト ボックス 33"/>
+            <p:cNvSpPr txBox="1"/>
+            <p:nvPr/>
+          </p:nvSpPr>
+          <p:spPr>
+            <a:xfrm>
+              <a:off x="3740636" y="1718609"/>
+              <a:ext cx="1321804" cy="320507"/>
+            </a:xfrm>
+            <a:prstGeom prst="rect">
+              <a:avLst/>
+            </a:prstGeom>
+            <a:noFill/>
+          </p:spPr>
+          <p:txBody>
+            <a:bodyPr wrap="none" rtlCol="0">
+              <a:noAutofit/>
+            </a:bodyPr>
+            <a:lstStyle>
+              <a:defPPr>
+                <a:defRPr lang="ja-JP"/>
+              </a:defPPr>
+              <a:lvl1pPr>
+                <a:defRPr sz="1400"/>
+              </a:lvl1pPr>
+            </a:lstStyle>
+            <a:p>
+              <a:r>
+                <a:rPr lang="en-US" altLang="ja-JP" sz="1200" dirty="0"/>
+                <a:t>ID</a:t>
+              </a:r>
+              <a:r>
+                <a:rPr lang="ja-JP" altLang="en-US" sz="1200" dirty="0"/>
+                <a:t>設定</a:t>
+              </a:r>
+              <a:r>
+                <a:rPr lang="en-US" altLang="ja-JP" sz="1200" dirty="0"/>
+                <a:t>(</a:t>
+              </a:r>
+              <a:r>
+                <a:rPr lang="ja-JP" altLang="en-US" sz="1200" dirty="0"/>
+                <a:t>個別</a:t>
+              </a:r>
+              <a:r>
+                <a:rPr lang="en-US" altLang="ja-JP" sz="1200" dirty="0"/>
+                <a:t>)</a:t>
+              </a:r>
+              <a:endParaRPr lang="ja-JP" altLang="en-US" sz="1200" dirty="0"/>
+            </a:p>
+          </p:txBody>
+        </p:sp>
+        <p:sp>
+          <p:nvSpPr>
+            <p:cNvPr id="35" name="テキスト ボックス 34"/>
+            <p:cNvSpPr txBox="1"/>
+            <p:nvPr/>
+          </p:nvSpPr>
+          <p:spPr>
+            <a:xfrm>
+              <a:off x="3728594" y="3855379"/>
+              <a:ext cx="2031102" cy="369332"/>
+            </a:xfrm>
+            <a:prstGeom prst="rect">
+              <a:avLst/>
+            </a:prstGeom>
+            <a:noFill/>
+          </p:spPr>
+          <p:txBody>
+            <a:bodyPr wrap="square" rtlCol="0">
+              <a:spAutoFit/>
+            </a:bodyPr>
+            <a:lstStyle>
+              <a:defPPr>
+                <a:defRPr lang="ja-JP"/>
+              </a:defPPr>
+              <a:lvl1pPr>
+                <a:defRPr>
+                  <a:solidFill>
+                    <a:srgbClr val="0070C0"/>
+                  </a:solidFill>
+                </a:defRPr>
+              </a:lvl1pPr>
+            </a:lstStyle>
+            <a:p>
+              <a:r>
+                <a:rPr lang="ja-JP" altLang="en-US" sz="1600" dirty="0"/>
+                <a:t>その他コマンド</a:t>
+              </a:r>
+            </a:p>
+          </p:txBody>
+        </p:sp>
+        <p:sp>
+          <p:nvSpPr>
+            <p:cNvPr id="80" name="テキスト ボックス 79"/>
+            <p:cNvSpPr txBox="1"/>
+            <p:nvPr/>
+          </p:nvSpPr>
+          <p:spPr>
+            <a:xfrm>
+              <a:off x="3789996" y="4176399"/>
+              <a:ext cx="1131922" cy="369332"/>
+            </a:xfrm>
+            <a:prstGeom prst="rect">
+              <a:avLst/>
+            </a:prstGeom>
+            <a:noFill/>
+          </p:spPr>
+          <p:txBody>
+            <a:bodyPr wrap="none" rtlCol="0">
+              <a:noAutofit/>
+            </a:bodyPr>
+            <a:lstStyle/>
+            <a:p>
+              <a:r>
+                <a:rPr kumimoji="1" lang="en-US" altLang="ja-JP" sz="1200" dirty="0" smtClean="0">
+                  <a:solidFill>
+                    <a:srgbClr val="FF0000"/>
+                  </a:solidFill>
+                </a:rPr>
+                <a:t>STM</a:t>
+              </a:r>
+              <a:r>
+                <a:rPr kumimoji="1" lang="ja-JP" altLang="en-US" sz="1200" dirty="0" smtClean="0">
+                  <a:solidFill>
+                    <a:srgbClr val="FF0000"/>
+                  </a:solidFill>
+                </a:rPr>
+                <a:t>の</a:t>
+              </a:r>
+              <a:r>
+                <a:rPr kumimoji="1" lang="en-US" altLang="ja-JP" sz="1200" dirty="0" err="1" smtClean="0">
+                  <a:solidFill>
+                    <a:srgbClr val="FF0000"/>
+                  </a:solidFill>
+                </a:rPr>
+                <a:t>init</a:t>
+              </a:r>
+              <a:endParaRPr kumimoji="1" lang="ja-JP" altLang="en-US" sz="1200" dirty="0">
+                <a:solidFill>
+                  <a:srgbClr val="FF0000"/>
+                </a:solidFill>
+              </a:endParaRPr>
+            </a:p>
+          </p:txBody>
+        </p:sp>
+        <p:sp>
+          <p:nvSpPr>
+            <p:cNvPr id="81" name="テキスト ボックス 80"/>
+            <p:cNvSpPr txBox="1"/>
+            <p:nvPr/>
+          </p:nvSpPr>
+          <p:spPr>
+            <a:xfrm>
+              <a:off x="5348245" y="4070872"/>
+              <a:ext cx="1657449" cy="474859"/>
+            </a:xfrm>
+            <a:prstGeom prst="rect">
+              <a:avLst/>
+            </a:prstGeom>
+            <a:noFill/>
+          </p:spPr>
+          <p:txBody>
+            <a:bodyPr wrap="none" rtlCol="0">
+              <a:noAutofit/>
+            </a:bodyPr>
+            <a:lstStyle>
+              <a:defPPr>
+                <a:defRPr lang="ja-JP"/>
+              </a:defPPr>
+              <a:lvl1pPr>
+                <a:defRPr sz="1400">
+                  <a:solidFill>
+                    <a:srgbClr val="FF0000"/>
+                  </a:solidFill>
+                </a:defRPr>
+              </a:lvl1pPr>
+            </a:lstStyle>
+            <a:p>
+              <a:r>
+                <a:rPr lang="ja-JP" altLang="en-US" sz="1200" dirty="0"/>
+                <a:t>設定されている</a:t>
+              </a:r>
+              <a:endParaRPr lang="en-US" altLang="ja-JP" sz="1200" dirty="0" smtClean="0"/>
+            </a:p>
+            <a:p>
+              <a:r>
+                <a:rPr lang="ja-JP" altLang="en-US" sz="1200" dirty="0" smtClean="0"/>
+                <a:t>モーター</a:t>
+              </a:r>
+              <a:r>
+                <a:rPr lang="en-US" altLang="ja-JP" sz="1200" dirty="0" smtClean="0"/>
+                <a:t>ID</a:t>
+              </a:r>
+              <a:r>
+                <a:rPr lang="ja-JP" altLang="en-US" sz="1200" dirty="0" smtClean="0"/>
+                <a:t>のクリア</a:t>
+              </a:r>
+              <a:endParaRPr lang="ja-JP" altLang="en-US" sz="1200" dirty="0"/>
+            </a:p>
+          </p:txBody>
+        </p:sp>
+        <p:sp>
+          <p:nvSpPr>
+            <p:cNvPr id="84" name="テキスト ボックス 83"/>
+            <p:cNvSpPr txBox="1"/>
+            <p:nvPr/>
+          </p:nvSpPr>
+          <p:spPr>
+            <a:xfrm>
+              <a:off x="6976369" y="4176399"/>
+              <a:ext cx="1162964" cy="369332"/>
+            </a:xfrm>
+            <a:prstGeom prst="rect">
+              <a:avLst/>
+            </a:prstGeom>
+            <a:noFill/>
+          </p:spPr>
+          <p:txBody>
+            <a:bodyPr wrap="none" rtlCol="0">
+              <a:noAutofit/>
+            </a:bodyPr>
+            <a:lstStyle/>
+            <a:p>
+              <a:r>
+                <a:rPr lang="en-US" altLang="ja-JP" sz="1200" dirty="0" err="1" smtClean="0">
+                  <a:solidFill>
+                    <a:srgbClr val="FF0000"/>
+                  </a:solidFill>
+                </a:rPr>
+                <a:t>Raspi</a:t>
+              </a:r>
+              <a:r>
+                <a:rPr lang="ja-JP" altLang="en-US" sz="1200" dirty="0" smtClean="0">
+                  <a:solidFill>
+                    <a:srgbClr val="FF0000"/>
+                  </a:solidFill>
+                </a:rPr>
+                <a:t>の</a:t>
+              </a:r>
+              <a:r>
+                <a:rPr lang="en-US" altLang="ja-JP" sz="1200" dirty="0" smtClean="0">
+                  <a:solidFill>
+                    <a:srgbClr val="FF0000"/>
+                  </a:solidFill>
+                </a:rPr>
+                <a:t>reboot</a:t>
+              </a:r>
+              <a:endParaRPr lang="ja-JP" altLang="en-US" sz="1200" dirty="0">
+                <a:solidFill>
+                  <a:srgbClr val="FF0000"/>
+                </a:solidFill>
+              </a:endParaRPr>
+            </a:p>
+          </p:txBody>
+        </p:sp>
+        <p:sp>
+          <p:nvSpPr>
+            <p:cNvPr id="58" name="テキスト ボックス 57"/>
+            <p:cNvSpPr txBox="1"/>
+            <p:nvPr/>
+          </p:nvSpPr>
+          <p:spPr>
+            <a:xfrm>
+              <a:off x="5101109" y="765283"/>
+              <a:ext cx="463792" cy="494711"/>
+            </a:xfrm>
+            <a:prstGeom prst="roundRect">
+              <a:avLst/>
+            </a:prstGeom>
+            <a:solidFill>
+              <a:srgbClr val="FFC000"/>
+            </a:solidFill>
+            <a:ln w="28575">
+              <a:solidFill>
+                <a:schemeClr val="tx1"/>
+              </a:solidFill>
+            </a:ln>
+          </p:spPr>
+          <p:txBody>
+            <a:bodyPr wrap="none" rtlCol="0" anchor="ctr">
+              <a:noAutofit/>
+            </a:bodyPr>
+            <a:lstStyle>
+              <a:defPPr>
+                <a:defRPr lang="ja-JP"/>
+              </a:defPPr>
+              <a:lvl1pPr algn="ctr">
+                <a:defRPr sz="1400" b="1">
+                  <a:solidFill>
+                    <a:srgbClr val="0070C0"/>
+                  </a:solidFill>
+                </a:defRPr>
+              </a:lvl1pPr>
+            </a:lstStyle>
+            <a:p>
+              <a:r>
+                <a:rPr lang="en-US" altLang="ja-JP" sz="1050" dirty="0"/>
+                <a:t>RIGHT</a:t>
+              </a:r>
+              <a:endParaRPr lang="ja-JP" altLang="en-US" sz="1050" dirty="0"/>
+            </a:p>
+          </p:txBody>
+        </p:sp>
+        <p:sp>
+          <p:nvSpPr>
+            <p:cNvPr id="59" name="テキスト ボックス 58"/>
+            <p:cNvSpPr txBox="1"/>
+            <p:nvPr/>
+          </p:nvSpPr>
+          <p:spPr>
+            <a:xfrm>
+              <a:off x="3975767" y="765283"/>
+              <a:ext cx="463792" cy="494711"/>
+            </a:xfrm>
+            <a:prstGeom prst="roundRect">
+              <a:avLst/>
+            </a:prstGeom>
+            <a:solidFill>
+              <a:srgbClr val="FFC000"/>
+            </a:solidFill>
+            <a:ln w="28575">
+              <a:solidFill>
+                <a:schemeClr val="tx1"/>
+              </a:solidFill>
+            </a:ln>
+          </p:spPr>
+          <p:txBody>
+            <a:bodyPr wrap="none" rtlCol="0" anchor="ctr">
+              <a:noAutofit/>
+            </a:bodyPr>
+            <a:lstStyle>
+              <a:defPPr>
+                <a:defRPr lang="ja-JP"/>
+              </a:defPPr>
+              <a:lvl1pPr algn="ctr">
+                <a:defRPr sz="1400" b="1">
+                  <a:solidFill>
+                    <a:srgbClr val="0070C0"/>
+                  </a:solidFill>
+                </a:defRPr>
+              </a:lvl1pPr>
+            </a:lstStyle>
+            <a:p>
+              <a:r>
+                <a:rPr lang="en-US" altLang="ja-JP" sz="1050" dirty="0"/>
+                <a:t>LEFT</a:t>
+              </a:r>
+              <a:endParaRPr lang="ja-JP" altLang="en-US" sz="1050" dirty="0"/>
+            </a:p>
+          </p:txBody>
+        </p:sp>
+        <p:sp>
+          <p:nvSpPr>
+            <p:cNvPr id="60" name="テキスト ボックス 59"/>
+            <p:cNvSpPr txBox="1"/>
+            <p:nvPr/>
+          </p:nvSpPr>
+          <p:spPr>
+            <a:xfrm>
+              <a:off x="6226451" y="765283"/>
+              <a:ext cx="463792" cy="494711"/>
+            </a:xfrm>
+            <a:prstGeom prst="roundRect">
+              <a:avLst/>
+            </a:prstGeom>
+            <a:solidFill>
+              <a:srgbClr val="FFC000"/>
+            </a:solidFill>
+            <a:ln w="28575">
+              <a:solidFill>
+                <a:schemeClr val="tx1"/>
+              </a:solidFill>
+            </a:ln>
+          </p:spPr>
+          <p:txBody>
+            <a:bodyPr wrap="none" rtlCol="0" anchor="ctr">
+              <a:noAutofit/>
+            </a:bodyPr>
+            <a:lstStyle/>
+            <a:p>
+              <a:pPr algn="ctr"/>
+              <a:r>
+                <a:rPr lang="en-US" altLang="ja-JP" sz="1050" b="1" dirty="0" smtClean="0">
+                  <a:solidFill>
+                    <a:srgbClr val="0070C0"/>
+                  </a:solidFill>
+                </a:rPr>
+                <a:t>WALK</a:t>
+              </a:r>
+              <a:endParaRPr kumimoji="1" lang="ja-JP" altLang="en-US" sz="1050" b="1" dirty="0">
+                <a:solidFill>
+                  <a:srgbClr val="0070C0"/>
+                </a:solidFill>
+              </a:endParaRPr>
+            </a:p>
+          </p:txBody>
+        </p:sp>
+        <p:sp>
+          <p:nvSpPr>
+            <p:cNvPr id="82" name="テキスト ボックス 81"/>
+            <p:cNvSpPr txBox="1"/>
+            <p:nvPr/>
+          </p:nvSpPr>
+          <p:spPr>
+            <a:xfrm>
+              <a:off x="7351793" y="765283"/>
+              <a:ext cx="463792" cy="494711"/>
+            </a:xfrm>
+            <a:prstGeom prst="roundRect">
+              <a:avLst/>
+            </a:prstGeom>
+            <a:solidFill>
+              <a:srgbClr val="FFC000"/>
+            </a:solidFill>
+            <a:ln w="28575">
+              <a:solidFill>
+                <a:schemeClr val="tx1"/>
+              </a:solidFill>
+            </a:ln>
+          </p:spPr>
+          <p:txBody>
+            <a:bodyPr wrap="none" rtlCol="0" anchor="ctr">
+              <a:noAutofit/>
+            </a:bodyPr>
+            <a:lstStyle/>
+            <a:p>
+              <a:pPr algn="ctr"/>
+              <a:r>
+                <a:rPr lang="en-US" altLang="ja-JP" sz="1050" b="1" dirty="0" smtClean="0">
+                  <a:solidFill>
+                    <a:srgbClr val="0070C0"/>
+                  </a:solidFill>
+                </a:rPr>
+                <a:t>BACK</a:t>
+              </a:r>
+              <a:endParaRPr kumimoji="1" lang="ja-JP" altLang="en-US" sz="1050" b="1" dirty="0">
+                <a:solidFill>
+                  <a:srgbClr val="0070C0"/>
+                </a:solidFill>
+              </a:endParaRPr>
+            </a:p>
+          </p:txBody>
+        </p:sp>
+        <p:sp>
+          <p:nvSpPr>
+            <p:cNvPr id="90" name="テキスト ボックス 89"/>
+            <p:cNvSpPr txBox="1"/>
+            <p:nvPr/>
+          </p:nvSpPr>
+          <p:spPr>
+            <a:xfrm>
+              <a:off x="3755571" y="1349278"/>
+              <a:ext cx="4899150" cy="369332"/>
+            </a:xfrm>
+            <a:prstGeom prst="rect">
+              <a:avLst/>
+            </a:prstGeom>
+            <a:noFill/>
+          </p:spPr>
+          <p:txBody>
+            <a:bodyPr wrap="square" rtlCol="0">
+              <a:spAutoFit/>
+            </a:bodyPr>
+            <a:lstStyle/>
+            <a:p>
+              <a:r>
+                <a:rPr lang="ja-JP" altLang="en-US" sz="1600" dirty="0" smtClean="0">
+                  <a:solidFill>
+                    <a:srgbClr val="0070C0"/>
+                  </a:solidFill>
+                </a:rPr>
+                <a:t>モーターコマンド</a:t>
+              </a:r>
+              <a:r>
+                <a:rPr lang="en-US" altLang="ja-JP" sz="1600" dirty="0" smtClean="0">
+                  <a:solidFill>
+                    <a:srgbClr val="0070C0"/>
+                  </a:solidFill>
+                </a:rPr>
+                <a:t>(ID</a:t>
+              </a:r>
+              <a:r>
+                <a:rPr lang="ja-JP" altLang="en-US" sz="1600" dirty="0" smtClean="0">
+                  <a:solidFill>
+                    <a:srgbClr val="0070C0"/>
+                  </a:solidFill>
+                </a:rPr>
+                <a:t>設定要</a:t>
+              </a:r>
+              <a:r>
+                <a:rPr lang="en-US" altLang="ja-JP" sz="1600" dirty="0" smtClean="0">
+                  <a:solidFill>
+                    <a:srgbClr val="0070C0"/>
+                  </a:solidFill>
+                </a:rPr>
+                <a:t>/</a:t>
+              </a:r>
+              <a:r>
+                <a:rPr lang="ja-JP" altLang="en-US" sz="1600" dirty="0" smtClean="0">
+                  <a:solidFill>
+                    <a:srgbClr val="0070C0"/>
+                  </a:solidFill>
+                </a:rPr>
+                <a:t>実行後</a:t>
+              </a:r>
+              <a:r>
+                <a:rPr lang="ja-JP" altLang="en-US" sz="1600" dirty="0">
+                  <a:solidFill>
+                    <a:srgbClr val="0070C0"/>
+                  </a:solidFill>
+                </a:rPr>
+                <a:t>も</a:t>
+              </a:r>
+              <a:r>
+                <a:rPr lang="en-US" altLang="ja-JP" sz="1600" dirty="0" smtClean="0">
+                  <a:solidFill>
+                    <a:srgbClr val="0070C0"/>
+                  </a:solidFill>
+                </a:rPr>
+                <a:t>ID</a:t>
+              </a:r>
+              <a:r>
+                <a:rPr lang="ja-JP" altLang="en-US" sz="1600" dirty="0" smtClean="0">
+                  <a:solidFill>
+                    <a:srgbClr val="0070C0"/>
+                  </a:solidFill>
+                </a:rPr>
+                <a:t>保持</a:t>
+              </a:r>
+              <a:r>
+                <a:rPr lang="en-US" altLang="ja-JP" sz="1600" dirty="0" smtClean="0">
+                  <a:solidFill>
+                    <a:srgbClr val="0070C0"/>
+                  </a:solidFill>
+                </a:rPr>
+                <a:t>)</a:t>
+              </a:r>
+              <a:endParaRPr kumimoji="1" lang="ja-JP" altLang="en-US" sz="1600" dirty="0">
+                <a:solidFill>
+                  <a:srgbClr val="0070C0"/>
+                </a:solidFill>
+              </a:endParaRPr>
+            </a:p>
+          </p:txBody>
+        </p:sp>
+        <p:sp>
+          <p:nvSpPr>
+            <p:cNvPr id="94" name="テキスト ボックス 93"/>
+            <p:cNvSpPr txBox="1"/>
+            <p:nvPr/>
+          </p:nvSpPr>
+          <p:spPr>
+            <a:xfrm>
+              <a:off x="7927649" y="2042221"/>
+              <a:ext cx="463792" cy="494711"/>
+            </a:xfrm>
+            <a:prstGeom prst="roundRect">
+              <a:avLst/>
+            </a:prstGeom>
+            <a:solidFill>
+              <a:schemeClr val="accent3">
+                <a:lumMod val="60000"/>
+                <a:lumOff val="40000"/>
+              </a:schemeClr>
+            </a:solidFill>
+            <a:ln w="28575">
+              <a:solidFill>
+                <a:schemeClr val="tx1"/>
+              </a:solidFill>
+            </a:ln>
+          </p:spPr>
+          <p:txBody>
+            <a:bodyPr wrap="none" rtlCol="0" anchor="ctr">
+              <a:noAutofit/>
+            </a:bodyPr>
+            <a:lstStyle/>
+            <a:p>
+              <a:pPr algn="ctr"/>
+              <a:r>
+                <a:rPr lang="en-US" altLang="ja-JP" sz="1050" b="1" dirty="0" smtClean="0">
+                  <a:solidFill>
+                    <a:srgbClr val="0070C0"/>
+                  </a:solidFill>
+                </a:rPr>
+                <a:t>ALL</a:t>
+              </a:r>
+              <a:endParaRPr kumimoji="1" lang="ja-JP" altLang="en-US" sz="1050" b="1" dirty="0">
+                <a:solidFill>
+                  <a:srgbClr val="0070C0"/>
+                </a:solidFill>
+              </a:endParaRPr>
+            </a:p>
+          </p:txBody>
+        </p:sp>
+        <p:grpSp>
+          <p:nvGrpSpPr>
+            <p:cNvPr id="3" name="グループ化 2"/>
+            <p:cNvGrpSpPr/>
+            <p:nvPr/>
+          </p:nvGrpSpPr>
+          <p:grpSpPr>
+            <a:xfrm>
+              <a:off x="3975767" y="2042222"/>
+              <a:ext cx="3384341" cy="494711"/>
+              <a:chOff x="3984569" y="2042222"/>
+              <a:chExt cx="3384341" cy="494711"/>
+            </a:xfrm>
+          </p:grpSpPr>
+          <p:sp>
+            <p:nvSpPr>
+              <p:cNvPr id="91" name="テキスト ボックス 90"/>
+              <p:cNvSpPr txBox="1"/>
+              <p:nvPr/>
+            </p:nvSpPr>
+            <p:spPr>
+              <a:xfrm>
+                <a:off x="5736899" y="2042222"/>
+                <a:ext cx="463792" cy="494711"/>
+              </a:xfrm>
+              <a:prstGeom prst="roundRect">
+                <a:avLst/>
+              </a:prstGeom>
+              <a:solidFill>
+                <a:schemeClr val="accent3">
+                  <a:lumMod val="60000"/>
+                  <a:lumOff val="40000"/>
+                </a:schemeClr>
+              </a:solidFill>
+              <a:ln w="28575">
+                <a:solidFill>
+                  <a:schemeClr val="tx1"/>
+                </a:solidFill>
+              </a:ln>
+            </p:spPr>
+            <p:txBody>
+              <a:bodyPr wrap="none" rtlCol="0" anchor="ctr">
+                <a:noAutofit/>
+              </a:bodyPr>
+              <a:lstStyle/>
+              <a:p>
+                <a:pPr algn="ctr"/>
+                <a:r>
+                  <a:rPr lang="en-US" altLang="ja-JP" sz="1200" b="1" dirty="0" smtClean="0">
+                    <a:solidFill>
+                      <a:srgbClr val="0070C0"/>
+                    </a:solidFill>
+                  </a:rPr>
+                  <a:t>“5”</a:t>
+                </a:r>
+                <a:endParaRPr kumimoji="1" lang="ja-JP" altLang="en-US" sz="1200" b="1" dirty="0">
+                  <a:solidFill>
+                    <a:srgbClr val="0070C0"/>
+                  </a:solidFill>
+                </a:endParaRPr>
+              </a:p>
+            </p:txBody>
+          </p:sp>
+          <p:sp>
+            <p:nvSpPr>
+              <p:cNvPr id="92" name="テキスト ボックス 91"/>
+              <p:cNvSpPr txBox="1"/>
+              <p:nvPr/>
+            </p:nvSpPr>
+            <p:spPr>
+              <a:xfrm>
+                <a:off x="6321009" y="2042222"/>
+                <a:ext cx="463792" cy="494711"/>
+              </a:xfrm>
+              <a:prstGeom prst="roundRect">
+                <a:avLst/>
+              </a:prstGeom>
+              <a:solidFill>
+                <a:schemeClr val="accent3">
+                  <a:lumMod val="60000"/>
+                  <a:lumOff val="40000"/>
+                </a:schemeClr>
+              </a:solidFill>
+              <a:ln w="28575">
+                <a:solidFill>
+                  <a:schemeClr val="tx1"/>
+                </a:solidFill>
+              </a:ln>
+            </p:spPr>
+            <p:txBody>
+              <a:bodyPr wrap="none" rtlCol="0" anchor="ctr">
+                <a:noAutofit/>
+              </a:bodyPr>
+              <a:lstStyle/>
+              <a:p>
+                <a:pPr algn="ctr"/>
+                <a:r>
+                  <a:rPr lang="en-US" altLang="ja-JP" sz="1200" b="1" dirty="0" smtClean="0">
+                    <a:solidFill>
+                      <a:srgbClr val="0070C0"/>
+                    </a:solidFill>
+                  </a:rPr>
+                  <a:t>“6”</a:t>
+                </a:r>
+                <a:endParaRPr kumimoji="1" lang="ja-JP" altLang="en-US" sz="1200" b="1" dirty="0">
+                  <a:solidFill>
+                    <a:srgbClr val="0070C0"/>
+                  </a:solidFill>
+                </a:endParaRPr>
+              </a:p>
+            </p:txBody>
+          </p:sp>
+          <p:sp>
+            <p:nvSpPr>
+              <p:cNvPr id="93" name="テキスト ボックス 92"/>
+              <p:cNvSpPr txBox="1"/>
+              <p:nvPr/>
+            </p:nvSpPr>
+            <p:spPr>
+              <a:xfrm>
+                <a:off x="6905118" y="2042222"/>
+                <a:ext cx="463792" cy="494711"/>
+              </a:xfrm>
+              <a:prstGeom prst="roundRect">
+                <a:avLst/>
+              </a:prstGeom>
+              <a:solidFill>
+                <a:schemeClr val="accent3">
+                  <a:lumMod val="60000"/>
+                  <a:lumOff val="40000"/>
+                </a:schemeClr>
+              </a:solidFill>
+              <a:ln w="28575">
+                <a:solidFill>
+                  <a:schemeClr val="tx1"/>
+                </a:solidFill>
+              </a:ln>
+            </p:spPr>
+            <p:txBody>
+              <a:bodyPr wrap="none" rtlCol="0" anchor="ctr">
+                <a:noAutofit/>
+              </a:bodyPr>
+              <a:lstStyle/>
+              <a:p>
+                <a:pPr algn="ctr"/>
+                <a:r>
+                  <a:rPr lang="en-US" altLang="ja-JP" sz="1200" b="1" dirty="0" smtClean="0">
+                    <a:solidFill>
+                      <a:srgbClr val="0070C0"/>
+                    </a:solidFill>
+                  </a:rPr>
+                  <a:t>“7”</a:t>
+                </a:r>
+                <a:endParaRPr kumimoji="1" lang="ja-JP" altLang="en-US" sz="1200" b="1" dirty="0">
+                  <a:solidFill>
+                    <a:srgbClr val="0070C0"/>
+                  </a:solidFill>
+                </a:endParaRPr>
+              </a:p>
+            </p:txBody>
+          </p:sp>
+          <p:sp>
+            <p:nvSpPr>
+              <p:cNvPr id="95" name="テキスト ボックス 94"/>
+              <p:cNvSpPr txBox="1"/>
+              <p:nvPr/>
+            </p:nvSpPr>
+            <p:spPr>
+              <a:xfrm>
+                <a:off x="3984569" y="2042222"/>
+                <a:ext cx="463792" cy="494711"/>
+              </a:xfrm>
+              <a:prstGeom prst="roundRect">
+                <a:avLst/>
+              </a:prstGeom>
+              <a:solidFill>
+                <a:schemeClr val="accent3">
+                  <a:lumMod val="60000"/>
+                  <a:lumOff val="40000"/>
+                </a:schemeClr>
+              </a:solidFill>
+              <a:ln w="28575">
+                <a:solidFill>
+                  <a:schemeClr val="tx1"/>
+                </a:solidFill>
+              </a:ln>
+            </p:spPr>
+            <p:txBody>
+              <a:bodyPr wrap="none" rtlCol="0" anchor="ctr">
+                <a:noAutofit/>
+              </a:bodyPr>
+              <a:lstStyle/>
+              <a:p>
+                <a:pPr algn="ctr"/>
+                <a:r>
+                  <a:rPr lang="en-US" altLang="ja-JP" sz="1200" b="1" dirty="0" smtClean="0">
+                    <a:solidFill>
+                      <a:srgbClr val="0070C0"/>
+                    </a:solidFill>
+                  </a:rPr>
+                  <a:t>“2”</a:t>
+                </a:r>
+                <a:endParaRPr kumimoji="1" lang="ja-JP" altLang="en-US" sz="1200" b="1" dirty="0">
+                  <a:solidFill>
+                    <a:srgbClr val="0070C0"/>
+                  </a:solidFill>
+                </a:endParaRPr>
+              </a:p>
+            </p:txBody>
+          </p:sp>
+          <p:sp>
+            <p:nvSpPr>
+              <p:cNvPr id="96" name="テキスト ボックス 95"/>
+              <p:cNvSpPr txBox="1"/>
+              <p:nvPr/>
+            </p:nvSpPr>
+            <p:spPr>
+              <a:xfrm>
+                <a:off x="4568679" y="2042222"/>
+                <a:ext cx="463792" cy="494711"/>
+              </a:xfrm>
+              <a:prstGeom prst="roundRect">
+                <a:avLst/>
+              </a:prstGeom>
+              <a:solidFill>
+                <a:schemeClr val="accent3">
+                  <a:lumMod val="60000"/>
+                  <a:lumOff val="40000"/>
+                </a:schemeClr>
+              </a:solidFill>
+              <a:ln w="28575">
+                <a:solidFill>
+                  <a:schemeClr val="tx1"/>
+                </a:solidFill>
+              </a:ln>
+            </p:spPr>
+            <p:txBody>
+              <a:bodyPr wrap="none" rtlCol="0" anchor="ctr">
+                <a:noAutofit/>
+              </a:bodyPr>
+              <a:lstStyle/>
+              <a:p>
+                <a:pPr algn="ctr"/>
+                <a:r>
+                  <a:rPr kumimoji="1" lang="en-US" altLang="ja-JP" sz="1200" b="1" dirty="0" smtClean="0">
+                    <a:solidFill>
+                      <a:srgbClr val="0070C0"/>
+                    </a:solidFill>
+                  </a:rPr>
+                  <a:t>“3”</a:t>
+                </a:r>
+                <a:endParaRPr kumimoji="1" lang="ja-JP" altLang="en-US" sz="1200" b="1" dirty="0">
+                  <a:solidFill>
+                    <a:srgbClr val="0070C0"/>
+                  </a:solidFill>
+                </a:endParaRPr>
+              </a:p>
+            </p:txBody>
+          </p:sp>
+          <p:sp>
+            <p:nvSpPr>
+              <p:cNvPr id="97" name="テキスト ボックス 96"/>
+              <p:cNvSpPr txBox="1"/>
+              <p:nvPr/>
+            </p:nvSpPr>
+            <p:spPr>
+              <a:xfrm>
+                <a:off x="5152789" y="2042222"/>
+                <a:ext cx="463792" cy="494711"/>
+              </a:xfrm>
+              <a:prstGeom prst="roundRect">
+                <a:avLst/>
+              </a:prstGeom>
+              <a:solidFill>
+                <a:schemeClr val="accent3">
+                  <a:lumMod val="60000"/>
+                  <a:lumOff val="40000"/>
+                </a:schemeClr>
+              </a:solidFill>
+              <a:ln w="28575">
+                <a:solidFill>
+                  <a:schemeClr val="tx1"/>
+                </a:solidFill>
+              </a:ln>
+            </p:spPr>
+            <p:txBody>
+              <a:bodyPr wrap="none" rtlCol="0" anchor="ctr">
+                <a:noAutofit/>
+              </a:bodyPr>
+              <a:lstStyle/>
+              <a:p>
+                <a:pPr algn="ctr"/>
+                <a:r>
+                  <a:rPr kumimoji="1" lang="en-US" altLang="ja-JP" sz="1200" b="1" dirty="0" smtClean="0">
+                    <a:solidFill>
+                      <a:srgbClr val="0070C0"/>
+                    </a:solidFill>
+                  </a:rPr>
+                  <a:t>“4”</a:t>
+                </a:r>
+                <a:endParaRPr kumimoji="1" lang="ja-JP" altLang="en-US" sz="1200" b="1" dirty="0">
+                  <a:solidFill>
+                    <a:srgbClr val="0070C0"/>
+                  </a:solidFill>
+                </a:endParaRPr>
+              </a:p>
+            </p:txBody>
+          </p:sp>
+        </p:grpSp>
+        <p:sp>
+          <p:nvSpPr>
+            <p:cNvPr id="98" name="テキスト ボックス 97"/>
+            <p:cNvSpPr txBox="1"/>
+            <p:nvPr/>
+          </p:nvSpPr>
+          <p:spPr>
+            <a:xfrm>
+              <a:off x="7609480" y="1724809"/>
+              <a:ext cx="1059706" cy="314307"/>
+            </a:xfrm>
+            <a:prstGeom prst="rect">
+              <a:avLst/>
+            </a:prstGeom>
+            <a:noFill/>
+          </p:spPr>
+          <p:txBody>
+            <a:bodyPr wrap="none" rtlCol="0">
+              <a:noAutofit/>
+            </a:bodyPr>
+            <a:lstStyle>
+              <a:defPPr>
+                <a:defRPr lang="ja-JP"/>
+              </a:defPPr>
+              <a:lvl1pPr>
+                <a:defRPr sz="1400"/>
+              </a:lvl1pPr>
+            </a:lstStyle>
+            <a:p>
+              <a:r>
+                <a:rPr lang="en-US" altLang="ja-JP" sz="1200" dirty="0"/>
+                <a:t>ID</a:t>
+              </a:r>
+              <a:r>
+                <a:rPr lang="ja-JP" altLang="en-US" sz="1200" dirty="0"/>
+                <a:t>設定</a:t>
+              </a:r>
+              <a:r>
+                <a:rPr lang="en-US" altLang="ja-JP" sz="1200" dirty="0"/>
+                <a:t>(</a:t>
+              </a:r>
+              <a:r>
+                <a:rPr lang="ja-JP" altLang="en-US" sz="1200" dirty="0"/>
+                <a:t>全て</a:t>
+              </a:r>
+              <a:r>
+                <a:rPr lang="en-US" altLang="ja-JP" sz="1200" dirty="0"/>
+                <a:t>)</a:t>
+              </a:r>
+              <a:endParaRPr lang="ja-JP" altLang="en-US" sz="1200" dirty="0"/>
+            </a:p>
+          </p:txBody>
+        </p:sp>
+        <p:sp>
+          <p:nvSpPr>
+            <p:cNvPr id="99" name="テキスト ボックス 98"/>
+            <p:cNvSpPr txBox="1"/>
+            <p:nvPr/>
+          </p:nvSpPr>
+          <p:spPr>
+            <a:xfrm>
+              <a:off x="3975767" y="2923273"/>
+              <a:ext cx="463792" cy="494711"/>
+            </a:xfrm>
+            <a:prstGeom prst="roundRect">
+              <a:avLst/>
+            </a:prstGeom>
+            <a:solidFill>
+              <a:schemeClr val="tx2">
+                <a:lumMod val="20000"/>
+                <a:lumOff val="80000"/>
+              </a:schemeClr>
+            </a:solidFill>
+            <a:ln w="28575">
+              <a:solidFill>
+                <a:schemeClr val="tx1"/>
+              </a:solidFill>
+            </a:ln>
+          </p:spPr>
+          <p:txBody>
+            <a:bodyPr wrap="none" rtlCol="0" anchor="ctr">
+              <a:noAutofit/>
+            </a:bodyPr>
+            <a:lstStyle/>
+            <a:p>
+              <a:pPr algn="ctr"/>
+              <a:r>
+                <a:rPr lang="en-US" altLang="ja-JP" sz="1050" b="1" dirty="0" smtClean="0">
+                  <a:solidFill>
+                    <a:srgbClr val="0070C0"/>
+                  </a:solidFill>
+                </a:rPr>
+                <a:t>UP</a:t>
+              </a:r>
+              <a:endParaRPr kumimoji="1" lang="ja-JP" altLang="en-US" sz="1050" b="1" dirty="0">
+                <a:solidFill>
+                  <a:srgbClr val="0070C0"/>
+                </a:solidFill>
+              </a:endParaRPr>
+            </a:p>
+          </p:txBody>
+        </p:sp>
+        <p:sp>
+          <p:nvSpPr>
+            <p:cNvPr id="100" name="テキスト ボックス 99"/>
+            <p:cNvSpPr txBox="1"/>
+            <p:nvPr/>
+          </p:nvSpPr>
+          <p:spPr>
+            <a:xfrm>
+              <a:off x="5116349" y="2923273"/>
+              <a:ext cx="463792" cy="494711"/>
+            </a:xfrm>
+            <a:prstGeom prst="roundRect">
+              <a:avLst/>
+            </a:prstGeom>
+            <a:solidFill>
+              <a:schemeClr val="tx2">
+                <a:lumMod val="20000"/>
+                <a:lumOff val="80000"/>
+              </a:schemeClr>
+            </a:solidFill>
+            <a:ln w="28575">
+              <a:solidFill>
+                <a:schemeClr val="tx1"/>
+              </a:solidFill>
+            </a:ln>
+          </p:spPr>
+          <p:txBody>
+            <a:bodyPr wrap="none" rtlCol="0" anchor="ctr">
+              <a:noAutofit/>
+            </a:bodyPr>
+            <a:lstStyle/>
+            <a:p>
+              <a:pPr algn="ctr"/>
+              <a:r>
+                <a:rPr lang="en-US" altLang="ja-JP" sz="1050" b="1" dirty="0" smtClean="0">
+                  <a:solidFill>
+                    <a:srgbClr val="0070C0"/>
+                  </a:solidFill>
+                </a:rPr>
+                <a:t>DOWN</a:t>
+              </a:r>
+              <a:endParaRPr kumimoji="1" lang="ja-JP" altLang="en-US" sz="1050" b="1" dirty="0">
+                <a:solidFill>
+                  <a:srgbClr val="0070C0"/>
+                </a:solidFill>
+              </a:endParaRPr>
+            </a:p>
+          </p:txBody>
+        </p:sp>
+        <p:sp>
+          <p:nvSpPr>
+            <p:cNvPr id="101" name="テキスト ボックス 100"/>
+            <p:cNvSpPr txBox="1"/>
+            <p:nvPr/>
+          </p:nvSpPr>
+          <p:spPr>
+            <a:xfrm>
+              <a:off x="6241691" y="2923273"/>
+              <a:ext cx="463792" cy="494711"/>
+            </a:xfrm>
+            <a:prstGeom prst="roundRect">
+              <a:avLst/>
+            </a:prstGeom>
+            <a:solidFill>
+              <a:schemeClr val="tx2">
+                <a:lumMod val="20000"/>
+                <a:lumOff val="80000"/>
+              </a:schemeClr>
+            </a:solidFill>
+            <a:ln w="28575">
+              <a:solidFill>
+                <a:schemeClr val="tx1"/>
+              </a:solidFill>
+            </a:ln>
+          </p:spPr>
+          <p:txBody>
+            <a:bodyPr wrap="none" rtlCol="0" anchor="ctr">
+              <a:noAutofit/>
+            </a:bodyPr>
+            <a:lstStyle>
+              <a:defPPr>
+                <a:defRPr lang="ja-JP"/>
+              </a:defPPr>
+              <a:lvl1pPr algn="ctr">
+                <a:defRPr sz="1400" b="1">
+                  <a:solidFill>
+                    <a:srgbClr val="0070C0"/>
+                  </a:solidFill>
+                </a:defRPr>
+              </a:lvl1pPr>
+            </a:lstStyle>
+            <a:p>
+              <a:r>
+                <a:rPr lang="en-US" altLang="ja-JP" sz="1050" dirty="0" smtClean="0"/>
+                <a:t>MOVE</a:t>
+              </a:r>
+              <a:endParaRPr lang="en-US" altLang="ja-JP" sz="1050" dirty="0"/>
+            </a:p>
+            <a:p>
+              <a:r>
+                <a:rPr lang="en-US" altLang="ja-JP" sz="1050" dirty="0"/>
+                <a:t>0</a:t>
+              </a:r>
+              <a:endParaRPr lang="ja-JP" altLang="en-US" sz="1050" dirty="0"/>
+            </a:p>
+          </p:txBody>
+        </p:sp>
+        <p:sp>
+          <p:nvSpPr>
+            <p:cNvPr id="102" name="テキスト ボックス 101"/>
+            <p:cNvSpPr txBox="1"/>
+            <p:nvPr/>
+          </p:nvSpPr>
+          <p:spPr>
+            <a:xfrm>
+              <a:off x="7367033" y="2923273"/>
+              <a:ext cx="463792" cy="494711"/>
+            </a:xfrm>
+            <a:prstGeom prst="roundRect">
+              <a:avLst/>
+            </a:prstGeom>
+            <a:solidFill>
+              <a:schemeClr val="tx2">
+                <a:lumMod val="20000"/>
+                <a:lumOff val="80000"/>
+              </a:schemeClr>
+            </a:solidFill>
+            <a:ln w="28575">
+              <a:solidFill>
+                <a:schemeClr val="tx1"/>
+              </a:solidFill>
+            </a:ln>
+          </p:spPr>
+          <p:txBody>
+            <a:bodyPr wrap="none" rtlCol="0" anchor="ctr">
+              <a:noAutofit/>
+            </a:bodyPr>
+            <a:lstStyle>
+              <a:defPPr>
+                <a:defRPr lang="ja-JP"/>
+              </a:defPPr>
+              <a:lvl1pPr algn="ctr">
+                <a:defRPr sz="1400" b="1">
+                  <a:solidFill>
+                    <a:srgbClr val="0070C0"/>
+                  </a:solidFill>
+                </a:defRPr>
+              </a:lvl1pPr>
+            </a:lstStyle>
+            <a:p>
+              <a:r>
+                <a:rPr lang="en-US" altLang="ja-JP" sz="1050" smtClean="0"/>
+                <a:t>MOVE</a:t>
+              </a:r>
+              <a:endParaRPr lang="en-US" altLang="ja-JP" sz="1050" dirty="0"/>
+            </a:p>
+            <a:p>
+              <a:r>
+                <a:rPr lang="en-US" altLang="ja-JP" sz="1050" dirty="0"/>
+                <a:t>100</a:t>
+              </a:r>
+              <a:endParaRPr lang="ja-JP" altLang="en-US" sz="1050" dirty="0"/>
+            </a:p>
+          </p:txBody>
+        </p:sp>
+        <p:cxnSp>
+          <p:nvCxnSpPr>
+            <p:cNvPr id="103" name="直線コネクタ 102"/>
+            <p:cNvCxnSpPr/>
+            <p:nvPr/>
+          </p:nvCxnSpPr>
+          <p:spPr>
+            <a:xfrm>
+              <a:off x="3886615" y="3855379"/>
+              <a:ext cx="4118846" cy="0"/>
+            </a:xfrm>
+            <a:prstGeom prst="line">
+              <a:avLst/>
+            </a:prstGeom>
+            <a:ln w="28575"/>
+          </p:spPr>
+          <p:style>
+            <a:lnRef idx="1">
+              <a:schemeClr val="accent1"/>
+            </a:lnRef>
+            <a:fillRef idx="0">
+              <a:schemeClr val="accent1"/>
+            </a:fillRef>
+            <a:effectRef idx="0">
+              <a:schemeClr val="accent1"/>
+            </a:effectRef>
+            <a:fontRef idx="minor">
+              <a:schemeClr val="tx1"/>
+            </a:fontRef>
+          </p:style>
+        </p:cxnSp>
+        <p:sp>
+          <p:nvSpPr>
+            <p:cNvPr id="104" name="テキスト ボックス 103"/>
+            <p:cNvSpPr txBox="1"/>
+            <p:nvPr/>
+          </p:nvSpPr>
+          <p:spPr>
+            <a:xfrm>
+              <a:off x="3834708" y="2602595"/>
+              <a:ext cx="510388" cy="252000"/>
+            </a:xfrm>
+            <a:prstGeom prst="rect">
+              <a:avLst/>
+            </a:prstGeom>
+            <a:noFill/>
+          </p:spPr>
+          <p:txBody>
+            <a:bodyPr wrap="none" rtlCol="0">
+              <a:noAutofit/>
+            </a:bodyPr>
+            <a:lstStyle>
+              <a:defPPr>
+                <a:defRPr lang="ja-JP"/>
+              </a:defPPr>
+            </a:lstStyle>
+            <a:p>
+              <a:r>
+                <a:rPr lang="en-US" altLang="ja-JP" sz="1200" dirty="0" smtClean="0"/>
+                <a:t>UP</a:t>
+              </a:r>
+              <a:endParaRPr lang="en-US" altLang="ja-JP" sz="1200" dirty="0"/>
+            </a:p>
+          </p:txBody>
+        </p:sp>
+        <p:sp>
+          <p:nvSpPr>
+            <p:cNvPr id="105" name="テキスト ボックス 104"/>
+            <p:cNvSpPr txBox="1"/>
+            <p:nvPr/>
+          </p:nvSpPr>
+          <p:spPr>
+            <a:xfrm>
+              <a:off x="4934687" y="2602595"/>
+              <a:ext cx="685861" cy="252000"/>
+            </a:xfrm>
+            <a:prstGeom prst="rect">
+              <a:avLst/>
+            </a:prstGeom>
+            <a:noFill/>
+          </p:spPr>
+          <p:txBody>
+            <a:bodyPr wrap="none" rtlCol="0">
+              <a:noAutofit/>
+            </a:bodyPr>
+            <a:lstStyle>
+              <a:defPPr>
+                <a:defRPr lang="ja-JP"/>
+              </a:defPPr>
+            </a:lstStyle>
+            <a:p>
+              <a:r>
+                <a:rPr lang="en-US" altLang="ja-JP" sz="1200" dirty="0" smtClean="0"/>
+                <a:t>DOWN</a:t>
+              </a:r>
+              <a:endParaRPr lang="en-US" altLang="ja-JP" sz="1200" dirty="0"/>
+            </a:p>
+          </p:txBody>
+        </p:sp>
+        <p:sp>
+          <p:nvSpPr>
+            <p:cNvPr id="106" name="テキスト ボックス 105"/>
+            <p:cNvSpPr txBox="1"/>
+            <p:nvPr/>
+          </p:nvSpPr>
+          <p:spPr>
+            <a:xfrm>
+              <a:off x="6096674" y="2602595"/>
+              <a:ext cx="839246" cy="252000"/>
+            </a:xfrm>
+            <a:prstGeom prst="rect">
+              <a:avLst/>
+            </a:prstGeom>
+            <a:noFill/>
+          </p:spPr>
+          <p:txBody>
+            <a:bodyPr wrap="none" rtlCol="0">
+              <a:noAutofit/>
+            </a:bodyPr>
+            <a:lstStyle>
+              <a:defPPr>
+                <a:defRPr lang="ja-JP"/>
+              </a:defPPr>
+            </a:lstStyle>
+            <a:p>
+              <a:r>
+                <a:rPr lang="en-US" altLang="ja-JP" sz="1200" dirty="0" smtClean="0"/>
+                <a:t>0</a:t>
+              </a:r>
+              <a:r>
+                <a:rPr lang="ja-JP" altLang="en-US" sz="1200" dirty="0"/>
+                <a:t>に</a:t>
+              </a:r>
+              <a:r>
+                <a:rPr lang="ja-JP" altLang="en-US" sz="1200" dirty="0" smtClean="0"/>
+                <a:t>移動</a:t>
+              </a:r>
+              <a:endParaRPr lang="en-US" altLang="ja-JP" sz="1200" dirty="0" smtClean="0"/>
+            </a:p>
+          </p:txBody>
+        </p:sp>
+        <p:sp>
+          <p:nvSpPr>
+            <p:cNvPr id="107" name="テキスト ボックス 106"/>
+            <p:cNvSpPr txBox="1"/>
+            <p:nvPr/>
+          </p:nvSpPr>
+          <p:spPr>
+            <a:xfrm>
+              <a:off x="7241892" y="2602595"/>
+              <a:ext cx="714074" cy="252000"/>
+            </a:xfrm>
+            <a:prstGeom prst="rect">
+              <a:avLst/>
+            </a:prstGeom>
+            <a:noFill/>
+          </p:spPr>
+          <p:txBody>
+            <a:bodyPr wrap="none" rtlCol="0">
+              <a:noAutofit/>
+            </a:bodyPr>
+            <a:lstStyle>
+              <a:defPPr>
+                <a:defRPr lang="ja-JP"/>
+              </a:defPPr>
+            </a:lstStyle>
+            <a:p>
+              <a:r>
+                <a:rPr lang="en-US" altLang="ja-JP" sz="1200" dirty="0" smtClean="0"/>
+                <a:t>100</a:t>
+              </a:r>
+              <a:r>
+                <a:rPr lang="ja-JP" altLang="en-US" sz="1200" dirty="0" smtClean="0"/>
+                <a:t>に移動</a:t>
+              </a:r>
+              <a:endParaRPr lang="en-US" altLang="ja-JP" sz="1200" dirty="0" smtClean="0"/>
+            </a:p>
+          </p:txBody>
+        </p:sp>
+        <p:sp>
+          <p:nvSpPr>
+            <p:cNvPr id="109" name="テキスト ボックス 108"/>
+            <p:cNvSpPr txBox="1"/>
+            <p:nvPr/>
+          </p:nvSpPr>
+          <p:spPr>
+            <a:xfrm>
+              <a:off x="3886615" y="468881"/>
+              <a:ext cx="1020776" cy="307777"/>
+            </a:xfrm>
+            <a:prstGeom prst="rect">
+              <a:avLst/>
+            </a:prstGeom>
+            <a:noFill/>
+          </p:spPr>
+          <p:txBody>
+            <a:bodyPr wrap="square" rtlCol="0">
+              <a:spAutoFit/>
+            </a:bodyPr>
+            <a:lstStyle/>
+            <a:p>
+              <a:r>
+                <a:rPr lang="en-US" altLang="ja-JP" sz="1200" dirty="0" smtClean="0"/>
+                <a:t>left (bb)</a:t>
+              </a:r>
+            </a:p>
+          </p:txBody>
+        </p:sp>
+        <p:sp>
+          <p:nvSpPr>
+            <p:cNvPr id="110" name="テキスト ボックス 109"/>
+            <p:cNvSpPr txBox="1"/>
+            <p:nvPr/>
+          </p:nvSpPr>
+          <p:spPr>
+            <a:xfrm>
+              <a:off x="4986595" y="452274"/>
+              <a:ext cx="1161986" cy="307777"/>
+            </a:xfrm>
+            <a:prstGeom prst="rect">
+              <a:avLst/>
+            </a:prstGeom>
+            <a:noFill/>
+          </p:spPr>
+          <p:txBody>
+            <a:bodyPr wrap="square" rtlCol="0">
+              <a:spAutoFit/>
+            </a:bodyPr>
+            <a:lstStyle/>
+            <a:p>
+              <a:r>
+                <a:rPr lang="en-US" altLang="ja-JP" sz="1200" dirty="0" smtClean="0"/>
+                <a:t>right </a:t>
+              </a:r>
+              <a:r>
+                <a:rPr lang="en-US" altLang="ja-JP" sz="1200" dirty="0" smtClean="0"/>
+                <a:t>(aa)</a:t>
+              </a:r>
+              <a:endParaRPr lang="en-US" altLang="ja-JP" sz="1200" dirty="0" smtClean="0"/>
+            </a:p>
+          </p:txBody>
+        </p:sp>
+        <p:sp>
+          <p:nvSpPr>
+            <p:cNvPr id="111" name="テキスト ボックス 110"/>
+            <p:cNvSpPr txBox="1"/>
+            <p:nvPr/>
+          </p:nvSpPr>
+          <p:spPr>
+            <a:xfrm>
+              <a:off x="6148581" y="452831"/>
+              <a:ext cx="714074" cy="307777"/>
+            </a:xfrm>
+            <a:prstGeom prst="rect">
+              <a:avLst/>
+            </a:prstGeom>
+            <a:noFill/>
+          </p:spPr>
+          <p:txBody>
+            <a:bodyPr wrap="square" rtlCol="0">
+              <a:spAutoFit/>
+            </a:bodyPr>
+            <a:lstStyle/>
+            <a:p>
+              <a:r>
+                <a:rPr lang="ja-JP" altLang="en-US" sz="1200" dirty="0"/>
+                <a:t>前進</a:t>
+              </a:r>
+              <a:endParaRPr lang="en-US" altLang="ja-JP" sz="1200" dirty="0" smtClean="0"/>
+            </a:p>
+          </p:txBody>
+        </p:sp>
+        <p:sp>
+          <p:nvSpPr>
+            <p:cNvPr id="112" name="テキスト ボックス 111"/>
+            <p:cNvSpPr txBox="1"/>
+            <p:nvPr/>
+          </p:nvSpPr>
+          <p:spPr>
+            <a:xfrm>
+              <a:off x="7293799" y="452831"/>
+              <a:ext cx="714074" cy="307777"/>
+            </a:xfrm>
+            <a:prstGeom prst="rect">
+              <a:avLst/>
+            </a:prstGeom>
+            <a:noFill/>
+          </p:spPr>
+          <p:txBody>
+            <a:bodyPr wrap="square" rtlCol="0">
+              <a:spAutoFit/>
+            </a:bodyPr>
+            <a:lstStyle/>
+            <a:p>
+              <a:r>
+                <a:rPr lang="ja-JP" altLang="en-US" sz="1200" dirty="0" smtClean="0"/>
+                <a:t>後進</a:t>
+              </a:r>
+              <a:endParaRPr lang="en-US" altLang="ja-JP" sz="1200" dirty="0" smtClean="0"/>
+            </a:p>
+          </p:txBody>
+        </p:sp>
+        <p:sp>
+          <p:nvSpPr>
+            <p:cNvPr id="113" name="テキスト ボックス 112"/>
+            <p:cNvSpPr txBox="1"/>
+            <p:nvPr/>
+          </p:nvSpPr>
+          <p:spPr>
+            <a:xfrm>
+              <a:off x="3975767" y="4543285"/>
+              <a:ext cx="463792" cy="494711"/>
+            </a:xfrm>
+            <a:prstGeom prst="roundRect">
+              <a:avLst/>
+            </a:prstGeom>
+            <a:solidFill>
+              <a:srgbClr val="FFFF00"/>
+            </a:solidFill>
+            <a:ln w="28575">
+              <a:solidFill>
+                <a:schemeClr val="tx1"/>
+              </a:solidFill>
+            </a:ln>
+          </p:spPr>
+          <p:txBody>
+            <a:bodyPr wrap="none" rtlCol="0" anchor="ctr">
+              <a:noAutofit/>
+            </a:bodyPr>
+            <a:lstStyle/>
+            <a:p>
+              <a:pPr algn="ctr"/>
+              <a:r>
+                <a:rPr lang="en-US" altLang="ja-JP" sz="1050" b="1" dirty="0" smtClean="0">
+                  <a:solidFill>
+                    <a:srgbClr val="FF0000"/>
+                  </a:solidFill>
+                </a:rPr>
+                <a:t>INIT</a:t>
+              </a:r>
+              <a:endParaRPr kumimoji="1" lang="ja-JP" altLang="en-US" sz="1050" b="1" dirty="0">
+                <a:solidFill>
+                  <a:srgbClr val="FF0000"/>
+                </a:solidFill>
+              </a:endParaRPr>
+            </a:p>
+          </p:txBody>
+        </p:sp>
+        <p:sp>
+          <p:nvSpPr>
+            <p:cNvPr id="114" name="テキスト ボックス 113"/>
+            <p:cNvSpPr txBox="1"/>
+            <p:nvPr/>
+          </p:nvSpPr>
+          <p:spPr>
+            <a:xfrm>
+              <a:off x="5558882" y="4543285"/>
+              <a:ext cx="463792" cy="494711"/>
+            </a:xfrm>
+            <a:prstGeom prst="roundRect">
+              <a:avLst/>
+            </a:prstGeom>
+            <a:solidFill>
+              <a:srgbClr val="FFFF00"/>
+            </a:solidFill>
+            <a:ln w="28575">
+              <a:solidFill>
+                <a:schemeClr val="tx1"/>
+              </a:solidFill>
+            </a:ln>
+          </p:spPr>
+          <p:txBody>
+            <a:bodyPr wrap="none" rtlCol="0" anchor="ctr">
+              <a:noAutofit/>
+            </a:bodyPr>
+            <a:lstStyle/>
+            <a:p>
+              <a:pPr algn="ctr"/>
+              <a:r>
+                <a:rPr kumimoji="1" lang="en-US" altLang="ja-JP" sz="1050" b="1" dirty="0" smtClean="0">
+                  <a:solidFill>
+                    <a:srgbClr val="FF0000"/>
+                  </a:solidFill>
+                </a:rPr>
+                <a:t>CLEAR</a:t>
+              </a:r>
+              <a:endParaRPr kumimoji="1" lang="ja-JP" altLang="en-US" sz="1050" b="1" dirty="0">
+                <a:solidFill>
+                  <a:srgbClr val="FF0000"/>
+                </a:solidFill>
+              </a:endParaRPr>
+            </a:p>
+          </p:txBody>
+        </p:sp>
+        <p:sp>
+          <p:nvSpPr>
+            <p:cNvPr id="115" name="テキスト ボックス 114"/>
+            <p:cNvSpPr txBox="1"/>
+            <p:nvPr/>
+          </p:nvSpPr>
+          <p:spPr>
+            <a:xfrm>
+              <a:off x="7141998" y="4549209"/>
+              <a:ext cx="463792" cy="488787"/>
+            </a:xfrm>
+            <a:prstGeom prst="roundRect">
+              <a:avLst/>
+            </a:prstGeom>
+            <a:solidFill>
+              <a:srgbClr val="FFFF00"/>
+            </a:solidFill>
+            <a:ln w="28575">
+              <a:solidFill>
+                <a:schemeClr val="tx1"/>
+              </a:solidFill>
+            </a:ln>
+          </p:spPr>
+          <p:txBody>
+            <a:bodyPr wrap="none" rtlCol="0" anchor="ctr">
+              <a:noAutofit/>
+            </a:bodyPr>
+            <a:lstStyle/>
+            <a:p>
+              <a:pPr algn="ctr"/>
+              <a:r>
+                <a:rPr lang="en-US" altLang="ja-JP" sz="1050" b="1" dirty="0" smtClean="0">
+                  <a:solidFill>
+                    <a:srgbClr val="FF0000"/>
+                  </a:solidFill>
+                </a:rPr>
+                <a:t>STOP</a:t>
+              </a:r>
+              <a:endParaRPr kumimoji="1" lang="ja-JP" altLang="en-US" sz="1050" b="1" dirty="0">
+                <a:solidFill>
+                  <a:srgbClr val="FF0000"/>
+                </a:solidFill>
+              </a:endParaRPr>
+            </a:p>
+          </p:txBody>
+        </p:sp>
+        <p:sp>
+          <p:nvSpPr>
+            <p:cNvPr id="116" name="テキスト ボックス 115"/>
+            <p:cNvSpPr txBox="1"/>
+            <p:nvPr/>
+          </p:nvSpPr>
+          <p:spPr>
+            <a:xfrm>
+              <a:off x="3784282" y="3438276"/>
+              <a:ext cx="4899150" cy="338554"/>
+            </a:xfrm>
+            <a:prstGeom prst="rect">
+              <a:avLst/>
+            </a:prstGeom>
+            <a:noFill/>
+          </p:spPr>
+          <p:txBody>
+            <a:bodyPr wrap="square" rtlCol="0">
+              <a:spAutoFit/>
+            </a:bodyPr>
+            <a:lstStyle/>
+            <a:p>
+              <a:r>
+                <a:rPr kumimoji="1" lang="en-US" altLang="ja-JP" sz="1400" dirty="0" smtClean="0">
+                  <a:solidFill>
+                    <a:srgbClr val="0070C0"/>
+                  </a:solidFill>
+                </a:rPr>
+                <a:t>※</a:t>
+              </a:r>
+              <a:r>
+                <a:rPr kumimoji="1" lang="ja-JP" altLang="en-US" sz="1400" dirty="0" smtClean="0">
+                  <a:solidFill>
+                    <a:srgbClr val="0070C0"/>
+                  </a:solidFill>
+                </a:rPr>
+                <a:t> 上段で</a:t>
+              </a:r>
+              <a:r>
+                <a:rPr kumimoji="1" lang="en-US" altLang="ja-JP" sz="1400" dirty="0" smtClean="0">
+                  <a:solidFill>
+                    <a:srgbClr val="0070C0"/>
+                  </a:solidFill>
+                </a:rPr>
+                <a:t>ID</a:t>
+              </a:r>
+              <a:r>
+                <a:rPr kumimoji="1" lang="ja-JP" altLang="en-US" sz="1400" dirty="0" smtClean="0">
+                  <a:solidFill>
+                    <a:srgbClr val="0070C0"/>
+                  </a:solidFill>
+                </a:rPr>
+                <a:t>を設定後に下段のコマンドを実行</a:t>
+              </a:r>
+              <a:endParaRPr kumimoji="1" lang="ja-JP" altLang="en-US" sz="1400" dirty="0">
+                <a:solidFill>
+                  <a:srgbClr val="0070C0"/>
+                </a:solidFill>
+              </a:endParaRPr>
+            </a:p>
+          </p:txBody>
+        </p:sp>
+      </p:grpSp>
+      <p:sp>
+        <p:nvSpPr>
+          <p:cNvPr id="5" name="テキスト ボックス 4"/>
           <p:cNvSpPr txBox="1"/>
           <p:nvPr/>
         </p:nvSpPr>
         <p:spPr>
           <a:xfrm>
-            <a:off x="4222358" y="3538637"/>
-            <a:ext cx="4364424" cy="369332"/>
+            <a:off x="7593128" y="81251"/>
+            <a:ext cx="1300356" cy="369332"/>
           </a:xfrm>
           <a:prstGeom prst="rect">
             <a:avLst/>
           </a:prstGeom>
           <a:noFill/>
-        </p:spPr>
-        <p:txBody>
-          <a:bodyPr wrap="square" rtlCol="0">
-            <a:spAutoFit/>
-          </a:bodyPr>
-          <a:lstStyle/>
-          <a:p>
-            <a:r>
-              <a:rPr kumimoji="1" lang="ja-JP" altLang="en-US" dirty="0" smtClean="0">
-                <a:solidFill>
-                  <a:srgbClr val="FF0000"/>
-                </a:solidFill>
-              </a:rPr>
-              <a:t>先に</a:t>
-            </a:r>
-            <a:r>
-              <a:rPr kumimoji="1" lang="en-US" altLang="ja-JP" dirty="0" smtClean="0">
-                <a:solidFill>
-                  <a:srgbClr val="FF0000"/>
-                </a:solidFill>
-              </a:rPr>
-              <a:t>ID</a:t>
-            </a:r>
-            <a:r>
-              <a:rPr kumimoji="1" lang="ja-JP" altLang="en-US" dirty="0" smtClean="0">
-                <a:solidFill>
-                  <a:srgbClr val="FF0000"/>
-                </a:solidFill>
-              </a:rPr>
-              <a:t>を指定して、実行するコマンドを押す</a:t>
-            </a:r>
-            <a:endParaRPr kumimoji="1" lang="ja-JP" altLang="en-US" dirty="0">
-              <a:solidFill>
-                <a:srgbClr val="FF0000"/>
-              </a:solidFill>
-            </a:endParaRPr>
-          </a:p>
-        </p:txBody>
-      </p:sp>
-      <p:sp>
-        <p:nvSpPr>
-          <p:cNvPr id="80" name="テキスト ボックス 79"/>
-          <p:cNvSpPr txBox="1"/>
-          <p:nvPr/>
-        </p:nvSpPr>
-        <p:spPr>
-          <a:xfrm>
-            <a:off x="4887605" y="4438919"/>
-            <a:ext cx="1131922" cy="369332"/>
-          </a:xfrm>
-          <a:prstGeom prst="rect">
-            <a:avLst/>
-          </a:prstGeom>
-          <a:noFill/>
-        </p:spPr>
-        <p:txBody>
-          <a:bodyPr wrap="square" rtlCol="0">
-            <a:spAutoFit/>
-          </a:bodyPr>
-          <a:lstStyle/>
-          <a:p>
-            <a:r>
-              <a:rPr kumimoji="1" lang="en-US" altLang="ja-JP" dirty="0" smtClean="0">
-                <a:solidFill>
-                  <a:srgbClr val="FF0000"/>
-                </a:solidFill>
-              </a:rPr>
-              <a:t>STM</a:t>
-            </a:r>
-            <a:r>
-              <a:rPr kumimoji="1" lang="ja-JP" altLang="en-US" dirty="0" smtClean="0">
-                <a:solidFill>
-                  <a:srgbClr val="FF0000"/>
-                </a:solidFill>
-              </a:rPr>
-              <a:t>の</a:t>
-            </a:r>
-            <a:r>
-              <a:rPr kumimoji="1" lang="en-US" altLang="ja-JP" dirty="0" err="1" smtClean="0">
-                <a:solidFill>
-                  <a:srgbClr val="FF0000"/>
-                </a:solidFill>
-              </a:rPr>
-              <a:t>init</a:t>
-            </a:r>
-            <a:endParaRPr kumimoji="1" lang="ja-JP" altLang="en-US" dirty="0">
-              <a:solidFill>
-                <a:srgbClr val="FF0000"/>
-              </a:solidFill>
-            </a:endParaRPr>
-          </a:p>
-        </p:txBody>
-      </p:sp>
-      <p:sp>
-        <p:nvSpPr>
-          <p:cNvPr id="81" name="テキスト ボックス 80"/>
-          <p:cNvSpPr txBox="1"/>
-          <p:nvPr/>
-        </p:nvSpPr>
-        <p:spPr>
-          <a:xfrm>
-            <a:off x="6602018" y="4337287"/>
-            <a:ext cx="1210588" cy="646331"/>
-          </a:xfrm>
-          <a:prstGeom prst="rect">
-            <a:avLst/>
-          </a:prstGeom>
-          <a:noFill/>
+          <a:ln w="19050">
+            <a:solidFill>
+              <a:srgbClr val="FF0000"/>
+            </a:solidFill>
+          </a:ln>
         </p:spPr>
         <p:txBody>
           <a:bodyPr wrap="none" rtlCol="0">
@@ -5591,68 +6192,12 @@
           <a:lstStyle/>
           <a:p>
             <a:r>
-              <a:rPr kumimoji="1" lang="ja-JP" altLang="en-US" dirty="0" smtClean="0">
+              <a:rPr kumimoji="1" lang="en-US" altLang="ja-JP" dirty="0" smtClean="0">
                 <a:solidFill>
                   <a:srgbClr val="FF0000"/>
                 </a:solidFill>
               </a:rPr>
-              <a:t>モーター</a:t>
-            </a:r>
-            <a:r>
-              <a:rPr kumimoji="1" lang="en-US" altLang="ja-JP" dirty="0" smtClean="0">
-                <a:solidFill>
-                  <a:srgbClr val="FF0000"/>
-                </a:solidFill>
-              </a:rPr>
-              <a:t>ID</a:t>
-            </a:r>
-          </a:p>
-          <a:p>
-            <a:r>
-              <a:rPr kumimoji="1" lang="ja-JP" altLang="en-US" dirty="0" smtClean="0">
-                <a:solidFill>
-                  <a:srgbClr val="FF0000"/>
-                </a:solidFill>
-              </a:rPr>
-              <a:t>のクリア</a:t>
-            </a:r>
-            <a:endParaRPr kumimoji="1" lang="ja-JP" altLang="en-US" dirty="0">
-              <a:solidFill>
-                <a:srgbClr val="FF0000"/>
-              </a:solidFill>
-            </a:endParaRPr>
-          </a:p>
-        </p:txBody>
-      </p:sp>
-      <p:sp>
-        <p:nvSpPr>
-          <p:cNvPr id="84" name="テキスト ボックス 83"/>
-          <p:cNvSpPr txBox="1"/>
-          <p:nvPr/>
-        </p:nvSpPr>
-        <p:spPr>
-          <a:xfrm>
-            <a:off x="8331556" y="4504529"/>
-            <a:ext cx="646331" cy="369332"/>
-          </a:xfrm>
-          <a:prstGeom prst="rect">
-            <a:avLst/>
-          </a:prstGeom>
-          <a:noFill/>
-        </p:spPr>
-        <p:txBody>
-          <a:bodyPr wrap="none" rtlCol="0">
-            <a:spAutoFit/>
-          </a:bodyPr>
-          <a:lstStyle/>
-          <a:p>
-            <a:r>
-              <a:rPr kumimoji="1" lang="ja-JP" altLang="en-US" dirty="0" smtClean="0">
-                <a:solidFill>
-                  <a:srgbClr val="FF0000"/>
-                </a:solidFill>
-              </a:rPr>
-              <a:t>停止</a:t>
+              <a:t>2019/07/29</a:t>
             </a:r>
             <a:endParaRPr kumimoji="1" lang="ja-JP" altLang="en-US" dirty="0">
               <a:solidFill>
@@ -5692,9 +6237,1011 @@
           <a:chExt cx="0" cy="0"/>
         </a:xfrm>
       </p:grpSpPr>
+      <p:sp>
+        <p:nvSpPr>
+          <p:cNvPr id="56" name="テキスト ボックス 55"/>
+          <p:cNvSpPr txBox="1"/>
+          <p:nvPr/>
+        </p:nvSpPr>
+        <p:spPr>
+          <a:xfrm>
+            <a:off x="177909" y="175784"/>
+            <a:ext cx="3592125" cy="523220"/>
+          </a:xfrm>
+          <a:prstGeom prst="rect">
+            <a:avLst/>
+          </a:prstGeom>
+          <a:noFill/>
+        </p:spPr>
+        <p:txBody>
+          <a:bodyPr wrap="square" rtlCol="0">
+            <a:spAutoFit/>
+          </a:bodyPr>
+          <a:lstStyle/>
+          <a:p>
+            <a:r>
+              <a:rPr kumimoji="1" lang="ja-JP" altLang="en-US" sz="2800" dirty="0" smtClean="0"/>
+              <a:t>馬六號 リモコン利用例</a:t>
+            </a:r>
+            <a:endParaRPr kumimoji="1" lang="ja-JP" altLang="en-US" sz="2800" dirty="0"/>
+          </a:p>
+        </p:txBody>
+      </p:sp>
+      <p:sp>
+        <p:nvSpPr>
+          <p:cNvPr id="60" name="テキスト ボックス 59"/>
+          <p:cNvSpPr txBox="1"/>
+          <p:nvPr/>
+        </p:nvSpPr>
+        <p:spPr>
+          <a:xfrm>
+            <a:off x="4467520" y="4064987"/>
+            <a:ext cx="463792" cy="494711"/>
+          </a:xfrm>
+          <a:prstGeom prst="roundRect">
+            <a:avLst/>
+          </a:prstGeom>
+          <a:solidFill>
+            <a:srgbClr val="FFC000"/>
+          </a:solidFill>
+          <a:ln w="28575">
+            <a:solidFill>
+              <a:schemeClr val="tx1"/>
+            </a:solidFill>
+          </a:ln>
+        </p:spPr>
+        <p:txBody>
+          <a:bodyPr wrap="none" rtlCol="0" anchor="ctr">
+            <a:noAutofit/>
+          </a:bodyPr>
+          <a:lstStyle/>
+          <a:p>
+            <a:pPr algn="ctr"/>
+            <a:r>
+              <a:rPr lang="en-US" altLang="ja-JP" sz="1100" b="1" dirty="0" smtClean="0">
+                <a:solidFill>
+                  <a:srgbClr val="0070C0"/>
+                </a:solidFill>
+              </a:rPr>
+              <a:t>WALK</a:t>
+            </a:r>
+            <a:endParaRPr kumimoji="1" lang="ja-JP" altLang="en-US" sz="1100" b="1" dirty="0">
+              <a:solidFill>
+                <a:srgbClr val="0070C0"/>
+              </a:solidFill>
+            </a:endParaRPr>
+          </a:p>
+        </p:txBody>
+      </p:sp>
+      <p:sp>
+        <p:nvSpPr>
+          <p:cNvPr id="94" name="テキスト ボックス 93"/>
+          <p:cNvSpPr txBox="1"/>
+          <p:nvPr/>
+        </p:nvSpPr>
+        <p:spPr>
+          <a:xfrm>
+            <a:off x="4467520" y="2998004"/>
+            <a:ext cx="463792" cy="494711"/>
+          </a:xfrm>
+          <a:prstGeom prst="roundRect">
+            <a:avLst/>
+          </a:prstGeom>
+          <a:solidFill>
+            <a:schemeClr val="accent3">
+              <a:lumMod val="60000"/>
+              <a:lumOff val="40000"/>
+            </a:schemeClr>
+          </a:solidFill>
+          <a:ln w="28575">
+            <a:solidFill>
+              <a:schemeClr val="tx1"/>
+            </a:solidFill>
+          </a:ln>
+        </p:spPr>
+        <p:txBody>
+          <a:bodyPr wrap="none" rtlCol="0" anchor="ctr">
+            <a:noAutofit/>
+          </a:bodyPr>
+          <a:lstStyle/>
+          <a:p>
+            <a:pPr algn="ctr"/>
+            <a:r>
+              <a:rPr lang="en-US" altLang="ja-JP" sz="1100" b="1" dirty="0" smtClean="0">
+                <a:solidFill>
+                  <a:srgbClr val="0070C0"/>
+                </a:solidFill>
+              </a:rPr>
+              <a:t>ALL</a:t>
+            </a:r>
+            <a:endParaRPr kumimoji="1" lang="ja-JP" altLang="en-US" sz="1100" b="1" dirty="0">
+              <a:solidFill>
+                <a:srgbClr val="0070C0"/>
+              </a:solidFill>
+            </a:endParaRPr>
+          </a:p>
+        </p:txBody>
+      </p:sp>
+      <p:sp>
+        <p:nvSpPr>
+          <p:cNvPr id="101" name="テキスト ボックス 100"/>
+          <p:cNvSpPr txBox="1"/>
+          <p:nvPr/>
+        </p:nvSpPr>
+        <p:spPr>
+          <a:xfrm>
+            <a:off x="6371676" y="2998005"/>
+            <a:ext cx="463792" cy="494711"/>
+          </a:xfrm>
+          <a:prstGeom prst="roundRect">
+            <a:avLst/>
+          </a:prstGeom>
+          <a:solidFill>
+            <a:schemeClr val="tx2">
+              <a:lumMod val="20000"/>
+              <a:lumOff val="80000"/>
+            </a:schemeClr>
+          </a:solidFill>
+          <a:ln w="28575">
+            <a:solidFill>
+              <a:schemeClr val="tx1"/>
+            </a:solidFill>
+          </a:ln>
+        </p:spPr>
+        <p:txBody>
+          <a:bodyPr wrap="none" rtlCol="0" anchor="ctr">
+            <a:noAutofit/>
+          </a:bodyPr>
+          <a:lstStyle>
+            <a:defPPr>
+              <a:defRPr lang="ja-JP"/>
+            </a:defPPr>
+            <a:lvl1pPr algn="ctr">
+              <a:defRPr sz="1400" b="1">
+                <a:solidFill>
+                  <a:srgbClr val="0070C0"/>
+                </a:solidFill>
+              </a:defRPr>
+            </a:lvl1pPr>
+          </a:lstStyle>
+          <a:p>
+            <a:r>
+              <a:rPr lang="en-US" altLang="ja-JP" sz="1100" dirty="0" smtClean="0"/>
+              <a:t>MOVE</a:t>
+            </a:r>
+            <a:endParaRPr lang="en-US" altLang="ja-JP" sz="1100" dirty="0"/>
+          </a:p>
+          <a:p>
+            <a:r>
+              <a:rPr lang="en-US" altLang="ja-JP" sz="1100" dirty="0"/>
+              <a:t>0</a:t>
+            </a:r>
+            <a:endParaRPr lang="ja-JP" altLang="en-US" sz="1100" dirty="0"/>
+          </a:p>
+        </p:txBody>
+      </p:sp>
+      <p:sp>
+        <p:nvSpPr>
+          <p:cNvPr id="113" name="テキスト ボックス 112"/>
+          <p:cNvSpPr txBox="1"/>
+          <p:nvPr/>
+        </p:nvSpPr>
+        <p:spPr>
+          <a:xfrm>
+            <a:off x="4467520" y="1975419"/>
+            <a:ext cx="463792" cy="494711"/>
+          </a:xfrm>
+          <a:prstGeom prst="roundRect">
+            <a:avLst/>
+          </a:prstGeom>
+          <a:solidFill>
+            <a:srgbClr val="FFFF00"/>
+          </a:solidFill>
+          <a:ln w="28575">
+            <a:solidFill>
+              <a:schemeClr val="tx1"/>
+            </a:solidFill>
+          </a:ln>
+        </p:spPr>
+        <p:txBody>
+          <a:bodyPr wrap="none" rtlCol="0" anchor="ctr">
+            <a:noAutofit/>
+          </a:bodyPr>
+          <a:lstStyle/>
+          <a:p>
+            <a:pPr algn="ctr"/>
+            <a:r>
+              <a:rPr lang="en-US" altLang="ja-JP" sz="1100" b="1" dirty="0" smtClean="0">
+                <a:solidFill>
+                  <a:srgbClr val="FF0000"/>
+                </a:solidFill>
+              </a:rPr>
+              <a:t>INIT</a:t>
+            </a:r>
+            <a:endParaRPr kumimoji="1" lang="ja-JP" altLang="en-US" sz="1100" b="1" dirty="0">
+              <a:solidFill>
+                <a:srgbClr val="FF0000"/>
+              </a:solidFill>
+            </a:endParaRPr>
+          </a:p>
+        </p:txBody>
+      </p:sp>
+      <p:sp>
+        <p:nvSpPr>
+          <p:cNvPr id="78" name="テキスト ボックス 77"/>
+          <p:cNvSpPr txBox="1"/>
+          <p:nvPr/>
+        </p:nvSpPr>
+        <p:spPr>
+          <a:xfrm>
+            <a:off x="172039" y="948599"/>
+            <a:ext cx="3714160" cy="738664"/>
+          </a:xfrm>
+          <a:prstGeom prst="rect">
+            <a:avLst/>
+          </a:prstGeom>
+          <a:noFill/>
+        </p:spPr>
+        <p:txBody>
+          <a:bodyPr wrap="square" rtlCol="0">
+            <a:spAutoFit/>
+          </a:bodyPr>
+          <a:lstStyle/>
+          <a:p>
+            <a:r>
+              <a:rPr lang="ja-JP" altLang="en-US" sz="1400" dirty="0" smtClean="0"/>
+              <a:t>① </a:t>
+            </a:r>
+            <a:r>
+              <a:rPr lang="en-US" altLang="ja-JP" sz="1400" dirty="0" smtClean="0"/>
+              <a:t>raspberry pi </a:t>
+            </a:r>
+            <a:r>
+              <a:rPr lang="ja-JP" altLang="en-US" sz="1400" dirty="0" smtClean="0"/>
+              <a:t>起動 </a:t>
+            </a:r>
+            <a:endParaRPr lang="en-US" altLang="ja-JP" sz="1400" dirty="0" smtClean="0"/>
+          </a:p>
+          <a:p>
+            <a:r>
+              <a:rPr lang="en-US" altLang="ja-JP" sz="1400" dirty="0"/>
+              <a:t> </a:t>
+            </a:r>
+            <a:r>
+              <a:rPr lang="en-US" altLang="ja-JP" sz="1400" dirty="0" smtClean="0"/>
+              <a:t>    </a:t>
+            </a:r>
+            <a:r>
+              <a:rPr lang="ja-JP" altLang="en-US" sz="1400" dirty="0" smtClean="0"/>
+              <a:t>電源を入れて起動後</a:t>
+            </a:r>
+            <a:r>
+              <a:rPr lang="en-US" altLang="ja-JP" sz="1400" dirty="0" smtClean="0"/>
+              <a:t>30</a:t>
+            </a:r>
+            <a:r>
+              <a:rPr lang="ja-JP" altLang="en-US" sz="1400" dirty="0" smtClean="0"/>
+              <a:t>秒くらい待つと</a:t>
+            </a:r>
+            <a:endParaRPr lang="en-US" altLang="ja-JP" sz="1400" dirty="0" smtClean="0"/>
+          </a:p>
+          <a:p>
+            <a:r>
+              <a:rPr lang="ja-JP" altLang="en-US" sz="1400" dirty="0"/>
+              <a:t> </a:t>
+            </a:r>
+            <a:r>
+              <a:rPr lang="ja-JP" altLang="en-US" sz="1400" dirty="0" smtClean="0"/>
+              <a:t>    コマンド受付</a:t>
+            </a:r>
+            <a:r>
+              <a:rPr lang="en-US" altLang="ja-JP" sz="1400" dirty="0" smtClean="0"/>
+              <a:t>(menu.py)</a:t>
+            </a:r>
+            <a:r>
+              <a:rPr lang="ja-JP" altLang="en-US" sz="1400" dirty="0" smtClean="0"/>
+              <a:t> 可能になる</a:t>
+            </a:r>
+            <a:endParaRPr kumimoji="1" lang="ja-JP" altLang="en-US" sz="1400" dirty="0"/>
+          </a:p>
+        </p:txBody>
+      </p:sp>
+      <p:sp>
+        <p:nvSpPr>
+          <p:cNvPr id="79" name="テキスト ボックス 78"/>
+          <p:cNvSpPr txBox="1"/>
+          <p:nvPr/>
+        </p:nvSpPr>
+        <p:spPr>
+          <a:xfrm>
+            <a:off x="177909" y="1805760"/>
+            <a:ext cx="3355866" cy="974425"/>
+          </a:xfrm>
+          <a:prstGeom prst="rect">
+            <a:avLst/>
+          </a:prstGeom>
+          <a:noFill/>
+        </p:spPr>
+        <p:txBody>
+          <a:bodyPr wrap="square" rtlCol="0">
+            <a:spAutoFit/>
+          </a:bodyPr>
+          <a:lstStyle>
+            <a:defPPr>
+              <a:defRPr lang="ja-JP"/>
+            </a:defPPr>
+            <a:lvl1pPr>
+              <a:defRPr sz="1400"/>
+            </a:lvl1pPr>
+          </a:lstStyle>
+          <a:p>
+            <a:r>
+              <a:rPr lang="ja-JP" altLang="en-US" dirty="0"/>
+              <a:t>② </a:t>
+            </a:r>
+            <a:r>
+              <a:rPr lang="en-US" altLang="ja-JP" dirty="0" err="1"/>
+              <a:t>init</a:t>
+            </a:r>
+            <a:endParaRPr lang="en-US" altLang="ja-JP" dirty="0"/>
+          </a:p>
+          <a:p>
+            <a:r>
+              <a:rPr lang="ja-JP" altLang="en-US" dirty="0"/>
+              <a:t>     </a:t>
+            </a:r>
+            <a:r>
+              <a:rPr lang="en-US" altLang="ja-JP" dirty="0" err="1"/>
+              <a:t>stm</a:t>
+            </a:r>
+            <a:r>
+              <a:rPr lang="ja-JP" altLang="en-US" dirty="0"/>
+              <a:t>の</a:t>
+            </a:r>
+            <a:r>
+              <a:rPr lang="en-US" altLang="ja-JP" dirty="0" err="1"/>
+              <a:t>init</a:t>
+            </a:r>
+            <a:r>
+              <a:rPr lang="ja-JP" altLang="en-US" dirty="0"/>
+              <a:t>コマンドを実行する。</a:t>
+            </a:r>
+            <a:endParaRPr lang="en-US" altLang="ja-JP" dirty="0"/>
+          </a:p>
+          <a:p>
+            <a:r>
+              <a:rPr lang="ja-JP" altLang="en-US" dirty="0"/>
+              <a:t>     一度全部の足が縮んで</a:t>
+            </a:r>
+            <a:r>
+              <a:rPr lang="ja-JP" altLang="en-US" dirty="0" smtClean="0"/>
+              <a:t>、 </a:t>
+            </a:r>
+            <a:r>
+              <a:rPr lang="ja-JP" altLang="en-US" dirty="0"/>
+              <a:t>しばらくする</a:t>
+            </a:r>
+            <a:r>
+              <a:rPr lang="ja-JP" altLang="en-US" dirty="0" smtClean="0"/>
+              <a:t>と</a:t>
+            </a:r>
+            <a:r>
+              <a:rPr lang="en-US" altLang="ja-JP" dirty="0" smtClean="0"/>
+              <a:t/>
+            </a:r>
+            <a:br>
+              <a:rPr lang="en-US" altLang="ja-JP" dirty="0" smtClean="0"/>
+            </a:br>
+            <a:r>
+              <a:rPr lang="ja-JP" altLang="en-US" dirty="0" smtClean="0"/>
+              <a:t>     全部の足が伸びる</a:t>
+            </a:r>
+            <a:r>
+              <a:rPr lang="en-US" altLang="ja-JP" dirty="0"/>
+              <a:t>(</a:t>
+            </a:r>
+            <a:r>
+              <a:rPr lang="en-US" altLang="ja-JP" dirty="0" smtClean="0"/>
+              <a:t>10</a:t>
+            </a:r>
+            <a:r>
+              <a:rPr lang="ja-JP" altLang="en-US" dirty="0" smtClean="0"/>
+              <a:t>秒程度</a:t>
+            </a:r>
+            <a:r>
+              <a:rPr lang="en-US" altLang="ja-JP" dirty="0" smtClean="0"/>
+              <a:t>)</a:t>
+            </a:r>
+            <a:endParaRPr lang="ja-JP" altLang="en-US" dirty="0"/>
+          </a:p>
+        </p:txBody>
+      </p:sp>
+      <p:sp>
+        <p:nvSpPr>
+          <p:cNvPr id="83" name="テキスト ボックス 82"/>
+          <p:cNvSpPr txBox="1"/>
+          <p:nvPr/>
+        </p:nvSpPr>
+        <p:spPr>
+          <a:xfrm>
+            <a:off x="172039" y="2847118"/>
+            <a:ext cx="3228385" cy="738664"/>
+          </a:xfrm>
+          <a:prstGeom prst="rect">
+            <a:avLst/>
+          </a:prstGeom>
+          <a:noFill/>
+        </p:spPr>
+        <p:txBody>
+          <a:bodyPr wrap="square" rtlCol="0">
+            <a:spAutoFit/>
+          </a:bodyPr>
+          <a:lstStyle>
+            <a:defPPr>
+              <a:defRPr lang="ja-JP"/>
+            </a:defPPr>
+            <a:lvl1pPr>
+              <a:defRPr sz="1400"/>
+            </a:lvl1pPr>
+          </a:lstStyle>
+          <a:p>
+            <a:r>
+              <a:rPr lang="ja-JP" altLang="en-US" dirty="0"/>
+              <a:t>③ 足の位置を</a:t>
+            </a:r>
+            <a:r>
+              <a:rPr lang="en-US" altLang="ja-JP" dirty="0"/>
+              <a:t>0</a:t>
+            </a:r>
+            <a:r>
+              <a:rPr lang="ja-JP" altLang="en-US" dirty="0"/>
+              <a:t>に移動させる</a:t>
+            </a:r>
+            <a:endParaRPr lang="en-US" altLang="ja-JP" dirty="0"/>
+          </a:p>
+          <a:p>
+            <a:r>
+              <a:rPr lang="en-US" altLang="ja-JP" dirty="0"/>
+              <a:t>      </a:t>
+            </a:r>
+            <a:r>
+              <a:rPr lang="ja-JP" altLang="en-US" dirty="0"/>
+              <a:t>抱えて足が浮いた状態</a:t>
+            </a:r>
+            <a:r>
+              <a:rPr lang="ja-JP" altLang="en-US" dirty="0" smtClean="0"/>
+              <a:t>でコマンドを</a:t>
+            </a:r>
+            <a:r>
+              <a:rPr lang="en-US" altLang="ja-JP" dirty="0" smtClean="0"/>
+              <a:t/>
+            </a:r>
+            <a:br>
+              <a:rPr lang="en-US" altLang="ja-JP" dirty="0" smtClean="0"/>
+            </a:br>
+            <a:r>
+              <a:rPr lang="ja-JP" altLang="en-US" dirty="0" smtClean="0"/>
+              <a:t>      実施</a:t>
+            </a:r>
+            <a:r>
+              <a:rPr lang="ja-JP" altLang="en-US" dirty="0"/>
+              <a:t>する</a:t>
+            </a:r>
+            <a:endParaRPr lang="en-US" altLang="ja-JP" dirty="0"/>
+          </a:p>
+        </p:txBody>
+      </p:sp>
+      <p:sp>
+        <p:nvSpPr>
+          <p:cNvPr id="85" name="テキスト ボックス 84"/>
+          <p:cNvSpPr txBox="1"/>
+          <p:nvPr/>
+        </p:nvSpPr>
+        <p:spPr>
+          <a:xfrm>
+            <a:off x="172040" y="3857285"/>
+            <a:ext cx="3025830" cy="738664"/>
+          </a:xfrm>
+          <a:prstGeom prst="rect">
+            <a:avLst/>
+          </a:prstGeom>
+          <a:noFill/>
+        </p:spPr>
+        <p:txBody>
+          <a:bodyPr wrap="square" rtlCol="0">
+            <a:spAutoFit/>
+          </a:bodyPr>
+          <a:lstStyle>
+            <a:defPPr>
+              <a:defRPr lang="ja-JP"/>
+            </a:defPPr>
+            <a:lvl1pPr>
+              <a:defRPr sz="1400"/>
+            </a:lvl1pPr>
+          </a:lstStyle>
+          <a:p>
+            <a:r>
+              <a:rPr lang="ja-JP" altLang="en-US" dirty="0" smtClean="0"/>
+              <a:t>④ 歩行</a:t>
+            </a:r>
+            <a:endParaRPr lang="en-US" altLang="ja-JP" dirty="0"/>
+          </a:p>
+          <a:p>
+            <a:r>
+              <a:rPr lang="en-US" altLang="ja-JP" dirty="0"/>
+              <a:t>     </a:t>
+            </a:r>
+            <a:r>
+              <a:rPr lang="ja-JP" altLang="en-US" dirty="0" smtClean="0"/>
+              <a:t>足が初期位置に移動した後に</a:t>
+            </a:r>
+            <a:r>
+              <a:rPr lang="en-US" altLang="ja-JP" dirty="0" smtClean="0"/>
+              <a:t/>
+            </a:r>
+            <a:br>
+              <a:rPr lang="en-US" altLang="ja-JP" dirty="0" smtClean="0"/>
+            </a:br>
+            <a:r>
+              <a:rPr lang="ja-JP" altLang="en-US" dirty="0" smtClean="0"/>
+              <a:t>     地面に下ろして、歩行を開始する</a:t>
+            </a:r>
+            <a:endParaRPr lang="en-US" altLang="ja-JP" dirty="0"/>
+          </a:p>
+        </p:txBody>
+      </p:sp>
+      <p:cxnSp>
+        <p:nvCxnSpPr>
+          <p:cNvPr id="5" name="直線コネクタ 4"/>
+          <p:cNvCxnSpPr/>
+          <p:nvPr/>
+        </p:nvCxnSpPr>
+        <p:spPr>
+          <a:xfrm>
+            <a:off x="172040" y="1789028"/>
+            <a:ext cx="8590960" cy="0"/>
+          </a:xfrm>
+          <a:prstGeom prst="line">
+            <a:avLst/>
+          </a:prstGeom>
+          <a:ln w="28575"/>
+        </p:spPr>
+        <p:style>
+          <a:lnRef idx="1">
+            <a:schemeClr val="accent1"/>
+          </a:lnRef>
+          <a:fillRef idx="0">
+            <a:schemeClr val="accent1"/>
+          </a:fillRef>
+          <a:effectRef idx="0">
+            <a:schemeClr val="accent1"/>
+          </a:effectRef>
+          <a:fontRef idx="minor">
+            <a:schemeClr val="tx1"/>
+          </a:fontRef>
+        </p:style>
+      </p:cxnSp>
+      <p:cxnSp>
+        <p:nvCxnSpPr>
+          <p:cNvPr id="86" name="直線コネクタ 85"/>
+          <p:cNvCxnSpPr/>
+          <p:nvPr/>
+        </p:nvCxnSpPr>
+        <p:spPr>
+          <a:xfrm>
+            <a:off x="172040" y="2780185"/>
+            <a:ext cx="8590960" cy="0"/>
+          </a:xfrm>
+          <a:prstGeom prst="line">
+            <a:avLst/>
+          </a:prstGeom>
+          <a:ln w="28575"/>
+        </p:spPr>
+        <p:style>
+          <a:lnRef idx="1">
+            <a:schemeClr val="accent1"/>
+          </a:lnRef>
+          <a:fillRef idx="0">
+            <a:schemeClr val="accent1"/>
+          </a:fillRef>
+          <a:effectRef idx="0">
+            <a:schemeClr val="accent1"/>
+          </a:effectRef>
+          <a:fontRef idx="minor">
+            <a:schemeClr val="tx1"/>
+          </a:fontRef>
+        </p:style>
+      </p:cxnSp>
+      <p:cxnSp>
+        <p:nvCxnSpPr>
+          <p:cNvPr id="87" name="直線コネクタ 86"/>
+          <p:cNvCxnSpPr/>
+          <p:nvPr/>
+        </p:nvCxnSpPr>
+        <p:spPr>
+          <a:xfrm>
+            <a:off x="172040" y="3771342"/>
+            <a:ext cx="8590960" cy="0"/>
+          </a:xfrm>
+          <a:prstGeom prst="line">
+            <a:avLst/>
+          </a:prstGeom>
+          <a:ln w="28575"/>
+        </p:spPr>
+        <p:style>
+          <a:lnRef idx="1">
+            <a:schemeClr val="accent1"/>
+          </a:lnRef>
+          <a:fillRef idx="0">
+            <a:schemeClr val="accent1"/>
+          </a:fillRef>
+          <a:effectRef idx="0">
+            <a:schemeClr val="accent1"/>
+          </a:effectRef>
+          <a:fontRef idx="minor">
+            <a:schemeClr val="tx1"/>
+          </a:fontRef>
+        </p:style>
+      </p:cxnSp>
+      <p:sp>
+        <p:nvSpPr>
+          <p:cNvPr id="118" name="正方形/長方形 117"/>
+          <p:cNvSpPr/>
+          <p:nvPr/>
+        </p:nvSpPr>
+        <p:spPr>
+          <a:xfrm>
+            <a:off x="172040" y="797871"/>
+            <a:ext cx="8590960" cy="3964629"/>
+          </a:xfrm>
+          <a:prstGeom prst="rect">
+            <a:avLst/>
+          </a:prstGeom>
+          <a:noFill/>
+          <a:ln w="28575"/>
+        </p:spPr>
+        <p:style>
+          <a:lnRef idx="2">
+            <a:schemeClr val="accent1">
+              <a:shade val="50000"/>
+            </a:schemeClr>
+          </a:lnRef>
+          <a:fillRef idx="1">
+            <a:schemeClr val="accent1"/>
+          </a:fillRef>
+          <a:effectRef idx="0">
+            <a:schemeClr val="accent1"/>
+          </a:effectRef>
+          <a:fontRef idx="minor">
+            <a:schemeClr val="lt1"/>
+          </a:fontRef>
+        </p:style>
+        <p:txBody>
+          <a:bodyPr rtlCol="0" anchor="ctr"/>
+          <a:lstStyle/>
+          <a:p>
+            <a:pPr algn="ctr"/>
+            <a:endParaRPr kumimoji="1" lang="ja-JP" altLang="en-US"/>
+          </a:p>
+        </p:txBody>
+      </p:sp>
+      <p:cxnSp>
+        <p:nvCxnSpPr>
+          <p:cNvPr id="119" name="直線コネクタ 118"/>
+          <p:cNvCxnSpPr/>
+          <p:nvPr/>
+        </p:nvCxnSpPr>
+        <p:spPr>
+          <a:xfrm flipV="1">
+            <a:off x="3676650" y="797872"/>
+            <a:ext cx="0" cy="3964628"/>
+          </a:xfrm>
+          <a:prstGeom prst="line">
+            <a:avLst/>
+          </a:prstGeom>
+          <a:ln w="28575"/>
+        </p:spPr>
+        <p:style>
+          <a:lnRef idx="1">
+            <a:schemeClr val="accent1"/>
+          </a:lnRef>
+          <a:fillRef idx="0">
+            <a:schemeClr val="accent1"/>
+          </a:fillRef>
+          <a:effectRef idx="0">
+            <a:schemeClr val="accent1"/>
+          </a:effectRef>
+          <a:fontRef idx="minor">
+            <a:schemeClr val="tx1"/>
+          </a:fontRef>
+        </p:style>
+      </p:cxnSp>
+      <p:sp>
+        <p:nvSpPr>
+          <p:cNvPr id="120" name="テキスト ボックス 119"/>
+          <p:cNvSpPr txBox="1"/>
+          <p:nvPr/>
+        </p:nvSpPr>
+        <p:spPr>
+          <a:xfrm>
+            <a:off x="3912908" y="948599"/>
+            <a:ext cx="4850092" cy="738664"/>
+          </a:xfrm>
+          <a:prstGeom prst="rect">
+            <a:avLst/>
+          </a:prstGeom>
+          <a:noFill/>
+        </p:spPr>
+        <p:txBody>
+          <a:bodyPr wrap="square" rtlCol="0">
+            <a:spAutoFit/>
+          </a:bodyPr>
+          <a:lstStyle/>
+          <a:p>
+            <a:r>
+              <a:rPr kumimoji="1" lang="ja-JP" altLang="en-US" sz="1400" dirty="0" smtClean="0"/>
+              <a:t>現状では、</a:t>
+            </a:r>
+            <a:r>
+              <a:rPr kumimoji="1" lang="en-US" altLang="ja-JP" sz="1400" dirty="0" err="1" smtClean="0"/>
+              <a:t>stm</a:t>
+            </a:r>
+            <a:r>
+              <a:rPr kumimoji="1" lang="ja-JP" altLang="en-US" sz="1400" dirty="0" smtClean="0"/>
+              <a:t>のポートが有効に</a:t>
+            </a:r>
+            <a:r>
+              <a:rPr lang="ja-JP" altLang="en-US" sz="1400" dirty="0"/>
+              <a:t>なる</a:t>
+            </a:r>
+            <a:r>
+              <a:rPr lang="ja-JP" altLang="en-US" sz="1400" dirty="0" smtClean="0"/>
+              <a:t>まで何回か繰り返し</a:t>
+            </a:r>
+            <a:r>
+              <a:rPr lang="en-US" altLang="ja-JP" sz="1400" dirty="0" smtClean="0"/>
+              <a:t>menu.py</a:t>
+            </a:r>
+            <a:r>
+              <a:rPr lang="ja-JP" altLang="en-US" sz="1400" dirty="0" smtClean="0"/>
+              <a:t>を</a:t>
+            </a:r>
+            <a:r>
+              <a:rPr lang="en-US" altLang="ja-JP" sz="1400" dirty="0" smtClean="0"/>
+              <a:t>『CTRL+C』</a:t>
+            </a:r>
+            <a:r>
+              <a:rPr lang="ja-JP" altLang="en-US" sz="1400" dirty="0" smtClean="0"/>
+              <a:t>もしくは</a:t>
+            </a:r>
+            <a:r>
+              <a:rPr lang="en-US" altLang="ja-JP" sz="1400" dirty="0" smtClean="0"/>
+              <a:t>『Q』</a:t>
+            </a:r>
+            <a:r>
+              <a:rPr lang="ja-JP" altLang="en-US" sz="1400" dirty="0" smtClean="0"/>
+              <a:t>で止めて、再実行する必要がある</a:t>
+            </a:r>
+            <a:r>
+              <a:rPr lang="en-US" altLang="ja-JP" sz="1400" dirty="0" smtClean="0"/>
+              <a:t>(5</a:t>
+            </a:r>
+            <a:r>
+              <a:rPr lang="ja-JP" altLang="en-US" sz="1400" dirty="0" smtClean="0"/>
+              <a:t>回程度、再実行</a:t>
+            </a:r>
+            <a:r>
+              <a:rPr lang="en-US" altLang="ja-JP" sz="1400" dirty="0" smtClean="0"/>
+              <a:t>)</a:t>
+            </a:r>
+            <a:endParaRPr kumimoji="1" lang="ja-JP" altLang="en-US" sz="1400" dirty="0"/>
+          </a:p>
+        </p:txBody>
+      </p:sp>
+      <p:sp>
+        <p:nvSpPr>
+          <p:cNvPr id="121" name="テキスト ボックス 120"/>
+          <p:cNvSpPr txBox="1"/>
+          <p:nvPr/>
+        </p:nvSpPr>
+        <p:spPr>
+          <a:xfrm>
+            <a:off x="4931312" y="2068885"/>
+            <a:ext cx="1672260" cy="307777"/>
+          </a:xfrm>
+          <a:prstGeom prst="rect">
+            <a:avLst/>
+          </a:prstGeom>
+          <a:noFill/>
+        </p:spPr>
+        <p:txBody>
+          <a:bodyPr wrap="square" rtlCol="0">
+            <a:spAutoFit/>
+          </a:bodyPr>
+          <a:lstStyle/>
+          <a:p>
+            <a:r>
+              <a:rPr kumimoji="1" lang="ja-JP" altLang="en-US" sz="1400" dirty="0" smtClean="0"/>
+              <a:t>を押して</a:t>
+            </a:r>
+            <a:r>
+              <a:rPr kumimoji="1" lang="en-US" altLang="ja-JP" sz="1400" dirty="0" smtClean="0"/>
+              <a:t>10</a:t>
+            </a:r>
+            <a:r>
+              <a:rPr kumimoji="1" lang="ja-JP" altLang="en-US" sz="1400" dirty="0" smtClean="0"/>
+              <a:t>秒待つ</a:t>
+            </a:r>
+            <a:endParaRPr kumimoji="1" lang="ja-JP" altLang="en-US" sz="1400" dirty="0"/>
+          </a:p>
+        </p:txBody>
+      </p:sp>
+      <p:sp>
+        <p:nvSpPr>
+          <p:cNvPr id="122" name="テキスト ボックス 121"/>
+          <p:cNvSpPr txBox="1"/>
+          <p:nvPr/>
+        </p:nvSpPr>
+        <p:spPr>
+          <a:xfrm>
+            <a:off x="4921787" y="3069010"/>
+            <a:ext cx="945613" cy="307777"/>
+          </a:xfrm>
+          <a:prstGeom prst="rect">
+            <a:avLst/>
+          </a:prstGeom>
+          <a:noFill/>
+        </p:spPr>
+        <p:txBody>
+          <a:bodyPr wrap="square" rtlCol="0">
+            <a:spAutoFit/>
+          </a:bodyPr>
+          <a:lstStyle/>
+          <a:p>
+            <a:r>
+              <a:rPr kumimoji="1" lang="ja-JP" altLang="en-US" sz="1400" dirty="0" smtClean="0"/>
+              <a:t>を押して</a:t>
+            </a:r>
+            <a:endParaRPr kumimoji="1" lang="ja-JP" altLang="en-US" sz="1400" dirty="0"/>
+          </a:p>
+        </p:txBody>
+      </p:sp>
+      <p:sp>
+        <p:nvSpPr>
+          <p:cNvPr id="123" name="テキスト ボックス 122"/>
+          <p:cNvSpPr txBox="1"/>
+          <p:nvPr/>
+        </p:nvSpPr>
+        <p:spPr>
+          <a:xfrm>
+            <a:off x="6835468" y="3062561"/>
+            <a:ext cx="945613" cy="307777"/>
+          </a:xfrm>
+          <a:prstGeom prst="rect">
+            <a:avLst/>
+          </a:prstGeom>
+          <a:noFill/>
+        </p:spPr>
+        <p:txBody>
+          <a:bodyPr wrap="square" rtlCol="0">
+            <a:spAutoFit/>
+          </a:bodyPr>
+          <a:lstStyle/>
+          <a:p>
+            <a:r>
+              <a:rPr kumimoji="1" lang="ja-JP" altLang="en-US" sz="1400" dirty="0" smtClean="0"/>
+              <a:t>を押す</a:t>
+            </a:r>
+            <a:endParaRPr kumimoji="1" lang="ja-JP" altLang="en-US" sz="1400" dirty="0"/>
+          </a:p>
+        </p:txBody>
+      </p:sp>
+      <p:sp>
+        <p:nvSpPr>
+          <p:cNvPr id="124" name="テキスト ボックス 123"/>
+          <p:cNvSpPr txBox="1"/>
+          <p:nvPr/>
+        </p:nvSpPr>
+        <p:spPr>
+          <a:xfrm>
+            <a:off x="4931312" y="4158453"/>
+            <a:ext cx="945613" cy="307777"/>
+          </a:xfrm>
+          <a:prstGeom prst="rect">
+            <a:avLst/>
+          </a:prstGeom>
+          <a:noFill/>
+        </p:spPr>
+        <p:txBody>
+          <a:bodyPr wrap="square" rtlCol="0">
+            <a:spAutoFit/>
+          </a:bodyPr>
+          <a:lstStyle/>
+          <a:p>
+            <a:r>
+              <a:rPr kumimoji="1" lang="ja-JP" altLang="en-US" sz="1400" dirty="0" smtClean="0"/>
+              <a:t>を押す</a:t>
+            </a:r>
+            <a:endParaRPr kumimoji="1" lang="ja-JP" altLang="en-US" sz="1400" dirty="0"/>
+          </a:p>
+        </p:txBody>
+      </p:sp>
+      <p:sp>
+        <p:nvSpPr>
+          <p:cNvPr id="125" name="テキスト ボックス 124"/>
+          <p:cNvSpPr txBox="1"/>
+          <p:nvPr/>
+        </p:nvSpPr>
+        <p:spPr>
+          <a:xfrm>
+            <a:off x="7593128" y="81251"/>
+            <a:ext cx="1300356" cy="369332"/>
+          </a:xfrm>
+          <a:prstGeom prst="rect">
+            <a:avLst/>
+          </a:prstGeom>
+          <a:noFill/>
+          <a:ln w="19050">
+            <a:solidFill>
+              <a:srgbClr val="FF0000"/>
+            </a:solidFill>
+          </a:ln>
+        </p:spPr>
+        <p:txBody>
+          <a:bodyPr wrap="none" rtlCol="0">
+            <a:spAutoFit/>
+          </a:bodyPr>
+          <a:lstStyle/>
+          <a:p>
+            <a:r>
+              <a:rPr kumimoji="1" lang="en-US" altLang="ja-JP" dirty="0" smtClean="0">
+                <a:solidFill>
+                  <a:srgbClr val="FF0000"/>
+                </a:solidFill>
+              </a:rPr>
+              <a:t>2019/07/29</a:t>
+            </a:r>
+            <a:endParaRPr kumimoji="1" lang="ja-JP" altLang="en-US" dirty="0">
+              <a:solidFill>
+                <a:srgbClr val="FF0000"/>
+              </a:solidFill>
+            </a:endParaRPr>
+          </a:p>
+        </p:txBody>
+      </p:sp>
+    </p:spTree>
+    <p:extLst>
+      <p:ext uri="{BB962C8B-B14F-4D97-AF65-F5344CB8AC3E}">
+        <p14:creationId xmlns:p14="http://schemas.microsoft.com/office/powerpoint/2010/main" val="3625495266"/>
+      </p:ext>
+    </p:extLst>
+  </p:cSld>
+  <p:clrMapOvr>
+    <a:masterClrMapping/>
+  </p:clrMapOvr>
+</p:sld>
+</file>
+
+<file path=ppt/slides/slide3.xml><?xml version="1.0" encoding="utf-8"?>
+<p:sld xmlns:a="http://schemas.openxmlformats.org/drawingml/2006/main" xmlns:r="http://schemas.openxmlformats.org/officeDocument/2006/relationships" xmlns:p="http://schemas.openxmlformats.org/presentationml/2006/main">
+  <p:cSld>
+    <p:spTree>
+      <p:nvGrpSpPr>
+        <p:cNvPr id="1" name=""/>
+        <p:cNvGrpSpPr/>
+        <p:nvPr/>
+      </p:nvGrpSpPr>
+      <p:grpSpPr>
+        <a:xfrm>
+          <a:off x="0" y="0"/>
+          <a:ext cx="0" cy="0"/>
+          <a:chOff x="0" y="0"/>
+          <a:chExt cx="0" cy="0"/>
+        </a:xfrm>
+      </p:grpSpPr>
       <p:pic>
         <p:nvPicPr>
-          <p:cNvPr id="1026" name="Picture 2"/>
+          <p:cNvPr id="28" name="Picture 2"/>
           <p:cNvPicPr>
             <a:picLocks noChangeAspect="1" noChangeArrowheads="1"/>
           </p:cNvPicPr>
@@ -5713,8 +7260,8 @@
         </p:blipFill>
         <p:spPr bwMode="auto">
           <a:xfrm>
-            <a:off x="205166" y="388418"/>
-            <a:ext cx="3638550" cy="4463770"/>
+            <a:off x="370735" y="960683"/>
+            <a:ext cx="3125054" cy="3833814"/>
           </a:xfrm>
           <a:prstGeom prst="rect">
             <a:avLst/>
@@ -5746,14 +7293,14 @@
       </p:pic>
       <p:sp>
         <p:nvSpPr>
-          <p:cNvPr id="8" name="テキスト ボックス 7"/>
+          <p:cNvPr id="29" name="テキスト ボックス 28"/>
           <p:cNvSpPr txBox="1"/>
           <p:nvPr/>
         </p:nvSpPr>
         <p:spPr>
           <a:xfrm>
-            <a:off x="1279973" y="1356055"/>
-            <a:ext cx="540000" cy="576000"/>
+            <a:off x="1293858" y="1791761"/>
+            <a:ext cx="463792" cy="494711"/>
           </a:xfrm>
           <a:prstGeom prst="roundRect">
             <a:avLst/>
@@ -5778,22 +7325,14 @@
           <a:p>
             <a:pPr algn="ctr"/>
             <a:r>
-              <a:rPr lang="en-US" altLang="ja-JP" b="1" dirty="0" smtClean="0">
+              <a:rPr lang="en-US" altLang="ja-JP" sz="1400" b="1" dirty="0" smtClean="0">
                 <a:solidFill>
                   <a:srgbClr val="0070C0"/>
                 </a:solidFill>
               </a:rPr>
-              <a:t>“</a:t>
-            </a:r>
-            <a:r>
-              <a:rPr lang="en-US" altLang="ja-JP" b="1" dirty="0" smtClean="0">
-                <a:solidFill>
-                  <a:srgbClr val="0070C0"/>
-                </a:solidFill>
-              </a:rPr>
-              <a:t>2”</a:t>
-            </a:r>
-            <a:endParaRPr kumimoji="1" lang="ja-JP" altLang="en-US" b="1" dirty="0">
+              <a:t>“2”</a:t>
+            </a:r>
+            <a:endParaRPr kumimoji="1" lang="ja-JP" altLang="en-US" sz="1400" b="1" dirty="0">
               <a:solidFill>
                 <a:srgbClr val="0070C0"/>
               </a:solidFill>
@@ -5803,14 +7342,14 @@
       </p:sp>
       <p:sp>
         <p:nvSpPr>
-          <p:cNvPr id="9" name="テキスト ボックス 8"/>
+          <p:cNvPr id="30" name="テキスト ボックス 29"/>
           <p:cNvSpPr txBox="1"/>
           <p:nvPr/>
         </p:nvSpPr>
         <p:spPr>
           <a:xfrm>
-            <a:off x="1279973" y="2247633"/>
-            <a:ext cx="540000" cy="576000"/>
+            <a:off x="1293858" y="2557514"/>
+            <a:ext cx="463792" cy="494711"/>
           </a:xfrm>
           <a:prstGeom prst="roundRect">
             <a:avLst/>
@@ -5835,22 +7374,14 @@
           <a:p>
             <a:pPr algn="ctr"/>
             <a:r>
-              <a:rPr kumimoji="1" lang="en-US" altLang="ja-JP" b="1" dirty="0" smtClean="0">
+              <a:rPr kumimoji="1" lang="en-US" altLang="ja-JP" sz="1400" b="1" dirty="0" smtClean="0">
                 <a:solidFill>
                   <a:srgbClr val="0070C0"/>
                 </a:solidFill>
               </a:rPr>
-              <a:t>“</a:t>
-            </a:r>
-            <a:r>
-              <a:rPr kumimoji="1" lang="en-US" altLang="ja-JP" b="1" dirty="0" smtClean="0">
-                <a:solidFill>
-                  <a:srgbClr val="0070C0"/>
-                </a:solidFill>
-              </a:rPr>
-              <a:t>3”</a:t>
-            </a:r>
-            <a:endParaRPr kumimoji="1" lang="ja-JP" altLang="en-US" b="1" dirty="0">
+              <a:t>“3”</a:t>
+            </a:r>
+            <a:endParaRPr kumimoji="1" lang="ja-JP" altLang="en-US" sz="1400" b="1" dirty="0">
               <a:solidFill>
                 <a:srgbClr val="0070C0"/>
               </a:solidFill>
@@ -5860,14 +7391,14 @@
       </p:sp>
       <p:sp>
         <p:nvSpPr>
-          <p:cNvPr id="10" name="テキスト ボックス 9"/>
+          <p:cNvPr id="31" name="テキスト ボックス 30"/>
           <p:cNvSpPr txBox="1"/>
           <p:nvPr/>
         </p:nvSpPr>
         <p:spPr>
           <a:xfrm>
-            <a:off x="1279973" y="3147303"/>
-            <a:ext cx="540000" cy="576000"/>
+            <a:off x="1293858" y="3330216"/>
+            <a:ext cx="463792" cy="494711"/>
           </a:xfrm>
           <a:prstGeom prst="roundRect">
             <a:avLst/>
@@ -5892,22 +7423,14 @@
           <a:p>
             <a:pPr algn="ctr"/>
             <a:r>
-              <a:rPr kumimoji="1" lang="en-US" altLang="ja-JP" b="1" dirty="0" smtClean="0">
+              <a:rPr kumimoji="1" lang="en-US" altLang="ja-JP" sz="1400" b="1" dirty="0" smtClean="0">
                 <a:solidFill>
                   <a:srgbClr val="0070C0"/>
                 </a:solidFill>
               </a:rPr>
-              <a:t>“</a:t>
-            </a:r>
-            <a:r>
-              <a:rPr kumimoji="1" lang="en-US" altLang="ja-JP" b="1" dirty="0" smtClean="0">
-                <a:solidFill>
-                  <a:srgbClr val="0070C0"/>
-                </a:solidFill>
-              </a:rPr>
-              <a:t>4”</a:t>
-            </a:r>
-            <a:endParaRPr kumimoji="1" lang="ja-JP" altLang="en-US" b="1" dirty="0">
+              <a:t>“4”</a:t>
+            </a:r>
+            <a:endParaRPr kumimoji="1" lang="ja-JP" altLang="en-US" sz="1400" b="1" dirty="0">
               <a:solidFill>
                 <a:srgbClr val="0070C0"/>
               </a:solidFill>
@@ -5917,14 +7440,14 @@
       </p:sp>
       <p:sp>
         <p:nvSpPr>
-          <p:cNvPr id="11" name="テキスト ボックス 10"/>
+          <p:cNvPr id="32" name="テキスト ボックス 31"/>
           <p:cNvSpPr txBox="1"/>
           <p:nvPr/>
         </p:nvSpPr>
         <p:spPr>
           <a:xfrm>
-            <a:off x="2153914" y="1356055"/>
-            <a:ext cx="540000" cy="576000"/>
+            <a:off x="2044463" y="1791761"/>
+            <a:ext cx="463792" cy="494711"/>
           </a:xfrm>
           <a:prstGeom prst="roundRect">
             <a:avLst/>
@@ -5949,22 +7472,14 @@
           <a:p>
             <a:pPr algn="ctr"/>
             <a:r>
-              <a:rPr lang="en-US" altLang="ja-JP" b="1" dirty="0" smtClean="0">
+              <a:rPr lang="en-US" altLang="ja-JP" sz="1400" b="1" dirty="0" smtClean="0">
                 <a:solidFill>
                   <a:srgbClr val="0070C0"/>
                 </a:solidFill>
               </a:rPr>
-              <a:t>“</a:t>
-            </a:r>
-            <a:r>
-              <a:rPr lang="en-US" altLang="ja-JP" b="1" dirty="0" smtClean="0">
-                <a:solidFill>
-                  <a:srgbClr val="0070C0"/>
-                </a:solidFill>
-              </a:rPr>
-              <a:t>5”</a:t>
-            </a:r>
-            <a:endParaRPr kumimoji="1" lang="ja-JP" altLang="en-US" b="1" dirty="0">
+              <a:t>“5”</a:t>
+            </a:r>
+            <a:endParaRPr kumimoji="1" lang="ja-JP" altLang="en-US" sz="1400" b="1" dirty="0">
               <a:solidFill>
                 <a:srgbClr val="0070C0"/>
               </a:solidFill>
@@ -5974,14 +7489,14 @@
       </p:sp>
       <p:sp>
         <p:nvSpPr>
-          <p:cNvPr id="12" name="テキスト ボックス 11"/>
+          <p:cNvPr id="33" name="テキスト ボックス 32"/>
           <p:cNvSpPr txBox="1"/>
           <p:nvPr/>
         </p:nvSpPr>
         <p:spPr>
           <a:xfrm>
-            <a:off x="2153914" y="2247633"/>
-            <a:ext cx="540000" cy="576000"/>
+            <a:off x="2044463" y="2557514"/>
+            <a:ext cx="463792" cy="494711"/>
           </a:xfrm>
           <a:prstGeom prst="roundRect">
             <a:avLst/>
@@ -6006,22 +7521,14 @@
           <a:p>
             <a:pPr algn="ctr"/>
             <a:r>
-              <a:rPr lang="en-US" altLang="ja-JP" b="1" dirty="0" smtClean="0">
+              <a:rPr lang="en-US" altLang="ja-JP" sz="1400" b="1" dirty="0" smtClean="0">
                 <a:solidFill>
                   <a:srgbClr val="0070C0"/>
                 </a:solidFill>
               </a:rPr>
-              <a:t>“</a:t>
-            </a:r>
-            <a:r>
-              <a:rPr lang="en-US" altLang="ja-JP" b="1" dirty="0" smtClean="0">
-                <a:solidFill>
-                  <a:srgbClr val="0070C0"/>
-                </a:solidFill>
-              </a:rPr>
-              <a:t>6”</a:t>
-            </a:r>
-            <a:endParaRPr kumimoji="1" lang="ja-JP" altLang="en-US" b="1" dirty="0">
+              <a:t>“6”</a:t>
+            </a:r>
+            <a:endParaRPr kumimoji="1" lang="ja-JP" altLang="en-US" sz="1400" b="1" dirty="0">
               <a:solidFill>
                 <a:srgbClr val="0070C0"/>
               </a:solidFill>
@@ -6031,14 +7538,14 @@
       </p:sp>
       <p:sp>
         <p:nvSpPr>
-          <p:cNvPr id="13" name="テキスト ボックス 12"/>
+          <p:cNvPr id="34" name="テキスト ボックス 33"/>
           <p:cNvSpPr txBox="1"/>
           <p:nvPr/>
         </p:nvSpPr>
         <p:spPr>
           <a:xfrm>
-            <a:off x="2153914" y="3147303"/>
-            <a:ext cx="540000" cy="576000"/>
+            <a:off x="2044463" y="3330216"/>
+            <a:ext cx="463792" cy="494711"/>
           </a:xfrm>
           <a:prstGeom prst="roundRect">
             <a:avLst/>
@@ -6063,22 +7570,14 @@
           <a:p>
             <a:pPr algn="ctr"/>
             <a:r>
-              <a:rPr lang="en-US" altLang="ja-JP" b="1" dirty="0" smtClean="0">
+              <a:rPr lang="en-US" altLang="ja-JP" sz="1400" b="1" dirty="0" smtClean="0">
                 <a:solidFill>
                   <a:srgbClr val="0070C0"/>
                 </a:solidFill>
               </a:rPr>
-              <a:t>“</a:t>
-            </a:r>
-            <a:r>
-              <a:rPr lang="en-US" altLang="ja-JP" b="1" dirty="0" smtClean="0">
-                <a:solidFill>
-                  <a:srgbClr val="0070C0"/>
-                </a:solidFill>
-              </a:rPr>
-              <a:t>7”</a:t>
-            </a:r>
-            <a:endParaRPr kumimoji="1" lang="ja-JP" altLang="en-US" b="1" dirty="0">
+              <a:t>“7”</a:t>
+            </a:r>
+            <a:endParaRPr kumimoji="1" lang="ja-JP" altLang="en-US" sz="1400" b="1" dirty="0">
               <a:solidFill>
                 <a:srgbClr val="0070C0"/>
               </a:solidFill>
@@ -6088,14 +7587,14 @@
       </p:sp>
       <p:sp>
         <p:nvSpPr>
-          <p:cNvPr id="17" name="テキスト ボックス 16"/>
+          <p:cNvPr id="35" name="テキスト ボックス 34"/>
           <p:cNvSpPr txBox="1"/>
           <p:nvPr/>
         </p:nvSpPr>
         <p:spPr>
           <a:xfrm>
-            <a:off x="1279973" y="478715"/>
-            <a:ext cx="540000" cy="576000"/>
+            <a:off x="1293858" y="1038237"/>
+            <a:ext cx="463792" cy="494711"/>
           </a:xfrm>
           <a:prstGeom prst="roundRect">
             <a:avLst/>
@@ -6127,23 +7626,23 @@
           </a:lstStyle>
           <a:p>
             <a:r>
-              <a:rPr lang="en-US" altLang="ja-JP" dirty="0"/>
+              <a:rPr lang="en-US" altLang="ja-JP" sz="1100" dirty="0"/>
               <a:t>RIGHT</a:t>
             </a:r>
-            <a:endParaRPr lang="ja-JP" altLang="en-US" dirty="0"/>
-          </a:p>
-        </p:txBody>
-      </p:sp>
-      <p:sp>
-        <p:nvSpPr>
-          <p:cNvPr id="18" name="テキスト ボックス 17"/>
+            <a:endParaRPr lang="ja-JP" altLang="en-US" sz="1100" dirty="0"/>
+          </a:p>
+        </p:txBody>
+      </p:sp>
+      <p:sp>
+        <p:nvSpPr>
+          <p:cNvPr id="36" name="テキスト ボックス 35"/>
           <p:cNvSpPr txBox="1"/>
           <p:nvPr/>
         </p:nvSpPr>
         <p:spPr>
           <a:xfrm>
-            <a:off x="397941" y="478715"/>
-            <a:ext cx="540000" cy="576000"/>
+            <a:off x="536304" y="1038237"/>
+            <a:ext cx="463792" cy="494711"/>
           </a:xfrm>
           <a:prstGeom prst="roundRect">
             <a:avLst/>
@@ -6175,23 +7674,23 @@
           </a:lstStyle>
           <a:p>
             <a:r>
-              <a:rPr lang="en-US" altLang="ja-JP" dirty="0"/>
+              <a:rPr lang="en-US" altLang="ja-JP" sz="1100" dirty="0"/>
               <a:t>LEFT</a:t>
             </a:r>
-            <a:endParaRPr lang="ja-JP" altLang="en-US" dirty="0"/>
-          </a:p>
-        </p:txBody>
-      </p:sp>
-      <p:sp>
-        <p:nvSpPr>
-          <p:cNvPr id="19" name="テキスト ボックス 18"/>
+            <a:endParaRPr lang="ja-JP" altLang="en-US" sz="1100" dirty="0"/>
+          </a:p>
+        </p:txBody>
+      </p:sp>
+      <p:sp>
+        <p:nvSpPr>
+          <p:cNvPr id="37" name="テキスト ボックス 36"/>
           <p:cNvSpPr txBox="1"/>
           <p:nvPr/>
         </p:nvSpPr>
         <p:spPr>
           <a:xfrm>
-            <a:off x="397941" y="1356055"/>
-            <a:ext cx="540000" cy="576000"/>
+            <a:off x="536304" y="1791761"/>
+            <a:ext cx="463792" cy="494711"/>
           </a:xfrm>
           <a:prstGeom prst="roundRect">
             <a:avLst/>
@@ -6216,14 +7715,14 @@
           <a:p>
             <a:pPr algn="ctr"/>
             <a:r>
-              <a:rPr lang="en-US" altLang="ja-JP" sz="1400" b="1" dirty="0" smtClean="0">
+              <a:rPr lang="en-US" altLang="ja-JP" sz="1100" b="1" dirty="0" smtClean="0">
                 <a:solidFill>
                   <a:srgbClr val="0070C0"/>
                 </a:solidFill>
               </a:rPr>
               <a:t>UP</a:t>
             </a:r>
-            <a:endParaRPr kumimoji="1" lang="ja-JP" altLang="en-US" sz="1400" b="1" dirty="0">
+            <a:endParaRPr kumimoji="1" lang="ja-JP" altLang="en-US" sz="1100" b="1" dirty="0">
               <a:solidFill>
                 <a:srgbClr val="0070C0"/>
               </a:solidFill>
@@ -6233,14 +7732,14 @@
       </p:sp>
       <p:sp>
         <p:nvSpPr>
-          <p:cNvPr id="20" name="テキスト ボックス 19"/>
+          <p:cNvPr id="38" name="テキスト ボックス 37"/>
           <p:cNvSpPr txBox="1"/>
           <p:nvPr/>
         </p:nvSpPr>
         <p:spPr>
           <a:xfrm>
-            <a:off x="397941" y="2247633"/>
-            <a:ext cx="540000" cy="576000"/>
+            <a:off x="536304" y="2557514"/>
+            <a:ext cx="463792" cy="494711"/>
           </a:xfrm>
           <a:prstGeom prst="roundRect">
             <a:avLst/>
@@ -6265,14 +7764,14 @@
           <a:p>
             <a:pPr algn="ctr"/>
             <a:r>
-              <a:rPr lang="en-US" altLang="ja-JP" sz="1400" b="1" dirty="0" smtClean="0">
+              <a:rPr lang="en-US" altLang="ja-JP" sz="1100" b="1" dirty="0" smtClean="0">
                 <a:solidFill>
                   <a:srgbClr val="0070C0"/>
                 </a:solidFill>
               </a:rPr>
               <a:t>DOWN</a:t>
             </a:r>
-            <a:endParaRPr kumimoji="1" lang="ja-JP" altLang="en-US" sz="1400" b="1" dirty="0">
+            <a:endParaRPr kumimoji="1" lang="ja-JP" altLang="en-US" sz="1100" b="1" dirty="0">
               <a:solidFill>
                 <a:srgbClr val="0070C0"/>
               </a:solidFill>
@@ -6282,14 +7781,14 @@
       </p:sp>
       <p:sp>
         <p:nvSpPr>
-          <p:cNvPr id="21" name="テキスト ボックス 20"/>
+          <p:cNvPr id="39" name="テキスト ボックス 38"/>
           <p:cNvSpPr txBox="1"/>
           <p:nvPr/>
         </p:nvSpPr>
         <p:spPr>
           <a:xfrm>
-            <a:off x="2153914" y="4031900"/>
-            <a:ext cx="540000" cy="576000"/>
+            <a:off x="2044463" y="4089973"/>
+            <a:ext cx="463792" cy="494711"/>
           </a:xfrm>
           <a:prstGeom prst="roundRect">
             <a:avLst/>
@@ -6314,14 +7813,14 @@
           <a:p>
             <a:pPr algn="ctr"/>
             <a:r>
-              <a:rPr lang="en-US" altLang="ja-JP" sz="1400" b="1" dirty="0" smtClean="0">
+              <a:rPr lang="en-US" altLang="ja-JP" sz="1100" b="1" dirty="0" smtClean="0">
                 <a:solidFill>
                   <a:srgbClr val="0070C0"/>
                 </a:solidFill>
               </a:rPr>
               <a:t>ALL</a:t>
             </a:r>
-            <a:endParaRPr kumimoji="1" lang="ja-JP" altLang="en-US" sz="1400" b="1" dirty="0">
+            <a:endParaRPr kumimoji="1" lang="ja-JP" altLang="en-US" sz="1100" b="1" dirty="0">
               <a:solidFill>
                 <a:srgbClr val="0070C0"/>
               </a:solidFill>
@@ -6331,14 +7830,14 @@
       </p:sp>
       <p:sp>
         <p:nvSpPr>
-          <p:cNvPr id="22" name="テキスト ボックス 21"/>
+          <p:cNvPr id="40" name="テキスト ボックス 39"/>
           <p:cNvSpPr txBox="1"/>
           <p:nvPr/>
         </p:nvSpPr>
         <p:spPr>
           <a:xfrm>
-            <a:off x="3060220" y="3147303"/>
-            <a:ext cx="540000" cy="1440000"/>
+            <a:off x="2822865" y="3330216"/>
+            <a:ext cx="463792" cy="1236778"/>
           </a:xfrm>
           <a:prstGeom prst="roundRect">
             <a:avLst/>
@@ -6360,14 +7859,14 @@
           <a:p>
             <a:pPr algn="ctr"/>
             <a:r>
-              <a:rPr lang="en-US" altLang="ja-JP" sz="1400" b="1" dirty="0" smtClean="0">
+              <a:rPr lang="en-US" altLang="ja-JP" sz="1100" b="1" dirty="0" smtClean="0">
                 <a:solidFill>
                   <a:srgbClr val="FF0000"/>
                 </a:solidFill>
               </a:rPr>
               <a:t>STOP</a:t>
             </a:r>
-            <a:endParaRPr kumimoji="1" lang="ja-JP" altLang="en-US" sz="1400" b="1" dirty="0">
+            <a:endParaRPr kumimoji="1" lang="ja-JP" altLang="en-US" sz="1100" b="1" dirty="0">
               <a:solidFill>
                 <a:srgbClr val="FF0000"/>
               </a:solidFill>
@@ -6377,14 +7876,14 @@
       </p:sp>
       <p:sp>
         <p:nvSpPr>
-          <p:cNvPr id="23" name="テキスト ボックス 22"/>
+          <p:cNvPr id="41" name="テキスト ボックス 40"/>
           <p:cNvSpPr txBox="1"/>
           <p:nvPr/>
         </p:nvSpPr>
         <p:spPr>
           <a:xfrm>
-            <a:off x="2153914" y="478715"/>
-            <a:ext cx="540000" cy="576000"/>
+            <a:off x="2044463" y="1038237"/>
+            <a:ext cx="463792" cy="494711"/>
           </a:xfrm>
           <a:prstGeom prst="roundRect">
             <a:avLst/>
@@ -6406,14 +7905,14 @@
           <a:p>
             <a:pPr algn="ctr"/>
             <a:r>
-              <a:rPr lang="en-US" altLang="ja-JP" sz="1400" b="1" dirty="0" smtClean="0">
+              <a:rPr lang="en-US" altLang="ja-JP" sz="1100" b="1" dirty="0" smtClean="0">
                 <a:solidFill>
                   <a:srgbClr val="0070C0"/>
                 </a:solidFill>
               </a:rPr>
               <a:t>WALK</a:t>
             </a:r>
-            <a:endParaRPr kumimoji="1" lang="ja-JP" altLang="en-US" sz="1400" b="1" dirty="0">
+            <a:endParaRPr kumimoji="1" lang="ja-JP" altLang="en-US" sz="1100" b="1" dirty="0">
               <a:solidFill>
                 <a:srgbClr val="0070C0"/>
               </a:solidFill>
@@ -6423,14 +7922,14 @@
       </p:sp>
       <p:sp>
         <p:nvSpPr>
-          <p:cNvPr id="24" name="テキスト ボックス 23"/>
+          <p:cNvPr id="42" name="テキスト ボックス 41"/>
           <p:cNvSpPr txBox="1"/>
           <p:nvPr/>
         </p:nvSpPr>
         <p:spPr>
           <a:xfrm>
-            <a:off x="3060220" y="478715"/>
-            <a:ext cx="540000" cy="576000"/>
+            <a:off x="2822865" y="1038237"/>
+            <a:ext cx="463792" cy="494711"/>
           </a:xfrm>
           <a:prstGeom prst="roundRect">
             <a:avLst/>
@@ -6452,14 +7951,14 @@
           <a:p>
             <a:pPr algn="ctr"/>
             <a:r>
-              <a:rPr lang="en-US" altLang="ja-JP" sz="1400" b="1" dirty="0" smtClean="0">
+              <a:rPr lang="en-US" altLang="ja-JP" sz="1100" b="1" dirty="0" smtClean="0">
                 <a:solidFill>
                   <a:srgbClr val="0070C0"/>
                 </a:solidFill>
               </a:rPr>
               <a:t>BACK</a:t>
             </a:r>
-            <a:endParaRPr kumimoji="1" lang="ja-JP" altLang="en-US" sz="1400" b="1" dirty="0">
+            <a:endParaRPr kumimoji="1" lang="ja-JP" altLang="en-US" sz="1100" b="1" dirty="0">
               <a:solidFill>
                 <a:srgbClr val="0070C0"/>
               </a:solidFill>
@@ -6469,14 +7968,14 @@
       </p:sp>
       <p:sp>
         <p:nvSpPr>
-          <p:cNvPr id="25" name="テキスト ボックス 24"/>
+          <p:cNvPr id="43" name="テキスト ボックス 42"/>
           <p:cNvSpPr txBox="1"/>
           <p:nvPr/>
         </p:nvSpPr>
         <p:spPr>
           <a:xfrm>
-            <a:off x="3060220" y="1356055"/>
-            <a:ext cx="540000" cy="576000"/>
+            <a:off x="2822865" y="1791761"/>
+            <a:ext cx="463792" cy="494711"/>
           </a:xfrm>
           <a:prstGeom prst="roundRect">
             <a:avLst/>
@@ -6511,30 +8010,30 @@
           </a:lstStyle>
           <a:p>
             <a:r>
-              <a:rPr lang="en-US" altLang="ja-JP" dirty="0" smtClean="0"/>
+              <a:rPr lang="en-US" altLang="ja-JP" sz="1100" dirty="0" smtClean="0"/>
               <a:t>MOVE</a:t>
             </a:r>
-            <a:endParaRPr lang="en-US" altLang="ja-JP" dirty="0"/>
-          </a:p>
-          <a:p>
-            <a:r>
-              <a:rPr lang="en-US" altLang="ja-JP" dirty="0"/>
+            <a:endParaRPr lang="en-US" altLang="ja-JP" sz="1100" dirty="0"/>
+          </a:p>
+          <a:p>
+            <a:r>
+              <a:rPr lang="en-US" altLang="ja-JP" sz="1100" dirty="0"/>
               <a:t>0</a:t>
             </a:r>
-            <a:endParaRPr lang="ja-JP" altLang="en-US" dirty="0"/>
-          </a:p>
-        </p:txBody>
-      </p:sp>
-      <p:sp>
-        <p:nvSpPr>
-          <p:cNvPr id="26" name="テキスト ボックス 25"/>
+            <a:endParaRPr lang="ja-JP" altLang="en-US" sz="1100" dirty="0"/>
+          </a:p>
+        </p:txBody>
+      </p:sp>
+      <p:sp>
+        <p:nvSpPr>
+          <p:cNvPr id="44" name="テキスト ボックス 43"/>
           <p:cNvSpPr txBox="1"/>
           <p:nvPr/>
         </p:nvSpPr>
         <p:spPr>
           <a:xfrm>
-            <a:off x="3060220" y="2247633"/>
-            <a:ext cx="540000" cy="576000"/>
+            <a:off x="2822865" y="2557514"/>
+            <a:ext cx="463792" cy="494711"/>
           </a:xfrm>
           <a:prstGeom prst="roundRect">
             <a:avLst/>
@@ -6569,30 +8068,30 @@
           </a:lstStyle>
           <a:p>
             <a:r>
-              <a:rPr lang="en-US" altLang="ja-JP" smtClean="0"/>
+              <a:rPr lang="en-US" altLang="ja-JP" sz="1100" smtClean="0"/>
               <a:t>MOVE</a:t>
             </a:r>
-            <a:endParaRPr lang="en-US" altLang="ja-JP" dirty="0"/>
-          </a:p>
-          <a:p>
-            <a:r>
-              <a:rPr lang="en-US" altLang="ja-JP" dirty="0"/>
+            <a:endParaRPr lang="en-US" altLang="ja-JP" sz="1100" dirty="0"/>
+          </a:p>
+          <a:p>
+            <a:r>
+              <a:rPr lang="en-US" altLang="ja-JP" sz="1100" dirty="0"/>
               <a:t>100</a:t>
             </a:r>
-            <a:endParaRPr lang="ja-JP" altLang="en-US" dirty="0"/>
-          </a:p>
-        </p:txBody>
-      </p:sp>
-      <p:sp>
-        <p:nvSpPr>
-          <p:cNvPr id="27" name="テキスト ボックス 26"/>
+            <a:endParaRPr lang="ja-JP" altLang="en-US" sz="1100" dirty="0"/>
+          </a:p>
+        </p:txBody>
+      </p:sp>
+      <p:sp>
+        <p:nvSpPr>
+          <p:cNvPr id="45" name="テキスト ボックス 44"/>
           <p:cNvSpPr txBox="1"/>
           <p:nvPr/>
         </p:nvSpPr>
         <p:spPr>
           <a:xfrm>
-            <a:off x="397941" y="3147303"/>
-            <a:ext cx="540000" cy="576000"/>
+            <a:off x="536304" y="3330216"/>
+            <a:ext cx="463792" cy="494711"/>
           </a:xfrm>
           <a:prstGeom prst="roundRect">
             <a:avLst/>
@@ -6614,14 +8113,14 @@
           <a:p>
             <a:pPr algn="ctr"/>
             <a:r>
-              <a:rPr lang="en-US" altLang="ja-JP" sz="1400" b="1" dirty="0" smtClean="0">
+              <a:rPr lang="en-US" altLang="ja-JP" sz="1100" b="1" dirty="0" smtClean="0">
                 <a:solidFill>
                   <a:srgbClr val="FF0000"/>
                 </a:solidFill>
               </a:rPr>
               <a:t>INIT</a:t>
             </a:r>
-            <a:endParaRPr kumimoji="1" lang="ja-JP" altLang="en-US" sz="1400" b="1" dirty="0">
+            <a:endParaRPr kumimoji="1" lang="ja-JP" altLang="en-US" sz="1100" b="1" dirty="0">
               <a:solidFill>
                 <a:srgbClr val="FF0000"/>
               </a:solidFill>
@@ -6631,14 +8130,14 @@
       </p:sp>
       <p:sp>
         <p:nvSpPr>
-          <p:cNvPr id="56" name="テキスト ボックス 55"/>
+          <p:cNvPr id="46" name="テキスト ボックス 45"/>
           <p:cNvSpPr txBox="1"/>
           <p:nvPr/>
         </p:nvSpPr>
         <p:spPr>
           <a:xfrm>
-            <a:off x="397941" y="4011303"/>
-            <a:ext cx="540000" cy="576000"/>
+            <a:off x="536304" y="4072283"/>
+            <a:ext cx="463792" cy="494711"/>
           </a:xfrm>
           <a:prstGeom prst="roundRect">
             <a:avLst/>
@@ -6660,14 +8159,14 @@
           <a:p>
             <a:pPr algn="ctr"/>
             <a:r>
-              <a:rPr kumimoji="1" lang="en-US" altLang="ja-JP" sz="1400" b="1" dirty="0" smtClean="0">
+              <a:rPr kumimoji="1" lang="en-US" altLang="ja-JP" sz="1100" b="1" dirty="0" smtClean="0">
                 <a:solidFill>
                   <a:srgbClr val="FF0000"/>
                 </a:solidFill>
               </a:rPr>
               <a:t>CLEAR</a:t>
             </a:r>
-            <a:endParaRPr kumimoji="1" lang="ja-JP" altLang="en-US" sz="1400" b="1" dirty="0">
+            <a:endParaRPr kumimoji="1" lang="ja-JP" altLang="en-US" sz="1100" b="1" dirty="0">
               <a:solidFill>
                 <a:srgbClr val="FF0000"/>
               </a:solidFill>
@@ -6677,7 +8176,7 @@
       </p:sp>
       <p:pic>
         <p:nvPicPr>
-          <p:cNvPr id="61" name="Picture 2"/>
+          <p:cNvPr id="47" name="Picture 2"/>
           <p:cNvPicPr>
             <a:picLocks noChangeAspect="1" noChangeArrowheads="1"/>
           </p:cNvPicPr>
@@ -6696,8 +8195,8 @@
         </p:blipFill>
         <p:spPr bwMode="auto">
           <a:xfrm>
-            <a:off x="4458759" y="388418"/>
-            <a:ext cx="3638550" cy="4463770"/>
+            <a:off x="4188355" y="960683"/>
+            <a:ext cx="3125054" cy="3833814"/>
           </a:xfrm>
           <a:prstGeom prst="rect">
             <a:avLst/>
@@ -6727,6 +8226,79 @@
           </a:extLst>
         </p:spPr>
       </p:pic>
+      <p:sp>
+        <p:nvSpPr>
+          <p:cNvPr id="68" name="テキスト ボックス 67"/>
+          <p:cNvSpPr txBox="1"/>
+          <p:nvPr/>
+        </p:nvSpPr>
+        <p:spPr>
+          <a:xfrm>
+            <a:off x="177910" y="175784"/>
+            <a:ext cx="5666630" cy="523220"/>
+          </a:xfrm>
+          <a:prstGeom prst="rect">
+            <a:avLst/>
+          </a:prstGeom>
+          <a:noFill/>
+        </p:spPr>
+        <p:txBody>
+          <a:bodyPr wrap="square" rtlCol="0">
+            <a:spAutoFit/>
+          </a:bodyPr>
+          <a:lstStyle/>
+          <a:p>
+            <a:r>
+              <a:rPr kumimoji="1" lang="ja-JP" altLang="en-US" sz="2800" dirty="0" smtClean="0"/>
+              <a:t>馬六號 リモコンのキーアサイン</a:t>
+            </a:r>
+            <a:endParaRPr kumimoji="1" lang="ja-JP" altLang="en-US" sz="2800" dirty="0"/>
+          </a:p>
+        </p:txBody>
+      </p:sp>
+      <p:sp>
+        <p:nvSpPr>
+          <p:cNvPr id="70" name="テキスト ボックス 69"/>
+          <p:cNvSpPr txBox="1"/>
+          <p:nvPr/>
+        </p:nvSpPr>
+        <p:spPr>
+          <a:xfrm>
+            <a:off x="7593128" y="81251"/>
+            <a:ext cx="1300356" cy="369332"/>
+          </a:xfrm>
+          <a:prstGeom prst="rect">
+            <a:avLst/>
+          </a:prstGeom>
+          <a:noFill/>
+          <a:ln w="19050">
+            <a:solidFill>
+              <a:srgbClr val="FF0000"/>
+            </a:solidFill>
+          </a:ln>
+        </p:spPr>
+        <p:txBody>
+          <a:bodyPr wrap="none" rtlCol="0">
+            <a:spAutoFit/>
+          </a:bodyPr>
+          <a:lstStyle/>
+          <a:p>
+            <a:r>
+              <a:rPr kumimoji="1" lang="en-US" altLang="ja-JP" dirty="0" smtClean="0">
+                <a:solidFill>
+                  <a:srgbClr val="FF0000"/>
+                </a:solidFill>
+              </a:rPr>
+              <a:t>2019/07/29</a:t>
+            </a:r>
+            <a:endParaRPr kumimoji="1" lang="ja-JP" altLang="en-US" dirty="0">
+              <a:solidFill>
+                <a:srgbClr val="FF0000"/>
+              </a:solidFill>
+            </a:endParaRPr>
+          </a:p>
+        </p:txBody>
+      </p:sp>
     </p:spTree>
     <p:extLst>
       <p:ext uri="{BB962C8B-B14F-4D97-AF65-F5344CB8AC3E}">
